--- a/2022-09-29 ABP Community Talks 2022.7/ABP-7-News.pptx
+++ b/2022-09-29 ABP Community Talks 2022.7/ABP-7-News.pptx
@@ -8,12 +8,16 @@
     <p:sldId id="256" r:id="rId2"/>
     <p:sldId id="257" r:id="rId3"/>
     <p:sldId id="258" r:id="rId4"/>
-    <p:sldId id="259" r:id="rId5"/>
-    <p:sldId id="260" r:id="rId6"/>
-    <p:sldId id="261" r:id="rId7"/>
-    <p:sldId id="262" r:id="rId8"/>
-    <p:sldId id="263" r:id="rId9"/>
-    <p:sldId id="264" r:id="rId10"/>
+    <p:sldId id="262" r:id="rId5"/>
+    <p:sldId id="268" r:id="rId6"/>
+    <p:sldId id="263" r:id="rId7"/>
+    <p:sldId id="267" r:id="rId8"/>
+    <p:sldId id="259" r:id="rId9"/>
+    <p:sldId id="260" r:id="rId10"/>
+    <p:sldId id="261" r:id="rId11"/>
+    <p:sldId id="264" r:id="rId12"/>
+    <p:sldId id="266" r:id="rId13"/>
+    <p:sldId id="265" r:id="rId14"/>
   </p:sldIdLst>
   <p:sldSz cx="12192000" cy="6858000"/>
   <p:notesSz cx="6858000" cy="9144000"/>
@@ -3430,994 +3434,7 @@
 </p:sld>
 </file>
 
-<file path=ppt/slides/slide2.xml><?xml version="1.0" encoding="utf-8"?>
-<p:sld xmlns:a="http://schemas.openxmlformats.org/drawingml/2006/main" xmlns:r="http://schemas.openxmlformats.org/officeDocument/2006/relationships" xmlns:p="http://schemas.openxmlformats.org/presentationml/2006/main">
-  <p:cSld>
-    <p:bg>
-      <p:bgPr>
-        <a:blipFill dpi="0" rotWithShape="1">
-          <a:blip r:embed="rId2">
-            <a:lum/>
-          </a:blip>
-          <a:srcRect/>
-          <a:stretch>
-            <a:fillRect/>
-          </a:stretch>
-        </a:blipFill>
-        <a:effectLst/>
-      </p:bgPr>
-    </p:bg>
-    <p:spTree>
-      <p:nvGrpSpPr>
-        <p:cNvPr id="1" name=""/>
-        <p:cNvGrpSpPr/>
-        <p:nvPr/>
-      </p:nvGrpSpPr>
-      <p:grpSpPr>
-        <a:xfrm>
-          <a:off x="0" y="0"/>
-          <a:ext cx="0" cy="0"/>
-          <a:chOff x="0" y="0"/>
-          <a:chExt cx="0" cy="0"/>
-        </a:xfrm>
-      </p:grpSpPr>
-      <p:sp>
-        <p:nvSpPr>
-          <p:cNvPr id="2" name="Title 1">
-            <a:extLst>
-              <a:ext uri="{FF2B5EF4-FFF2-40B4-BE49-F238E27FC236}">
-                <a16:creationId xmlns:a16="http://schemas.microsoft.com/office/drawing/2014/main" id="{55E11F08-6CA0-48F1-AD67-97430DDA07F0}"/>
-              </a:ext>
-            </a:extLst>
-          </p:cNvPr>
-          <p:cNvSpPr>
-            <a:spLocks noGrp="1"/>
-          </p:cNvSpPr>
-          <p:nvPr>
-            <p:ph type="title"/>
-          </p:nvPr>
-        </p:nvSpPr>
-        <p:spPr/>
-        <p:txBody>
-          <a:bodyPr/>
-          <a:lstStyle/>
-          <a:p>
-            <a:r>
-              <a:rPr lang="en-US" b="1" dirty="0">
-                <a:solidFill>
-                  <a:srgbClr val="292D33"/>
-                </a:solidFill>
-                <a:latin typeface="Euclid Circular B" panose="020B0504000000000000" pitchFamily="34" charset="0"/>
-                <a:ea typeface="Euclid Circular B" panose="020B0504000000000000" pitchFamily="34" charset="0"/>
-              </a:rPr>
-              <a:t>Overall</a:t>
-            </a:r>
-          </a:p>
-        </p:txBody>
-      </p:sp>
-      <p:sp>
-        <p:nvSpPr>
-          <p:cNvPr id="3" name="Content Placeholder 2">
-            <a:extLst>
-              <a:ext uri="{FF2B5EF4-FFF2-40B4-BE49-F238E27FC236}">
-                <a16:creationId xmlns:a16="http://schemas.microsoft.com/office/drawing/2014/main" id="{891C7693-D3DF-4635-96F4-97F3B4136FDF}"/>
-              </a:ext>
-            </a:extLst>
-          </p:cNvPr>
-          <p:cNvSpPr>
-            <a:spLocks noGrp="1"/>
-          </p:cNvSpPr>
-          <p:nvPr>
-            <p:ph idx="1"/>
-          </p:nvPr>
-        </p:nvSpPr>
-        <p:spPr/>
-        <p:txBody>
-          <a:bodyPr/>
-          <a:lstStyle/>
-          <a:p>
-            <a:r>
-              <a:rPr lang="en-US" dirty="0">
-                <a:latin typeface="Euclid Circular B" panose="020B0504000000000000" pitchFamily="34" charset="0"/>
-                <a:ea typeface="Euclid Circular B" panose="020B0504000000000000" pitchFamily="34" charset="0"/>
-              </a:rPr>
-              <a:t>Upgrading to .NET 7.0</a:t>
-            </a:r>
-          </a:p>
-          <a:p>
-            <a:r>
-              <a:rPr lang="en-US" dirty="0">
-                <a:latin typeface="Euclid Circular B" panose="020B0504000000000000" pitchFamily="34" charset="0"/>
-                <a:ea typeface="Euclid Circular B" panose="020B0504000000000000" pitchFamily="34" charset="0"/>
-              </a:rPr>
-              <a:t>Dapr integration</a:t>
-            </a:r>
-          </a:p>
-          <a:p>
-            <a:r>
-              <a:rPr lang="en-US" dirty="0">
-                <a:latin typeface="Euclid Circular B" panose="020B0504000000000000" pitchFamily="34" charset="0"/>
-                <a:ea typeface="Euclid Circular B" panose="020B0504000000000000" pitchFamily="34" charset="0"/>
-              </a:rPr>
-              <a:t>Integration services</a:t>
-            </a:r>
-          </a:p>
-          <a:p>
-            <a:r>
-              <a:rPr lang="en-US" dirty="0">
-                <a:latin typeface="Euclid Circular B" panose="020B0504000000000000" pitchFamily="34" charset="0"/>
-                <a:ea typeface="Euclid Circular B" panose="020B0504000000000000" pitchFamily="34" charset="0"/>
-              </a:rPr>
-              <a:t>Dynamic features &amp; permissions</a:t>
-            </a:r>
-          </a:p>
-          <a:p>
-            <a:r>
-              <a:rPr lang="en-US" dirty="0">
-                <a:latin typeface="Euclid Circular B" panose="020B0504000000000000" pitchFamily="34" charset="0"/>
-                <a:ea typeface="Euclid Circular B" panose="020B0504000000000000" pitchFamily="34" charset="0"/>
-              </a:rPr>
-              <a:t>External localization system</a:t>
-            </a:r>
-          </a:p>
-        </p:txBody>
-      </p:sp>
-    </p:spTree>
-    <p:extLst>
-      <p:ext uri="{BB962C8B-B14F-4D97-AF65-F5344CB8AC3E}">
-        <p14:creationId xmlns:p14="http://schemas.microsoft.com/office/powerpoint/2010/main" val="721846992"/>
-      </p:ext>
-    </p:extLst>
-  </p:cSld>
-  <p:clrMapOvr>
-    <a:masterClrMapping/>
-  </p:clrMapOvr>
-</p:sld>
-</file>
-
-<file path=ppt/slides/slide3.xml><?xml version="1.0" encoding="utf-8"?>
-<p:sld xmlns:a="http://schemas.openxmlformats.org/drawingml/2006/main" xmlns:r="http://schemas.openxmlformats.org/officeDocument/2006/relationships" xmlns:p="http://schemas.openxmlformats.org/presentationml/2006/main">
-  <p:cSld>
-    <p:bg>
-      <p:bgPr>
-        <a:blipFill dpi="0" rotWithShape="1">
-          <a:blip r:embed="rId2">
-            <a:lum/>
-          </a:blip>
-          <a:srcRect/>
-          <a:stretch>
-            <a:fillRect/>
-          </a:stretch>
-        </a:blipFill>
-        <a:effectLst/>
-      </p:bgPr>
-    </p:bg>
-    <p:spTree>
-      <p:nvGrpSpPr>
-        <p:cNvPr id="1" name=""/>
-        <p:cNvGrpSpPr/>
-        <p:nvPr/>
-      </p:nvGrpSpPr>
-      <p:grpSpPr>
-        <a:xfrm>
-          <a:off x="0" y="0"/>
-          <a:ext cx="0" cy="0"/>
-          <a:chOff x="0" y="0"/>
-          <a:chExt cx="0" cy="0"/>
-        </a:xfrm>
-      </p:grpSpPr>
-      <p:sp>
-        <p:nvSpPr>
-          <p:cNvPr id="2" name="Title 1">
-            <a:extLst>
-              <a:ext uri="{FF2B5EF4-FFF2-40B4-BE49-F238E27FC236}">
-                <a16:creationId xmlns:a16="http://schemas.microsoft.com/office/drawing/2014/main" id="{55E11F08-6CA0-48F1-AD67-97430DDA07F0}"/>
-              </a:ext>
-            </a:extLst>
-          </p:cNvPr>
-          <p:cNvSpPr>
-            <a:spLocks noGrp="1"/>
-          </p:cNvSpPr>
-          <p:nvPr>
-            <p:ph type="title"/>
-          </p:nvPr>
-        </p:nvSpPr>
-        <p:spPr/>
-        <p:txBody>
-          <a:bodyPr/>
-          <a:lstStyle/>
-          <a:p>
-            <a:r>
-              <a:rPr lang="en-US" b="1" dirty="0">
-                <a:solidFill>
-                  <a:srgbClr val="292D33"/>
-                </a:solidFill>
-                <a:latin typeface="Euclid Circular B" panose="020B0504000000000000" pitchFamily="34" charset="0"/>
-                <a:ea typeface="Euclid Circular B" panose="020B0504000000000000" pitchFamily="34" charset="0"/>
-              </a:rPr>
-              <a:t>Dapr Integration</a:t>
-            </a:r>
-          </a:p>
-        </p:txBody>
-      </p:sp>
-      <p:sp>
-        <p:nvSpPr>
-          <p:cNvPr id="3" name="Content Placeholder 2">
-            <a:extLst>
-              <a:ext uri="{FF2B5EF4-FFF2-40B4-BE49-F238E27FC236}">
-                <a16:creationId xmlns:a16="http://schemas.microsoft.com/office/drawing/2014/main" id="{891C7693-D3DF-4635-96F4-97F3B4136FDF}"/>
-              </a:ext>
-            </a:extLst>
-          </p:cNvPr>
-          <p:cNvSpPr>
-            <a:spLocks noGrp="1"/>
-          </p:cNvSpPr>
-          <p:nvPr>
-            <p:ph idx="1"/>
-          </p:nvPr>
-        </p:nvSpPr>
-        <p:spPr/>
-        <p:txBody>
-          <a:bodyPr/>
-          <a:lstStyle/>
-          <a:p>
-            <a:r>
-              <a:rPr lang="en-US" b="1" dirty="0">
-                <a:latin typeface="Euclid Circular B" panose="020B0504000000000000" pitchFamily="34" charset="0"/>
-                <a:ea typeface="Euclid Circular B" panose="020B0504000000000000" pitchFamily="34" charset="0"/>
-              </a:rPr>
-              <a:t>Service invocation</a:t>
-            </a:r>
-            <a:r>
-              <a:rPr lang="en-US" dirty="0">
-                <a:latin typeface="Euclid Circular B" panose="020B0504000000000000" pitchFamily="34" charset="0"/>
-                <a:ea typeface="Euclid Circular B" panose="020B0504000000000000" pitchFamily="34" charset="0"/>
-              </a:rPr>
-              <a:t> with </a:t>
-            </a:r>
-            <a:r>
-              <a:rPr lang="en-US" b="1" dirty="0">
-                <a:latin typeface="Euclid Circular B" panose="020B0504000000000000" pitchFamily="34" charset="0"/>
-                <a:ea typeface="Euclid Circular B" panose="020B0504000000000000" pitchFamily="34" charset="0"/>
-              </a:rPr>
-              <a:t>C# API Client Proxies</a:t>
-            </a:r>
-            <a:r>
-              <a:rPr lang="en-US" dirty="0">
-                <a:latin typeface="Euclid Circular B" panose="020B0504000000000000" pitchFamily="34" charset="0"/>
-                <a:ea typeface="Euclid Circular B" panose="020B0504000000000000" pitchFamily="34" charset="0"/>
-              </a:rPr>
-              <a:t> integration</a:t>
-            </a:r>
-          </a:p>
-          <a:p>
-            <a:r>
-              <a:rPr lang="en-US" b="1" dirty="0">
-                <a:latin typeface="Euclid Circular B" panose="020B0504000000000000" pitchFamily="34" charset="0"/>
-                <a:ea typeface="Euclid Circular B" panose="020B0504000000000000" pitchFamily="34" charset="0"/>
-              </a:rPr>
-              <a:t>Publish &amp; Subscribe </a:t>
-            </a:r>
-            <a:r>
-              <a:rPr lang="en-US" dirty="0">
-                <a:latin typeface="Euclid Circular B" panose="020B0504000000000000" pitchFamily="34" charset="0"/>
-                <a:ea typeface="Euclid Circular B" panose="020B0504000000000000" pitchFamily="34" charset="0"/>
-              </a:rPr>
-              <a:t>with </a:t>
-            </a:r>
-            <a:r>
-              <a:rPr lang="en-US" b="1" dirty="0">
-                <a:latin typeface="Euclid Circular B" panose="020B0504000000000000" pitchFamily="34" charset="0"/>
-                <a:ea typeface="Euclid Circular B" panose="020B0504000000000000" pitchFamily="34" charset="0"/>
-              </a:rPr>
-              <a:t>Distributed Event Bus </a:t>
-            </a:r>
-            <a:r>
-              <a:rPr lang="en-US" dirty="0">
-                <a:latin typeface="Euclid Circular B" panose="020B0504000000000000" pitchFamily="34" charset="0"/>
-                <a:ea typeface="Euclid Circular B" panose="020B0504000000000000" pitchFamily="34" charset="0"/>
-              </a:rPr>
-              <a:t>integration</a:t>
-            </a:r>
-          </a:p>
-          <a:p>
-            <a:r>
-              <a:rPr lang="en-US" dirty="0">
-                <a:latin typeface="Euclid Circular B" panose="020B0504000000000000" pitchFamily="34" charset="0"/>
-                <a:ea typeface="Euclid Circular B" panose="020B0504000000000000" pitchFamily="34" charset="0"/>
-              </a:rPr>
-              <a:t>Distributed Lock</a:t>
-            </a:r>
-          </a:p>
-          <a:p>
-            <a:endParaRPr lang="en-US" dirty="0">
-              <a:latin typeface="Euclid Circular B" panose="020B0504000000000000" pitchFamily="34" charset="0"/>
-              <a:ea typeface="Euclid Circular B" panose="020B0504000000000000" pitchFamily="34" charset="0"/>
-            </a:endParaRPr>
-          </a:p>
-          <a:p>
-            <a:pPr marL="0" indent="0">
-              <a:buNone/>
-            </a:pPr>
-            <a:r>
-              <a:rPr lang="en-US" sz="2000" dirty="0">
-                <a:latin typeface="Euclid Circular B" panose="020B0504000000000000" pitchFamily="34" charset="0"/>
-                <a:ea typeface="Euclid Circular B" panose="020B0504000000000000" pitchFamily="34" charset="0"/>
-              </a:rPr>
-              <a:t>Already documented:</a:t>
-            </a:r>
-            <a:br>
-              <a:rPr lang="en-US" sz="2000" dirty="0">
-                <a:latin typeface="Euclid Circular B" panose="020B0504000000000000" pitchFamily="34" charset="0"/>
-                <a:ea typeface="Euclid Circular B" panose="020B0504000000000000" pitchFamily="34" charset="0"/>
-              </a:rPr>
-            </a:br>
-            <a:r>
-              <a:rPr lang="en-US" sz="2000" dirty="0">
-                <a:latin typeface="Euclid Circular B" panose="020B0504000000000000" pitchFamily="34" charset="0"/>
-                <a:ea typeface="Euclid Circular B" panose="020B0504000000000000" pitchFamily="34" charset="0"/>
-                <a:hlinkClick r:id="rId3"/>
-              </a:rPr>
-              <a:t>https://github.com/abpframework/abp/blob/dev/docs/en/Dapr/Index.md</a:t>
-            </a:r>
-            <a:r>
-              <a:rPr lang="en-US" sz="2000" dirty="0">
-                <a:latin typeface="Euclid Circular B" panose="020B0504000000000000" pitchFamily="34" charset="0"/>
-                <a:ea typeface="Euclid Circular B" panose="020B0504000000000000" pitchFamily="34" charset="0"/>
-              </a:rPr>
-              <a:t> </a:t>
-            </a:r>
-          </a:p>
-        </p:txBody>
-      </p:sp>
-    </p:spTree>
-    <p:extLst>
-      <p:ext uri="{BB962C8B-B14F-4D97-AF65-F5344CB8AC3E}">
-        <p14:creationId xmlns:p14="http://schemas.microsoft.com/office/powerpoint/2010/main" val="1857815911"/>
-      </p:ext>
-    </p:extLst>
-  </p:cSld>
-  <p:clrMapOvr>
-    <a:masterClrMapping/>
-  </p:clrMapOvr>
-</p:sld>
-</file>
-
-<file path=ppt/slides/slide4.xml><?xml version="1.0" encoding="utf-8"?>
-<p:sld xmlns:a="http://schemas.openxmlformats.org/drawingml/2006/main" xmlns:r="http://schemas.openxmlformats.org/officeDocument/2006/relationships" xmlns:p="http://schemas.openxmlformats.org/presentationml/2006/main">
-  <p:cSld>
-    <p:bg>
-      <p:bgPr>
-        <a:blipFill dpi="0" rotWithShape="1">
-          <a:blip r:embed="rId2">
-            <a:lum/>
-          </a:blip>
-          <a:srcRect/>
-          <a:stretch>
-            <a:fillRect/>
-          </a:stretch>
-        </a:blipFill>
-        <a:effectLst/>
-      </p:bgPr>
-    </p:bg>
-    <p:spTree>
-      <p:nvGrpSpPr>
-        <p:cNvPr id="1" name=""/>
-        <p:cNvGrpSpPr/>
-        <p:nvPr/>
-      </p:nvGrpSpPr>
-      <p:grpSpPr>
-        <a:xfrm>
-          <a:off x="0" y="0"/>
-          <a:ext cx="0" cy="0"/>
-          <a:chOff x="0" y="0"/>
-          <a:chExt cx="0" cy="0"/>
-        </a:xfrm>
-      </p:grpSpPr>
-      <p:sp>
-        <p:nvSpPr>
-          <p:cNvPr id="2" name="Title 1">
-            <a:extLst>
-              <a:ext uri="{FF2B5EF4-FFF2-40B4-BE49-F238E27FC236}">
-                <a16:creationId xmlns:a16="http://schemas.microsoft.com/office/drawing/2014/main" id="{55E11F08-6CA0-48F1-AD67-97430DDA07F0}"/>
-              </a:ext>
-            </a:extLst>
-          </p:cNvPr>
-          <p:cNvSpPr>
-            <a:spLocks noGrp="1"/>
-          </p:cNvSpPr>
-          <p:nvPr>
-            <p:ph type="title"/>
-          </p:nvPr>
-        </p:nvSpPr>
-        <p:spPr/>
-        <p:txBody>
-          <a:bodyPr/>
-          <a:lstStyle/>
-          <a:p>
-            <a:r>
-              <a:rPr lang="en-US" b="1" dirty="0">
-                <a:solidFill>
-                  <a:srgbClr val="292D33"/>
-                </a:solidFill>
-                <a:latin typeface="Euclid Circular B" panose="020B0504000000000000" pitchFamily="34" charset="0"/>
-                <a:ea typeface="Euclid Circular B" panose="020B0504000000000000" pitchFamily="34" charset="0"/>
-              </a:rPr>
-              <a:t>Integration services</a:t>
-            </a:r>
-          </a:p>
-        </p:txBody>
-      </p:sp>
-      <p:sp>
-        <p:nvSpPr>
-          <p:cNvPr id="3" name="Content Placeholder 2">
-            <a:extLst>
-              <a:ext uri="{FF2B5EF4-FFF2-40B4-BE49-F238E27FC236}">
-                <a16:creationId xmlns:a16="http://schemas.microsoft.com/office/drawing/2014/main" id="{891C7693-D3DF-4635-96F4-97F3B4136FDF}"/>
-              </a:ext>
-            </a:extLst>
-          </p:cNvPr>
-          <p:cNvSpPr>
-            <a:spLocks noGrp="1"/>
-          </p:cNvSpPr>
-          <p:nvPr>
-            <p:ph idx="1"/>
-          </p:nvPr>
-        </p:nvSpPr>
-        <p:spPr>
-          <a:xfrm>
-            <a:off x="838200" y="1825625"/>
-            <a:ext cx="10515600" cy="4742152"/>
-          </a:xfrm>
-        </p:spPr>
-        <p:txBody>
-          <a:bodyPr>
-            <a:normAutofit/>
-          </a:bodyPr>
-          <a:lstStyle/>
-          <a:p>
-            <a:r>
-              <a:rPr lang="en-US" dirty="0">
-                <a:latin typeface="Euclid Circular B" panose="020B0504000000000000" pitchFamily="34" charset="0"/>
-                <a:ea typeface="Euclid Circular B" panose="020B0504000000000000" pitchFamily="34" charset="0"/>
-              </a:rPr>
-              <a:t>Introduced the </a:t>
-            </a:r>
-            <a:r>
-              <a:rPr lang="en-US" dirty="0">
-                <a:highlight>
-                  <a:srgbClr val="C0C0C0"/>
-                </a:highlight>
-                <a:latin typeface="Courier New" panose="02070309020205020404" pitchFamily="49" charset="0"/>
-                <a:ea typeface="Euclid Circular B" panose="020B0504000000000000" pitchFamily="34" charset="0"/>
-                <a:cs typeface="Courier New" panose="02070309020205020404" pitchFamily="49" charset="0"/>
-              </a:rPr>
-              <a:t>[</a:t>
-            </a:r>
-            <a:r>
-              <a:rPr lang="en-US" dirty="0" err="1">
-                <a:highlight>
-                  <a:srgbClr val="C0C0C0"/>
-                </a:highlight>
-                <a:latin typeface="Courier New" panose="02070309020205020404" pitchFamily="49" charset="0"/>
-                <a:ea typeface="Euclid Circular B" panose="020B0504000000000000" pitchFamily="34" charset="0"/>
-                <a:cs typeface="Courier New" panose="02070309020205020404" pitchFamily="49" charset="0"/>
-              </a:rPr>
-              <a:t>IntegrationService</a:t>
-            </a:r>
-            <a:r>
-              <a:rPr lang="en-US" dirty="0">
-                <a:highlight>
-                  <a:srgbClr val="C0C0C0"/>
-                </a:highlight>
-                <a:latin typeface="Courier New" panose="02070309020205020404" pitchFamily="49" charset="0"/>
-                <a:ea typeface="Euclid Circular B" panose="020B0504000000000000" pitchFamily="34" charset="0"/>
-                <a:cs typeface="Courier New" panose="02070309020205020404" pitchFamily="49" charset="0"/>
-              </a:rPr>
-              <a:t>]</a:t>
-            </a:r>
-            <a:r>
-              <a:rPr lang="en-US" dirty="0">
-                <a:latin typeface="Euclid Circular B" panose="020B0504000000000000" pitchFamily="34" charset="0"/>
-                <a:ea typeface="Euclid Circular B" panose="020B0504000000000000" pitchFamily="34" charset="0"/>
-              </a:rPr>
-              <a:t> attribute</a:t>
-            </a:r>
-          </a:p>
-          <a:p>
-            <a:endParaRPr lang="en-US" dirty="0">
-              <a:latin typeface="Euclid Circular B" panose="020B0504000000000000" pitchFamily="34" charset="0"/>
-              <a:ea typeface="Euclid Circular B" panose="020B0504000000000000" pitchFamily="34" charset="0"/>
-            </a:endParaRPr>
-          </a:p>
-          <a:p>
-            <a:endParaRPr lang="en-US" dirty="0">
-              <a:latin typeface="Euclid Circular B" panose="020B0504000000000000" pitchFamily="34" charset="0"/>
-              <a:ea typeface="Euclid Circular B" panose="020B0504000000000000" pitchFamily="34" charset="0"/>
-            </a:endParaRPr>
-          </a:p>
-          <a:p>
-            <a:endParaRPr lang="en-US" dirty="0">
-              <a:latin typeface="Euclid Circular B" panose="020B0504000000000000" pitchFamily="34" charset="0"/>
-              <a:ea typeface="Euclid Circular B" panose="020B0504000000000000" pitchFamily="34" charset="0"/>
-            </a:endParaRPr>
-          </a:p>
-          <a:p>
-            <a:endParaRPr lang="en-US" dirty="0">
-              <a:latin typeface="Euclid Circular B" panose="020B0504000000000000" pitchFamily="34" charset="0"/>
-              <a:ea typeface="Euclid Circular B" panose="020B0504000000000000" pitchFamily="34" charset="0"/>
-            </a:endParaRPr>
-          </a:p>
-          <a:p>
-            <a:r>
-              <a:rPr lang="en-US" dirty="0">
-                <a:latin typeface="Euclid Circular B" panose="020B0504000000000000" pitchFamily="34" charset="0"/>
-                <a:ea typeface="Euclid Circular B" panose="020B0504000000000000" pitchFamily="34" charset="0"/>
-              </a:rPr>
-              <a:t>Default HTTP API </a:t>
-            </a:r>
-            <a:r>
-              <a:rPr lang="en-US" b="1" dirty="0">
-                <a:latin typeface="Euclid Circular B" panose="020B0504000000000000" pitchFamily="34" charset="0"/>
-                <a:ea typeface="Euclid Circular B" panose="020B0504000000000000" pitchFamily="34" charset="0"/>
-              </a:rPr>
-              <a:t>URL prefix</a:t>
-            </a:r>
-            <a:r>
-              <a:rPr lang="en-US" dirty="0">
-                <a:latin typeface="Euclid Circular B" panose="020B0504000000000000" pitchFamily="34" charset="0"/>
-                <a:ea typeface="Euclid Circular B" panose="020B0504000000000000" pitchFamily="34" charset="0"/>
-              </a:rPr>
-              <a:t>:</a:t>
-            </a:r>
-            <a:br>
-              <a:rPr lang="en-US" dirty="0">
-                <a:latin typeface="Euclid Circular B" panose="020B0504000000000000" pitchFamily="34" charset="0"/>
-                <a:ea typeface="Euclid Circular B" panose="020B0504000000000000" pitchFamily="34" charset="0"/>
-              </a:rPr>
-            </a:br>
-            <a:r>
-              <a:rPr lang="en-US" dirty="0">
-                <a:highlight>
-                  <a:srgbClr val="C0C0C0"/>
-                </a:highlight>
-                <a:latin typeface="Courier New" panose="02070309020205020404" pitchFamily="49" charset="0"/>
-                <a:ea typeface="Euclid Circular B" panose="020B0504000000000000" pitchFamily="34" charset="0"/>
-                <a:cs typeface="Courier New" panose="02070309020205020404" pitchFamily="49" charset="0"/>
-              </a:rPr>
-              <a:t>/integration-</a:t>
-            </a:r>
-            <a:r>
-              <a:rPr lang="en-US" dirty="0" err="1">
-                <a:highlight>
-                  <a:srgbClr val="C0C0C0"/>
-                </a:highlight>
-                <a:latin typeface="Courier New" panose="02070309020205020404" pitchFamily="49" charset="0"/>
-                <a:ea typeface="Euclid Circular B" panose="020B0504000000000000" pitchFamily="34" charset="0"/>
-                <a:cs typeface="Courier New" panose="02070309020205020404" pitchFamily="49" charset="0"/>
-              </a:rPr>
-              <a:t>api</a:t>
-            </a:r>
-            <a:r>
-              <a:rPr lang="en-US" dirty="0">
-                <a:highlight>
-                  <a:srgbClr val="C0C0C0"/>
-                </a:highlight>
-                <a:latin typeface="Courier New" panose="02070309020205020404" pitchFamily="49" charset="0"/>
-                <a:ea typeface="Euclid Circular B" panose="020B0504000000000000" pitchFamily="34" charset="0"/>
-                <a:cs typeface="Courier New" panose="02070309020205020404" pitchFamily="49" charset="0"/>
-              </a:rPr>
-              <a:t>/…</a:t>
-            </a:r>
-            <a:r>
-              <a:rPr lang="en-US" dirty="0">
-                <a:latin typeface="Euclid Circular B" panose="020B0504000000000000" pitchFamily="34" charset="0"/>
-                <a:ea typeface="Euclid Circular B" panose="020B0504000000000000" pitchFamily="34" charset="0"/>
-              </a:rPr>
-              <a:t> instead of </a:t>
-            </a:r>
-            <a:r>
-              <a:rPr lang="en-US" dirty="0">
-                <a:highlight>
-                  <a:srgbClr val="C0C0C0"/>
-                </a:highlight>
-                <a:latin typeface="Courier New" panose="02070309020205020404" pitchFamily="49" charset="0"/>
-                <a:ea typeface="Euclid Circular B" panose="020B0504000000000000" pitchFamily="34" charset="0"/>
-                <a:cs typeface="Courier New" panose="02070309020205020404" pitchFamily="49" charset="0"/>
-              </a:rPr>
-              <a:t>/</a:t>
-            </a:r>
-            <a:r>
-              <a:rPr lang="en-US" dirty="0" err="1">
-                <a:highlight>
-                  <a:srgbClr val="C0C0C0"/>
-                </a:highlight>
-                <a:latin typeface="Courier New" panose="02070309020205020404" pitchFamily="49" charset="0"/>
-                <a:ea typeface="Euclid Circular B" panose="020B0504000000000000" pitchFamily="34" charset="0"/>
-                <a:cs typeface="Courier New" panose="02070309020205020404" pitchFamily="49" charset="0"/>
-              </a:rPr>
-              <a:t>api</a:t>
-            </a:r>
-            <a:r>
-              <a:rPr lang="en-US" dirty="0">
-                <a:highlight>
-                  <a:srgbClr val="C0C0C0"/>
-                </a:highlight>
-                <a:latin typeface="Courier New" panose="02070309020205020404" pitchFamily="49" charset="0"/>
-                <a:ea typeface="Euclid Circular B" panose="020B0504000000000000" pitchFamily="34" charset="0"/>
-                <a:cs typeface="Courier New" panose="02070309020205020404" pitchFamily="49" charset="0"/>
-              </a:rPr>
-              <a:t>/…</a:t>
-            </a:r>
-          </a:p>
-          <a:p>
-            <a:r>
-              <a:rPr lang="en-US" b="1" dirty="0">
-                <a:latin typeface="Euclid Circular B" panose="020B0504000000000000" pitchFamily="34" charset="0"/>
-                <a:ea typeface="Euclid Circular B" panose="020B0504000000000000" pitchFamily="34" charset="0"/>
-              </a:rPr>
-              <a:t>Audit logging </a:t>
-            </a:r>
-            <a:r>
-              <a:rPr lang="en-US" dirty="0">
-                <a:latin typeface="Euclid Circular B" panose="020B0504000000000000" pitchFamily="34" charset="0"/>
-                <a:ea typeface="Euclid Circular B" panose="020B0504000000000000" pitchFamily="34" charset="0"/>
-              </a:rPr>
-              <a:t>is disabled by default, but can be enabled</a:t>
-            </a:r>
-          </a:p>
-          <a:p>
-            <a:r>
-              <a:rPr lang="en-US" b="1" dirty="0">
-                <a:latin typeface="Euclid Circular B" panose="020B0504000000000000" pitchFamily="34" charset="0"/>
-                <a:ea typeface="Euclid Circular B" panose="020B0504000000000000" pitchFamily="34" charset="0"/>
-              </a:rPr>
-              <a:t>Unit of work, Validation</a:t>
-            </a:r>
-            <a:r>
-              <a:rPr lang="en-US" dirty="0">
-                <a:latin typeface="Euclid Circular B" panose="020B0504000000000000" pitchFamily="34" charset="0"/>
-                <a:ea typeface="Euclid Circular B" panose="020B0504000000000000" pitchFamily="34" charset="0"/>
-              </a:rPr>
-              <a:t>, etc. works as expected</a:t>
-            </a:r>
-          </a:p>
-        </p:txBody>
-      </p:sp>
-      <p:pic>
-        <p:nvPicPr>
-          <p:cNvPr id="5" name="Picture 4">
-            <a:extLst>
-              <a:ext uri="{FF2B5EF4-FFF2-40B4-BE49-F238E27FC236}">
-                <a16:creationId xmlns:a16="http://schemas.microsoft.com/office/drawing/2014/main" id="{7B2269C9-5DD9-7A4B-F7D6-BBC11B4EEDFC}"/>
-              </a:ext>
-            </a:extLst>
-          </p:cNvPr>
-          <p:cNvPicPr>
-            <a:picLocks noChangeAspect="1"/>
-          </p:cNvPicPr>
-          <p:nvPr/>
-        </p:nvPicPr>
-        <p:blipFill>
-          <a:blip r:embed="rId3"/>
-          <a:stretch>
-            <a:fillRect/>
-          </a:stretch>
-        </p:blipFill>
-        <p:spPr>
-          <a:xfrm>
-            <a:off x="1171989" y="2423457"/>
-            <a:ext cx="6667500" cy="1657350"/>
-          </a:xfrm>
-          <a:prstGeom prst="rect">
-            <a:avLst/>
-          </a:prstGeom>
-        </p:spPr>
-      </p:pic>
-    </p:spTree>
-    <p:extLst>
-      <p:ext uri="{BB962C8B-B14F-4D97-AF65-F5344CB8AC3E}">
-        <p14:creationId xmlns:p14="http://schemas.microsoft.com/office/powerpoint/2010/main" val="596677534"/>
-      </p:ext>
-    </p:extLst>
-  </p:cSld>
-  <p:clrMapOvr>
-    <a:masterClrMapping/>
-  </p:clrMapOvr>
-</p:sld>
-</file>
-
-<file path=ppt/slides/slide5.xml><?xml version="1.0" encoding="utf-8"?>
-<p:sld xmlns:a="http://schemas.openxmlformats.org/drawingml/2006/main" xmlns:r="http://schemas.openxmlformats.org/officeDocument/2006/relationships" xmlns:p="http://schemas.openxmlformats.org/presentationml/2006/main">
-  <p:cSld>
-    <p:bg>
-      <p:bgPr>
-        <a:blipFill dpi="0" rotWithShape="1">
-          <a:blip r:embed="rId2">
-            <a:lum/>
-          </a:blip>
-          <a:srcRect/>
-          <a:stretch>
-            <a:fillRect/>
-          </a:stretch>
-        </a:blipFill>
-        <a:effectLst/>
-      </p:bgPr>
-    </p:bg>
-    <p:spTree>
-      <p:nvGrpSpPr>
-        <p:cNvPr id="1" name=""/>
-        <p:cNvGrpSpPr/>
-        <p:nvPr/>
-      </p:nvGrpSpPr>
-      <p:grpSpPr>
-        <a:xfrm>
-          <a:off x="0" y="0"/>
-          <a:ext cx="0" cy="0"/>
-          <a:chOff x="0" y="0"/>
-          <a:chExt cx="0" cy="0"/>
-        </a:xfrm>
-      </p:grpSpPr>
-      <p:sp>
-        <p:nvSpPr>
-          <p:cNvPr id="2" name="Title 1">
-            <a:extLst>
-              <a:ext uri="{FF2B5EF4-FFF2-40B4-BE49-F238E27FC236}">
-                <a16:creationId xmlns:a16="http://schemas.microsoft.com/office/drawing/2014/main" id="{55E11F08-6CA0-48F1-AD67-97430DDA07F0}"/>
-              </a:ext>
-            </a:extLst>
-          </p:cNvPr>
-          <p:cNvSpPr>
-            <a:spLocks noGrp="1"/>
-          </p:cNvSpPr>
-          <p:nvPr>
-            <p:ph type="title"/>
-          </p:nvPr>
-        </p:nvSpPr>
-        <p:spPr/>
-        <p:txBody>
-          <a:bodyPr/>
-          <a:lstStyle/>
-          <a:p>
-            <a:r>
-              <a:rPr lang="en-US" b="1" dirty="0">
-                <a:solidFill>
-                  <a:srgbClr val="292D33"/>
-                </a:solidFill>
-                <a:latin typeface="Euclid Circular B" panose="020B0504000000000000" pitchFamily="34" charset="0"/>
-                <a:ea typeface="Euclid Circular B" panose="020B0504000000000000" pitchFamily="34" charset="0"/>
-              </a:rPr>
-              <a:t>Dynamic Permissions &amp; Features</a:t>
-            </a:r>
-          </a:p>
-        </p:txBody>
-      </p:sp>
-      <p:pic>
-        <p:nvPicPr>
-          <p:cNvPr id="9" name="Picture 8">
-            <a:extLst>
-              <a:ext uri="{FF2B5EF4-FFF2-40B4-BE49-F238E27FC236}">
-                <a16:creationId xmlns:a16="http://schemas.microsoft.com/office/drawing/2014/main" id="{3FE7C372-A611-9139-7432-7936D204116A}"/>
-              </a:ext>
-            </a:extLst>
-          </p:cNvPr>
-          <p:cNvPicPr>
-            <a:picLocks noChangeAspect="1"/>
-          </p:cNvPicPr>
-          <p:nvPr/>
-        </p:nvPicPr>
-        <p:blipFill>
-          <a:blip r:embed="rId3"/>
-          <a:stretch>
-            <a:fillRect/>
-          </a:stretch>
-        </p:blipFill>
-        <p:spPr>
-          <a:xfrm>
-            <a:off x="602797" y="1770200"/>
-            <a:ext cx="5586454" cy="1763745"/>
-          </a:xfrm>
-          <a:prstGeom prst="rect">
-            <a:avLst/>
-          </a:prstGeom>
-        </p:spPr>
-      </p:pic>
-      <p:pic>
-        <p:nvPicPr>
-          <p:cNvPr id="11" name="Picture 10">
-            <a:extLst>
-              <a:ext uri="{FF2B5EF4-FFF2-40B4-BE49-F238E27FC236}">
-                <a16:creationId xmlns:a16="http://schemas.microsoft.com/office/drawing/2014/main" id="{98F9FB28-0D5F-DF9D-A355-8962A14BF765}"/>
-              </a:ext>
-            </a:extLst>
-          </p:cNvPr>
-          <p:cNvPicPr>
-            <a:picLocks noChangeAspect="1"/>
-          </p:cNvPicPr>
-          <p:nvPr/>
-        </p:nvPicPr>
-        <p:blipFill>
-          <a:blip r:embed="rId4"/>
-          <a:stretch>
-            <a:fillRect/>
-          </a:stretch>
-        </p:blipFill>
-        <p:spPr>
-          <a:xfrm>
-            <a:off x="6411520" y="1770200"/>
-            <a:ext cx="5366538" cy="4225083"/>
-          </a:xfrm>
-          <a:prstGeom prst="rect">
-            <a:avLst/>
-          </a:prstGeom>
-        </p:spPr>
-      </p:pic>
-      <p:sp>
-        <p:nvSpPr>
-          <p:cNvPr id="12" name="TextBox 11">
-            <a:extLst>
-              <a:ext uri="{FF2B5EF4-FFF2-40B4-BE49-F238E27FC236}">
-                <a16:creationId xmlns:a16="http://schemas.microsoft.com/office/drawing/2014/main" id="{34F007B4-4241-275E-E09E-77BAE98062FC}"/>
-              </a:ext>
-            </a:extLst>
-          </p:cNvPr>
-          <p:cNvSpPr txBox="1"/>
-          <p:nvPr/>
-        </p:nvSpPr>
-        <p:spPr>
-          <a:xfrm>
-            <a:off x="2257058" y="1400868"/>
-            <a:ext cx="2277931" cy="369332"/>
-          </a:xfrm>
-          <a:prstGeom prst="rect">
-            <a:avLst/>
-          </a:prstGeom>
-          <a:noFill/>
-        </p:spPr>
-        <p:txBody>
-          <a:bodyPr wrap="none" rtlCol="0">
-            <a:spAutoFit/>
-          </a:bodyPr>
-          <a:lstStyle/>
-          <a:p>
-            <a:r>
-              <a:rPr lang="en-US" dirty="0"/>
-              <a:t>(1) Define Permissions</a:t>
-            </a:r>
-          </a:p>
-        </p:txBody>
-      </p:sp>
-      <p:sp>
-        <p:nvSpPr>
-          <p:cNvPr id="13" name="TextBox 12">
-            <a:extLst>
-              <a:ext uri="{FF2B5EF4-FFF2-40B4-BE49-F238E27FC236}">
-                <a16:creationId xmlns:a16="http://schemas.microsoft.com/office/drawing/2014/main" id="{4FDA2A86-17BB-6853-794D-89EC7AAE74A4}"/>
-              </a:ext>
-            </a:extLst>
-          </p:cNvPr>
-          <p:cNvSpPr txBox="1"/>
-          <p:nvPr/>
-        </p:nvSpPr>
-        <p:spPr>
-          <a:xfrm>
-            <a:off x="7982849" y="1426510"/>
-            <a:ext cx="2223879" cy="369332"/>
-          </a:xfrm>
-          <a:prstGeom prst="rect">
-            <a:avLst/>
-          </a:prstGeom>
-          <a:noFill/>
-        </p:spPr>
-        <p:txBody>
-          <a:bodyPr wrap="none" rtlCol="0">
-            <a:spAutoFit/>
-          </a:bodyPr>
-          <a:lstStyle/>
-          <a:p>
-            <a:r>
-              <a:rPr lang="en-US" dirty="0"/>
-              <a:t>(2) Check Permissions</a:t>
-            </a:r>
-          </a:p>
-        </p:txBody>
-      </p:sp>
-      <p:pic>
-        <p:nvPicPr>
-          <p:cNvPr id="1026" name="Picture 2" descr="authorization-new-permission-ui-localized">
-            <a:extLst>
-              <a:ext uri="{FF2B5EF4-FFF2-40B4-BE49-F238E27FC236}">
-                <a16:creationId xmlns:a16="http://schemas.microsoft.com/office/drawing/2014/main" id="{893EF38F-3676-BFB0-C929-33A8F445C45D}"/>
-              </a:ext>
-            </a:extLst>
-          </p:cNvPr>
-          <p:cNvPicPr>
-            <a:picLocks noChangeAspect="1" noChangeArrowheads="1"/>
-          </p:cNvPicPr>
-          <p:nvPr/>
-        </p:nvPicPr>
-        <p:blipFill>
-          <a:blip r:embed="rId5">
-            <a:extLst>
-              <a:ext uri="{28A0092B-C50C-407E-A947-70E740481C1C}">
-                <a14:useLocalDpi xmlns:a14="http://schemas.microsoft.com/office/drawing/2010/main" val="0"/>
-              </a:ext>
-            </a:extLst>
-          </a:blip>
-          <a:srcRect/>
-          <a:stretch>
-            <a:fillRect/>
-          </a:stretch>
-        </p:blipFill>
-        <p:spPr bwMode="auto">
-          <a:xfrm>
-            <a:off x="602797" y="4040687"/>
-            <a:ext cx="5586454" cy="2509540"/>
-          </a:xfrm>
-          <a:prstGeom prst="rect">
-            <a:avLst/>
-          </a:prstGeom>
-          <a:noFill/>
-          <a:extLst>
-            <a:ext uri="{909E8E84-426E-40DD-AFC4-6F175D3DCCD1}">
-              <a14:hiddenFill xmlns:a14="http://schemas.microsoft.com/office/drawing/2010/main">
-                <a:solidFill>
-                  <a:srgbClr val="FFFFFF"/>
-                </a:solidFill>
-              </a14:hiddenFill>
-            </a:ext>
-          </a:extLst>
-        </p:spPr>
-      </p:pic>
-      <p:sp>
-        <p:nvSpPr>
-          <p:cNvPr id="14" name="TextBox 13">
-            <a:extLst>
-              <a:ext uri="{FF2B5EF4-FFF2-40B4-BE49-F238E27FC236}">
-                <a16:creationId xmlns:a16="http://schemas.microsoft.com/office/drawing/2014/main" id="{57847C3C-C598-2228-85BF-9B5ACAC90BE8}"/>
-              </a:ext>
-            </a:extLst>
-          </p:cNvPr>
-          <p:cNvSpPr txBox="1"/>
-          <p:nvPr/>
-        </p:nvSpPr>
-        <p:spPr>
-          <a:xfrm>
-            <a:off x="2257058" y="3692969"/>
-            <a:ext cx="2189767" cy="369332"/>
-          </a:xfrm>
-          <a:prstGeom prst="rect">
-            <a:avLst/>
-          </a:prstGeom>
-          <a:noFill/>
-        </p:spPr>
-        <p:txBody>
-          <a:bodyPr wrap="none" rtlCol="0">
-            <a:spAutoFit/>
-          </a:bodyPr>
-          <a:lstStyle/>
-          <a:p>
-            <a:r>
-              <a:rPr lang="en-US" dirty="0"/>
-              <a:t>(3) Grant Permissions</a:t>
-            </a:r>
-          </a:p>
-        </p:txBody>
-      </p:sp>
-    </p:spTree>
-    <p:extLst>
-      <p:ext uri="{BB962C8B-B14F-4D97-AF65-F5344CB8AC3E}">
-        <p14:creationId xmlns:p14="http://schemas.microsoft.com/office/powerpoint/2010/main" val="3188905023"/>
-      </p:ext>
-    </p:extLst>
-  </p:cSld>
-  <p:clrMapOvr>
-    <a:masterClrMapping/>
-  </p:clrMapOvr>
-</p:sld>
-</file>
-
-<file path=ppt/slides/slide6.xml><?xml version="1.0" encoding="utf-8"?>
+<file path=ppt/slides/slide10.xml><?xml version="1.0" encoding="utf-8"?>
 <p:sld xmlns:a="http://schemas.openxmlformats.org/drawingml/2006/main" xmlns:r="http://schemas.openxmlformats.org/officeDocument/2006/relationships" xmlns:p="http://schemas.openxmlformats.org/presentationml/2006/main">
   <p:cSld>
     <p:bg>
@@ -5084,17 +4101,33 @@
           <a:lstStyle/>
           <a:p>
             <a:r>
-              <a:rPr lang="en-US" b="1" dirty="0" err="1"/>
+              <a:rPr lang="en-US" b="1" dirty="0" err="1">
+                <a:solidFill>
+                  <a:srgbClr val="0070C0"/>
+                </a:solidFill>
+              </a:rPr>
               <a:t>AbpPermissionGroups</a:t>
             </a:r>
             <a:br>
-              <a:rPr lang="en-US" b="1" dirty="0"/>
+              <a:rPr lang="en-US" b="1" dirty="0">
+                <a:solidFill>
+                  <a:srgbClr val="0070C0"/>
+                </a:solidFill>
+              </a:rPr>
             </a:br>
             <a:r>
-              <a:rPr lang="en-US" b="1" dirty="0" err="1"/>
+              <a:rPr lang="en-US" b="1" dirty="0" err="1">
+                <a:solidFill>
+                  <a:srgbClr val="0070C0"/>
+                </a:solidFill>
+              </a:rPr>
               <a:t>AbpPermissions</a:t>
             </a:r>
-            <a:endParaRPr lang="en-US" b="1" dirty="0"/>
+            <a:endParaRPr lang="en-US" b="1" dirty="0">
+              <a:solidFill>
+                <a:srgbClr val="0070C0"/>
+              </a:solidFill>
+            </a:endParaRPr>
           </a:p>
         </p:txBody>
       </p:sp>
@@ -5102,6 +4135,4647 @@
     <p:extLst>
       <p:ext uri="{BB962C8B-B14F-4D97-AF65-F5344CB8AC3E}">
         <p14:creationId xmlns:p14="http://schemas.microsoft.com/office/powerpoint/2010/main" val="1482853642"/>
+      </p:ext>
+    </p:extLst>
+  </p:cSld>
+  <p:clrMapOvr>
+    <a:masterClrMapping/>
+  </p:clrMapOvr>
+  <p:timing>
+    <p:tnLst>
+      <p:par>
+        <p:cTn id="1" dur="indefinite" restart="never" nodeType="tmRoot">
+          <p:childTnLst>
+            <p:seq concurrent="1" nextAc="seek">
+              <p:cTn id="2" dur="indefinite" nodeType="mainSeq">
+                <p:childTnLst>
+                  <p:par>
+                    <p:cTn id="3" fill="hold">
+                      <p:stCondLst>
+                        <p:cond delay="indefinite"/>
+                      </p:stCondLst>
+                      <p:childTnLst>
+                        <p:par>
+                          <p:cTn id="4" fill="hold">
+                            <p:stCondLst>
+                              <p:cond delay="0"/>
+                            </p:stCondLst>
+                            <p:childTnLst>
+                              <p:par>
+                                <p:cTn id="5" presetID="10" presetClass="entr" presetSubtype="0" fill="hold" grpId="0" nodeType="clickEffect">
+                                  <p:stCondLst>
+                                    <p:cond delay="0"/>
+                                  </p:stCondLst>
+                                  <p:childTnLst>
+                                    <p:set>
+                                      <p:cBhvr>
+                                        <p:cTn id="6" dur="1" fill="hold">
+                                          <p:stCondLst>
+                                            <p:cond delay="0"/>
+                                          </p:stCondLst>
+                                        </p:cTn>
+                                        <p:tgtEl>
+                                          <p:spTgt spid="6"/>
+                                        </p:tgtEl>
+                                        <p:attrNameLst>
+                                          <p:attrName>style.visibility</p:attrName>
+                                        </p:attrNameLst>
+                                      </p:cBhvr>
+                                      <p:to>
+                                        <p:strVal val="visible"/>
+                                      </p:to>
+                                    </p:set>
+                                    <p:animEffect transition="in" filter="fade">
+                                      <p:cBhvr>
+                                        <p:cTn id="7" dur="500"/>
+                                        <p:tgtEl>
+                                          <p:spTgt spid="6"/>
+                                        </p:tgtEl>
+                                      </p:cBhvr>
+                                    </p:animEffect>
+                                  </p:childTnLst>
+                                </p:cTn>
+                              </p:par>
+                              <p:par>
+                                <p:cTn id="8" presetID="10" presetClass="entr" presetSubtype="0" fill="hold" nodeType="withEffect">
+                                  <p:stCondLst>
+                                    <p:cond delay="0"/>
+                                  </p:stCondLst>
+                                  <p:childTnLst>
+                                    <p:set>
+                                      <p:cBhvr>
+                                        <p:cTn id="9" dur="1" fill="hold">
+                                          <p:stCondLst>
+                                            <p:cond delay="0"/>
+                                          </p:stCondLst>
+                                        </p:cTn>
+                                        <p:tgtEl>
+                                          <p:spTgt spid="12"/>
+                                        </p:tgtEl>
+                                        <p:attrNameLst>
+                                          <p:attrName>style.visibility</p:attrName>
+                                        </p:attrNameLst>
+                                      </p:cBhvr>
+                                      <p:to>
+                                        <p:strVal val="visible"/>
+                                      </p:to>
+                                    </p:set>
+                                    <p:animEffect transition="in" filter="fade">
+                                      <p:cBhvr>
+                                        <p:cTn id="10" dur="500"/>
+                                        <p:tgtEl>
+                                          <p:spTgt spid="12"/>
+                                        </p:tgtEl>
+                                      </p:cBhvr>
+                                    </p:animEffect>
+                                  </p:childTnLst>
+                                </p:cTn>
+                              </p:par>
+                            </p:childTnLst>
+                          </p:cTn>
+                        </p:par>
+                      </p:childTnLst>
+                    </p:cTn>
+                  </p:par>
+                  <p:par>
+                    <p:cTn id="11" fill="hold">
+                      <p:stCondLst>
+                        <p:cond delay="indefinite"/>
+                      </p:stCondLst>
+                      <p:childTnLst>
+                        <p:par>
+                          <p:cTn id="12" fill="hold">
+                            <p:stCondLst>
+                              <p:cond delay="0"/>
+                            </p:stCondLst>
+                            <p:childTnLst>
+                              <p:par>
+                                <p:cTn id="13" presetID="10" presetClass="entr" presetSubtype="0" fill="hold" nodeType="clickEffect">
+                                  <p:stCondLst>
+                                    <p:cond delay="0"/>
+                                  </p:stCondLst>
+                                  <p:childTnLst>
+                                    <p:set>
+                                      <p:cBhvr>
+                                        <p:cTn id="14" dur="1" fill="hold">
+                                          <p:stCondLst>
+                                            <p:cond delay="0"/>
+                                          </p:stCondLst>
+                                        </p:cTn>
+                                        <p:tgtEl>
+                                          <p:spTgt spid="14"/>
+                                        </p:tgtEl>
+                                        <p:attrNameLst>
+                                          <p:attrName>style.visibility</p:attrName>
+                                        </p:attrNameLst>
+                                      </p:cBhvr>
+                                      <p:to>
+                                        <p:strVal val="visible"/>
+                                      </p:to>
+                                    </p:set>
+                                    <p:animEffect transition="in" filter="fade">
+                                      <p:cBhvr>
+                                        <p:cTn id="15" dur="500"/>
+                                        <p:tgtEl>
+                                          <p:spTgt spid="14"/>
+                                        </p:tgtEl>
+                                      </p:cBhvr>
+                                    </p:animEffect>
+                                  </p:childTnLst>
+                                </p:cTn>
+                              </p:par>
+                              <p:par>
+                                <p:cTn id="16" presetID="10" presetClass="entr" presetSubtype="0" fill="hold" grpId="0" nodeType="withEffect">
+                                  <p:stCondLst>
+                                    <p:cond delay="0"/>
+                                  </p:stCondLst>
+                                  <p:childTnLst>
+                                    <p:set>
+                                      <p:cBhvr>
+                                        <p:cTn id="17" dur="1" fill="hold">
+                                          <p:stCondLst>
+                                            <p:cond delay="0"/>
+                                          </p:stCondLst>
+                                        </p:cTn>
+                                        <p:tgtEl>
+                                          <p:spTgt spid="7"/>
+                                        </p:tgtEl>
+                                        <p:attrNameLst>
+                                          <p:attrName>style.visibility</p:attrName>
+                                        </p:attrNameLst>
+                                      </p:cBhvr>
+                                      <p:to>
+                                        <p:strVal val="visible"/>
+                                      </p:to>
+                                    </p:set>
+                                    <p:animEffect transition="in" filter="fade">
+                                      <p:cBhvr>
+                                        <p:cTn id="18" dur="500"/>
+                                        <p:tgtEl>
+                                          <p:spTgt spid="7"/>
+                                        </p:tgtEl>
+                                      </p:cBhvr>
+                                    </p:animEffect>
+                                  </p:childTnLst>
+                                </p:cTn>
+                              </p:par>
+                            </p:childTnLst>
+                          </p:cTn>
+                        </p:par>
+                      </p:childTnLst>
+                    </p:cTn>
+                  </p:par>
+                  <p:par>
+                    <p:cTn id="19" fill="hold">
+                      <p:stCondLst>
+                        <p:cond delay="indefinite"/>
+                      </p:stCondLst>
+                      <p:childTnLst>
+                        <p:par>
+                          <p:cTn id="20" fill="hold">
+                            <p:stCondLst>
+                              <p:cond delay="0"/>
+                            </p:stCondLst>
+                            <p:childTnLst>
+                              <p:par>
+                                <p:cTn id="21" presetID="10" presetClass="entr" presetSubtype="0" fill="hold" grpId="0" nodeType="clickEffect">
+                                  <p:stCondLst>
+                                    <p:cond delay="0"/>
+                                  </p:stCondLst>
+                                  <p:childTnLst>
+                                    <p:set>
+                                      <p:cBhvr>
+                                        <p:cTn id="22" dur="1" fill="hold">
+                                          <p:stCondLst>
+                                            <p:cond delay="0"/>
+                                          </p:stCondLst>
+                                        </p:cTn>
+                                        <p:tgtEl>
+                                          <p:spTgt spid="9"/>
+                                        </p:tgtEl>
+                                        <p:attrNameLst>
+                                          <p:attrName>style.visibility</p:attrName>
+                                        </p:attrNameLst>
+                                      </p:cBhvr>
+                                      <p:to>
+                                        <p:strVal val="visible"/>
+                                      </p:to>
+                                    </p:set>
+                                    <p:animEffect transition="in" filter="fade">
+                                      <p:cBhvr>
+                                        <p:cTn id="23" dur="500"/>
+                                        <p:tgtEl>
+                                          <p:spTgt spid="9"/>
+                                        </p:tgtEl>
+                                      </p:cBhvr>
+                                    </p:animEffect>
+                                  </p:childTnLst>
+                                </p:cTn>
+                              </p:par>
+                              <p:par>
+                                <p:cTn id="24" presetID="10" presetClass="entr" presetSubtype="0" fill="hold" nodeType="withEffect">
+                                  <p:stCondLst>
+                                    <p:cond delay="0"/>
+                                  </p:stCondLst>
+                                  <p:childTnLst>
+                                    <p:set>
+                                      <p:cBhvr>
+                                        <p:cTn id="25" dur="1" fill="hold">
+                                          <p:stCondLst>
+                                            <p:cond delay="0"/>
+                                          </p:stCondLst>
+                                        </p:cTn>
+                                        <p:tgtEl>
+                                          <p:spTgt spid="16"/>
+                                        </p:tgtEl>
+                                        <p:attrNameLst>
+                                          <p:attrName>style.visibility</p:attrName>
+                                        </p:attrNameLst>
+                                      </p:cBhvr>
+                                      <p:to>
+                                        <p:strVal val="visible"/>
+                                      </p:to>
+                                    </p:set>
+                                    <p:animEffect transition="in" filter="fade">
+                                      <p:cBhvr>
+                                        <p:cTn id="26" dur="500"/>
+                                        <p:tgtEl>
+                                          <p:spTgt spid="16"/>
+                                        </p:tgtEl>
+                                      </p:cBhvr>
+                                    </p:animEffect>
+                                  </p:childTnLst>
+                                </p:cTn>
+                              </p:par>
+                            </p:childTnLst>
+                          </p:cTn>
+                        </p:par>
+                      </p:childTnLst>
+                    </p:cTn>
+                  </p:par>
+                  <p:par>
+                    <p:cTn id="27" fill="hold">
+                      <p:stCondLst>
+                        <p:cond delay="indefinite"/>
+                      </p:stCondLst>
+                      <p:childTnLst>
+                        <p:par>
+                          <p:cTn id="28" fill="hold">
+                            <p:stCondLst>
+                              <p:cond delay="0"/>
+                            </p:stCondLst>
+                            <p:childTnLst>
+                              <p:par>
+                                <p:cTn id="29" presetID="10" presetClass="entr" presetSubtype="0" fill="hold" nodeType="clickEffect">
+                                  <p:stCondLst>
+                                    <p:cond delay="0"/>
+                                  </p:stCondLst>
+                                  <p:childTnLst>
+                                    <p:set>
+                                      <p:cBhvr>
+                                        <p:cTn id="30" dur="1" fill="hold">
+                                          <p:stCondLst>
+                                            <p:cond delay="0"/>
+                                          </p:stCondLst>
+                                        </p:cTn>
+                                        <p:tgtEl>
+                                          <p:spTgt spid="10"/>
+                                        </p:tgtEl>
+                                        <p:attrNameLst>
+                                          <p:attrName>style.visibility</p:attrName>
+                                        </p:attrNameLst>
+                                      </p:cBhvr>
+                                      <p:to>
+                                        <p:strVal val="visible"/>
+                                      </p:to>
+                                    </p:set>
+                                    <p:animEffect transition="in" filter="fade">
+                                      <p:cBhvr>
+                                        <p:cTn id="31" dur="500"/>
+                                        <p:tgtEl>
+                                          <p:spTgt spid="10"/>
+                                        </p:tgtEl>
+                                      </p:cBhvr>
+                                    </p:animEffect>
+                                  </p:childTnLst>
+                                </p:cTn>
+                              </p:par>
+                              <p:par>
+                                <p:cTn id="32" presetID="10" presetClass="entr" presetSubtype="0" fill="hold" nodeType="withEffect">
+                                  <p:stCondLst>
+                                    <p:cond delay="0"/>
+                                  </p:stCondLst>
+                                  <p:childTnLst>
+                                    <p:set>
+                                      <p:cBhvr>
+                                        <p:cTn id="33" dur="1" fill="hold">
+                                          <p:stCondLst>
+                                            <p:cond delay="0"/>
+                                          </p:stCondLst>
+                                        </p:cTn>
+                                        <p:tgtEl>
+                                          <p:spTgt spid="17"/>
+                                        </p:tgtEl>
+                                        <p:attrNameLst>
+                                          <p:attrName>style.visibility</p:attrName>
+                                        </p:attrNameLst>
+                                      </p:cBhvr>
+                                      <p:to>
+                                        <p:strVal val="visible"/>
+                                      </p:to>
+                                    </p:set>
+                                    <p:animEffect transition="in" filter="fade">
+                                      <p:cBhvr>
+                                        <p:cTn id="34" dur="500"/>
+                                        <p:tgtEl>
+                                          <p:spTgt spid="17"/>
+                                        </p:tgtEl>
+                                      </p:cBhvr>
+                                    </p:animEffect>
+                                  </p:childTnLst>
+                                </p:cTn>
+                              </p:par>
+                              <p:par>
+                                <p:cTn id="35" presetID="10" presetClass="entr" presetSubtype="0" fill="hold" grpId="0" nodeType="withEffect">
+                                  <p:stCondLst>
+                                    <p:cond delay="0"/>
+                                  </p:stCondLst>
+                                  <p:childTnLst>
+                                    <p:set>
+                                      <p:cBhvr>
+                                        <p:cTn id="36" dur="1" fill="hold">
+                                          <p:stCondLst>
+                                            <p:cond delay="0"/>
+                                          </p:stCondLst>
+                                        </p:cTn>
+                                        <p:tgtEl>
+                                          <p:spTgt spid="24"/>
+                                        </p:tgtEl>
+                                        <p:attrNameLst>
+                                          <p:attrName>style.visibility</p:attrName>
+                                        </p:attrNameLst>
+                                      </p:cBhvr>
+                                      <p:to>
+                                        <p:strVal val="visible"/>
+                                      </p:to>
+                                    </p:set>
+                                    <p:animEffect transition="in" filter="fade">
+                                      <p:cBhvr>
+                                        <p:cTn id="37" dur="500"/>
+                                        <p:tgtEl>
+                                          <p:spTgt spid="24"/>
+                                        </p:tgtEl>
+                                      </p:cBhvr>
+                                    </p:animEffect>
+                                  </p:childTnLst>
+                                </p:cTn>
+                              </p:par>
+                            </p:childTnLst>
+                          </p:cTn>
+                        </p:par>
+                      </p:childTnLst>
+                    </p:cTn>
+                  </p:par>
+                  <p:par>
+                    <p:cTn id="38" fill="hold">
+                      <p:stCondLst>
+                        <p:cond delay="indefinite"/>
+                      </p:stCondLst>
+                      <p:childTnLst>
+                        <p:par>
+                          <p:cTn id="39" fill="hold">
+                            <p:stCondLst>
+                              <p:cond delay="0"/>
+                            </p:stCondLst>
+                            <p:childTnLst>
+                              <p:par>
+                                <p:cTn id="40" presetID="10" presetClass="entr" presetSubtype="0" fill="hold" grpId="0" nodeType="clickEffect">
+                                  <p:stCondLst>
+                                    <p:cond delay="0"/>
+                                  </p:stCondLst>
+                                  <p:childTnLst>
+                                    <p:set>
+                                      <p:cBhvr>
+                                        <p:cTn id="41" dur="1" fill="hold">
+                                          <p:stCondLst>
+                                            <p:cond delay="0"/>
+                                          </p:stCondLst>
+                                        </p:cTn>
+                                        <p:tgtEl>
+                                          <p:spTgt spid="29"/>
+                                        </p:tgtEl>
+                                        <p:attrNameLst>
+                                          <p:attrName>style.visibility</p:attrName>
+                                        </p:attrNameLst>
+                                      </p:cBhvr>
+                                      <p:to>
+                                        <p:strVal val="visible"/>
+                                      </p:to>
+                                    </p:set>
+                                    <p:animEffect transition="in" filter="fade">
+                                      <p:cBhvr>
+                                        <p:cTn id="42" dur="500"/>
+                                        <p:tgtEl>
+                                          <p:spTgt spid="29"/>
+                                        </p:tgtEl>
+                                      </p:cBhvr>
+                                    </p:animEffect>
+                                  </p:childTnLst>
+                                </p:cTn>
+                              </p:par>
+                            </p:childTnLst>
+                          </p:cTn>
+                        </p:par>
+                      </p:childTnLst>
+                    </p:cTn>
+                  </p:par>
+                </p:childTnLst>
+              </p:cTn>
+              <p:prevCondLst>
+                <p:cond evt="onPrev" delay="0">
+                  <p:tgtEl>
+                    <p:sldTgt/>
+                  </p:tgtEl>
+                </p:cond>
+              </p:prevCondLst>
+              <p:nextCondLst>
+                <p:cond evt="onNext" delay="0">
+                  <p:tgtEl>
+                    <p:sldTgt/>
+                  </p:tgtEl>
+                </p:cond>
+              </p:nextCondLst>
+            </p:seq>
+          </p:childTnLst>
+        </p:cTn>
+      </p:par>
+    </p:tnLst>
+    <p:bldLst>
+      <p:bldP spid="6" grpId="0" animBg="1"/>
+      <p:bldP spid="7" grpId="0" animBg="1"/>
+      <p:bldP spid="9" grpId="0" animBg="1"/>
+      <p:bldP spid="24" grpId="0"/>
+      <p:bldP spid="29" grpId="0"/>
+    </p:bldLst>
+  </p:timing>
+</p:sld>
+</file>
+
+<file path=ppt/slides/slide11.xml><?xml version="1.0" encoding="utf-8"?>
+<p:sld xmlns:a="http://schemas.openxmlformats.org/drawingml/2006/main" xmlns:r="http://schemas.openxmlformats.org/officeDocument/2006/relationships" xmlns:p="http://schemas.openxmlformats.org/presentationml/2006/main">
+  <p:cSld>
+    <p:bg>
+      <p:bgPr>
+        <a:blipFill dpi="0" rotWithShape="1">
+          <a:blip r:embed="rId2">
+            <a:lum/>
+          </a:blip>
+          <a:srcRect/>
+          <a:stretch>
+            <a:fillRect/>
+          </a:stretch>
+        </a:blipFill>
+        <a:effectLst/>
+      </p:bgPr>
+    </p:bg>
+    <p:spTree>
+      <p:nvGrpSpPr>
+        <p:cNvPr id="1" name=""/>
+        <p:cNvGrpSpPr/>
+        <p:nvPr/>
+      </p:nvGrpSpPr>
+      <p:grpSpPr>
+        <a:xfrm>
+          <a:off x="0" y="0"/>
+          <a:ext cx="0" cy="0"/>
+          <a:chOff x="0" y="0"/>
+          <a:chExt cx="0" cy="0"/>
+        </a:xfrm>
+      </p:grpSpPr>
+      <p:sp>
+        <p:nvSpPr>
+          <p:cNvPr id="2" name="Title 1">
+            <a:extLst>
+              <a:ext uri="{FF2B5EF4-FFF2-40B4-BE49-F238E27FC236}">
+                <a16:creationId xmlns:a16="http://schemas.microsoft.com/office/drawing/2014/main" id="{55E11F08-6CA0-48F1-AD67-97430DDA07F0}"/>
+              </a:ext>
+            </a:extLst>
+          </p:cNvPr>
+          <p:cNvSpPr>
+            <a:spLocks noGrp="1"/>
+          </p:cNvSpPr>
+          <p:nvPr>
+            <p:ph type="title"/>
+          </p:nvPr>
+        </p:nvSpPr>
+        <p:spPr/>
+        <p:txBody>
+          <a:bodyPr/>
+          <a:lstStyle/>
+          <a:p>
+            <a:r>
+              <a:rPr lang="en-US" b="1" dirty="0">
+                <a:solidFill>
+                  <a:srgbClr val="292D33"/>
+                </a:solidFill>
+                <a:latin typeface="Euclid Circular B" panose="020B0504000000000000" pitchFamily="34" charset="0"/>
+                <a:ea typeface="Euclid Circular B" panose="020B0504000000000000" pitchFamily="34" charset="0"/>
+              </a:rPr>
+              <a:t>Topic title</a:t>
+            </a:r>
+          </a:p>
+        </p:txBody>
+      </p:sp>
+      <p:sp>
+        <p:nvSpPr>
+          <p:cNvPr id="3" name="Content Placeholder 2">
+            <a:extLst>
+              <a:ext uri="{FF2B5EF4-FFF2-40B4-BE49-F238E27FC236}">
+                <a16:creationId xmlns:a16="http://schemas.microsoft.com/office/drawing/2014/main" id="{891C7693-D3DF-4635-96F4-97F3B4136FDF}"/>
+              </a:ext>
+            </a:extLst>
+          </p:cNvPr>
+          <p:cNvSpPr>
+            <a:spLocks noGrp="1"/>
+          </p:cNvSpPr>
+          <p:nvPr>
+            <p:ph idx="1"/>
+          </p:nvPr>
+        </p:nvSpPr>
+        <p:spPr/>
+        <p:txBody>
+          <a:bodyPr/>
+          <a:lstStyle/>
+          <a:p>
+            <a:r>
+              <a:rPr lang="en-US" dirty="0">
+                <a:latin typeface="Euclid Circular B" panose="020B0504000000000000" pitchFamily="34" charset="0"/>
+                <a:ea typeface="Euclid Circular B" panose="020B0504000000000000" pitchFamily="34" charset="0"/>
+              </a:rPr>
+              <a:t>Content</a:t>
+            </a:r>
+          </a:p>
+        </p:txBody>
+      </p:sp>
+    </p:spTree>
+    <p:extLst>
+      <p:ext uri="{BB962C8B-B14F-4D97-AF65-F5344CB8AC3E}">
+        <p14:creationId xmlns:p14="http://schemas.microsoft.com/office/powerpoint/2010/main" val="47479335"/>
+      </p:ext>
+    </p:extLst>
+  </p:cSld>
+  <p:clrMapOvr>
+    <a:masterClrMapping/>
+  </p:clrMapOvr>
+</p:sld>
+</file>
+
+<file path=ppt/slides/slide12.xml><?xml version="1.0" encoding="utf-8"?>
+<p:sld xmlns:a="http://schemas.openxmlformats.org/drawingml/2006/main" xmlns:r="http://schemas.openxmlformats.org/officeDocument/2006/relationships" xmlns:p="http://schemas.openxmlformats.org/presentationml/2006/main">
+  <p:cSld>
+    <p:bg>
+      <p:bgPr>
+        <a:blipFill dpi="0" rotWithShape="1">
+          <a:blip r:embed="rId2">
+            <a:lum/>
+          </a:blip>
+          <a:srcRect/>
+          <a:stretch>
+            <a:fillRect/>
+          </a:stretch>
+        </a:blipFill>
+        <a:effectLst/>
+      </p:bgPr>
+    </p:bg>
+    <p:spTree>
+      <p:nvGrpSpPr>
+        <p:cNvPr id="1" name=""/>
+        <p:cNvGrpSpPr/>
+        <p:nvPr/>
+      </p:nvGrpSpPr>
+      <p:grpSpPr>
+        <a:xfrm>
+          <a:off x="0" y="0"/>
+          <a:ext cx="0" cy="0"/>
+          <a:chOff x="0" y="0"/>
+          <a:chExt cx="0" cy="0"/>
+        </a:xfrm>
+      </p:grpSpPr>
+      <p:sp>
+        <p:nvSpPr>
+          <p:cNvPr id="2" name="Title 1">
+            <a:extLst>
+              <a:ext uri="{FF2B5EF4-FFF2-40B4-BE49-F238E27FC236}">
+                <a16:creationId xmlns:a16="http://schemas.microsoft.com/office/drawing/2014/main" id="{55E11F08-6CA0-48F1-AD67-97430DDA07F0}"/>
+              </a:ext>
+            </a:extLst>
+          </p:cNvPr>
+          <p:cNvSpPr>
+            <a:spLocks noGrp="1"/>
+          </p:cNvSpPr>
+          <p:nvPr>
+            <p:ph type="title"/>
+          </p:nvPr>
+        </p:nvSpPr>
+        <p:spPr/>
+        <p:txBody>
+          <a:bodyPr/>
+          <a:lstStyle/>
+          <a:p>
+            <a:r>
+              <a:rPr lang="en-US" b="1" dirty="0">
+                <a:solidFill>
+                  <a:srgbClr val="292D33"/>
+                </a:solidFill>
+                <a:latin typeface="Euclid Circular B" panose="020B0504000000000000" pitchFamily="34" charset="0"/>
+                <a:ea typeface="Euclid Circular B" panose="020B0504000000000000" pitchFamily="34" charset="0"/>
+              </a:rPr>
+              <a:t>Topic title</a:t>
+            </a:r>
+          </a:p>
+        </p:txBody>
+      </p:sp>
+      <p:sp>
+        <p:nvSpPr>
+          <p:cNvPr id="3" name="Content Placeholder 2">
+            <a:extLst>
+              <a:ext uri="{FF2B5EF4-FFF2-40B4-BE49-F238E27FC236}">
+                <a16:creationId xmlns:a16="http://schemas.microsoft.com/office/drawing/2014/main" id="{891C7693-D3DF-4635-96F4-97F3B4136FDF}"/>
+              </a:ext>
+            </a:extLst>
+          </p:cNvPr>
+          <p:cNvSpPr>
+            <a:spLocks noGrp="1"/>
+          </p:cNvSpPr>
+          <p:nvPr>
+            <p:ph idx="1"/>
+          </p:nvPr>
+        </p:nvSpPr>
+        <p:spPr/>
+        <p:txBody>
+          <a:bodyPr/>
+          <a:lstStyle/>
+          <a:p>
+            <a:r>
+              <a:rPr lang="en-US" dirty="0">
+                <a:latin typeface="Euclid Circular B" panose="020B0504000000000000" pitchFamily="34" charset="0"/>
+                <a:ea typeface="Euclid Circular B" panose="020B0504000000000000" pitchFamily="34" charset="0"/>
+              </a:rPr>
+              <a:t>Content</a:t>
+            </a:r>
+          </a:p>
+        </p:txBody>
+      </p:sp>
+    </p:spTree>
+    <p:extLst>
+      <p:ext uri="{BB962C8B-B14F-4D97-AF65-F5344CB8AC3E}">
+        <p14:creationId xmlns:p14="http://schemas.microsoft.com/office/powerpoint/2010/main" val="842012367"/>
+      </p:ext>
+    </p:extLst>
+  </p:cSld>
+  <p:clrMapOvr>
+    <a:masterClrMapping/>
+  </p:clrMapOvr>
+</p:sld>
+</file>
+
+<file path=ppt/slides/slide13.xml><?xml version="1.0" encoding="utf-8"?>
+<p:sld xmlns:a="http://schemas.openxmlformats.org/drawingml/2006/main" xmlns:r="http://schemas.openxmlformats.org/officeDocument/2006/relationships" xmlns:p="http://schemas.openxmlformats.org/presentationml/2006/main">
+  <p:cSld>
+    <p:bg>
+      <p:bgPr>
+        <a:blipFill dpi="0" rotWithShape="1">
+          <a:blip r:embed="rId2">
+            <a:lum/>
+          </a:blip>
+          <a:srcRect/>
+          <a:stretch>
+            <a:fillRect/>
+          </a:stretch>
+        </a:blipFill>
+        <a:effectLst/>
+      </p:bgPr>
+    </p:bg>
+    <p:spTree>
+      <p:nvGrpSpPr>
+        <p:cNvPr id="1" name=""/>
+        <p:cNvGrpSpPr/>
+        <p:nvPr/>
+      </p:nvGrpSpPr>
+      <p:grpSpPr>
+        <a:xfrm>
+          <a:off x="0" y="0"/>
+          <a:ext cx="0" cy="0"/>
+          <a:chOff x="0" y="0"/>
+          <a:chExt cx="0" cy="0"/>
+        </a:xfrm>
+      </p:grpSpPr>
+      <p:sp>
+        <p:nvSpPr>
+          <p:cNvPr id="2" name="Title 1">
+            <a:extLst>
+              <a:ext uri="{FF2B5EF4-FFF2-40B4-BE49-F238E27FC236}">
+                <a16:creationId xmlns:a16="http://schemas.microsoft.com/office/drawing/2014/main" id="{55E11F08-6CA0-48F1-AD67-97430DDA07F0}"/>
+              </a:ext>
+            </a:extLst>
+          </p:cNvPr>
+          <p:cNvSpPr>
+            <a:spLocks noGrp="1"/>
+          </p:cNvSpPr>
+          <p:nvPr>
+            <p:ph type="title"/>
+          </p:nvPr>
+        </p:nvSpPr>
+        <p:spPr/>
+        <p:txBody>
+          <a:bodyPr/>
+          <a:lstStyle/>
+          <a:p>
+            <a:r>
+              <a:rPr lang="en-US" b="1" dirty="0">
+                <a:solidFill>
+                  <a:srgbClr val="292D33"/>
+                </a:solidFill>
+                <a:latin typeface="Euclid Circular B" panose="020B0504000000000000" pitchFamily="34" charset="0"/>
+                <a:ea typeface="Euclid Circular B" panose="020B0504000000000000" pitchFamily="34" charset="0"/>
+              </a:rPr>
+              <a:t>Topic title</a:t>
+            </a:r>
+          </a:p>
+        </p:txBody>
+      </p:sp>
+      <p:sp>
+        <p:nvSpPr>
+          <p:cNvPr id="3" name="Content Placeholder 2">
+            <a:extLst>
+              <a:ext uri="{FF2B5EF4-FFF2-40B4-BE49-F238E27FC236}">
+                <a16:creationId xmlns:a16="http://schemas.microsoft.com/office/drawing/2014/main" id="{891C7693-D3DF-4635-96F4-97F3B4136FDF}"/>
+              </a:ext>
+            </a:extLst>
+          </p:cNvPr>
+          <p:cNvSpPr>
+            <a:spLocks noGrp="1"/>
+          </p:cNvSpPr>
+          <p:nvPr>
+            <p:ph idx="1"/>
+          </p:nvPr>
+        </p:nvSpPr>
+        <p:spPr/>
+        <p:txBody>
+          <a:bodyPr/>
+          <a:lstStyle/>
+          <a:p>
+            <a:r>
+              <a:rPr lang="en-US" dirty="0">
+                <a:latin typeface="Euclid Circular B" panose="020B0504000000000000" pitchFamily="34" charset="0"/>
+                <a:ea typeface="Euclid Circular B" panose="020B0504000000000000" pitchFamily="34" charset="0"/>
+              </a:rPr>
+              <a:t>Content</a:t>
+            </a:r>
+          </a:p>
+        </p:txBody>
+      </p:sp>
+    </p:spTree>
+    <p:extLst>
+      <p:ext uri="{BB962C8B-B14F-4D97-AF65-F5344CB8AC3E}">
+        <p14:creationId xmlns:p14="http://schemas.microsoft.com/office/powerpoint/2010/main" val="3010888066"/>
+      </p:ext>
+    </p:extLst>
+  </p:cSld>
+  <p:clrMapOvr>
+    <a:masterClrMapping/>
+  </p:clrMapOvr>
+</p:sld>
+</file>
+
+<file path=ppt/slides/slide2.xml><?xml version="1.0" encoding="utf-8"?>
+<p:sld xmlns:a="http://schemas.openxmlformats.org/drawingml/2006/main" xmlns:r="http://schemas.openxmlformats.org/officeDocument/2006/relationships" xmlns:p="http://schemas.openxmlformats.org/presentationml/2006/main">
+  <p:cSld>
+    <p:bg>
+      <p:bgPr>
+        <a:blipFill dpi="0" rotWithShape="1">
+          <a:blip r:embed="rId2">
+            <a:lum/>
+          </a:blip>
+          <a:srcRect/>
+          <a:stretch>
+            <a:fillRect/>
+          </a:stretch>
+        </a:blipFill>
+        <a:effectLst/>
+      </p:bgPr>
+    </p:bg>
+    <p:spTree>
+      <p:nvGrpSpPr>
+        <p:cNvPr id="1" name=""/>
+        <p:cNvGrpSpPr/>
+        <p:nvPr/>
+      </p:nvGrpSpPr>
+      <p:grpSpPr>
+        <a:xfrm>
+          <a:off x="0" y="0"/>
+          <a:ext cx="0" cy="0"/>
+          <a:chOff x="0" y="0"/>
+          <a:chExt cx="0" cy="0"/>
+        </a:xfrm>
+      </p:grpSpPr>
+      <p:sp>
+        <p:nvSpPr>
+          <p:cNvPr id="2" name="Title 1">
+            <a:extLst>
+              <a:ext uri="{FF2B5EF4-FFF2-40B4-BE49-F238E27FC236}">
+                <a16:creationId xmlns:a16="http://schemas.microsoft.com/office/drawing/2014/main" id="{55E11F08-6CA0-48F1-AD67-97430DDA07F0}"/>
+              </a:ext>
+            </a:extLst>
+          </p:cNvPr>
+          <p:cNvSpPr>
+            <a:spLocks noGrp="1"/>
+          </p:cNvSpPr>
+          <p:nvPr>
+            <p:ph type="title"/>
+          </p:nvPr>
+        </p:nvSpPr>
+        <p:spPr/>
+        <p:txBody>
+          <a:bodyPr/>
+          <a:lstStyle/>
+          <a:p>
+            <a:r>
+              <a:rPr lang="en-US" b="1" dirty="0">
+                <a:solidFill>
+                  <a:srgbClr val="292D33"/>
+                </a:solidFill>
+                <a:latin typeface="Euclid Circular B" panose="020B0504000000000000" pitchFamily="34" charset="0"/>
+                <a:ea typeface="Euclid Circular B" panose="020B0504000000000000" pitchFamily="34" charset="0"/>
+              </a:rPr>
+              <a:t>Overall</a:t>
+            </a:r>
+          </a:p>
+        </p:txBody>
+      </p:sp>
+      <p:sp>
+        <p:nvSpPr>
+          <p:cNvPr id="3" name="Content Placeholder 2">
+            <a:extLst>
+              <a:ext uri="{FF2B5EF4-FFF2-40B4-BE49-F238E27FC236}">
+                <a16:creationId xmlns:a16="http://schemas.microsoft.com/office/drawing/2014/main" id="{891C7693-D3DF-4635-96F4-97F3B4136FDF}"/>
+              </a:ext>
+            </a:extLst>
+          </p:cNvPr>
+          <p:cNvSpPr>
+            <a:spLocks noGrp="1"/>
+          </p:cNvSpPr>
+          <p:nvPr>
+            <p:ph idx="1"/>
+          </p:nvPr>
+        </p:nvSpPr>
+        <p:spPr/>
+        <p:txBody>
+          <a:bodyPr/>
+          <a:lstStyle/>
+          <a:p>
+            <a:r>
+              <a:rPr lang="en-US" dirty="0">
+                <a:latin typeface="Euclid Circular B" panose="020B0504000000000000" pitchFamily="34" charset="0"/>
+                <a:ea typeface="Euclid Circular B" panose="020B0504000000000000" pitchFamily="34" charset="0"/>
+              </a:rPr>
+              <a:t>Upgrading to .NET 7.0</a:t>
+            </a:r>
+          </a:p>
+          <a:p>
+            <a:r>
+              <a:rPr lang="en-US" dirty="0">
+                <a:latin typeface="Euclid Circular B" panose="020B0504000000000000" pitchFamily="34" charset="0"/>
+                <a:ea typeface="Euclid Circular B" panose="020B0504000000000000" pitchFamily="34" charset="0"/>
+              </a:rPr>
+              <a:t>Dapr integration</a:t>
+            </a:r>
+          </a:p>
+          <a:p>
+            <a:r>
+              <a:rPr lang="en-US" dirty="0">
+                <a:latin typeface="Euclid Circular B" panose="020B0504000000000000" pitchFamily="34" charset="0"/>
+                <a:ea typeface="Euclid Circular B" panose="020B0504000000000000" pitchFamily="34" charset="0"/>
+              </a:rPr>
+              <a:t>Integration services</a:t>
+            </a:r>
+          </a:p>
+          <a:p>
+            <a:r>
+              <a:rPr lang="en-US" dirty="0">
+                <a:latin typeface="Euclid Circular B" panose="020B0504000000000000" pitchFamily="34" charset="0"/>
+                <a:ea typeface="Euclid Circular B" panose="020B0504000000000000" pitchFamily="34" charset="0"/>
+              </a:rPr>
+              <a:t>Dynamic features &amp; permissions</a:t>
+            </a:r>
+          </a:p>
+          <a:p>
+            <a:r>
+              <a:rPr lang="en-US" dirty="0">
+                <a:latin typeface="Euclid Circular B" panose="020B0504000000000000" pitchFamily="34" charset="0"/>
+                <a:ea typeface="Euclid Circular B" panose="020B0504000000000000" pitchFamily="34" charset="0"/>
+              </a:rPr>
+              <a:t>External localization system</a:t>
+            </a:r>
+          </a:p>
+        </p:txBody>
+      </p:sp>
+    </p:spTree>
+    <p:extLst>
+      <p:ext uri="{BB962C8B-B14F-4D97-AF65-F5344CB8AC3E}">
+        <p14:creationId xmlns:p14="http://schemas.microsoft.com/office/powerpoint/2010/main" val="721846992"/>
+      </p:ext>
+    </p:extLst>
+  </p:cSld>
+  <p:clrMapOvr>
+    <a:masterClrMapping/>
+  </p:clrMapOvr>
+  <p:timing>
+    <p:tnLst>
+      <p:par>
+        <p:cTn id="1" dur="indefinite" restart="never" nodeType="tmRoot">
+          <p:childTnLst>
+            <p:seq concurrent="1" nextAc="seek">
+              <p:cTn id="2" dur="indefinite" nodeType="mainSeq">
+                <p:childTnLst>
+                  <p:par>
+                    <p:cTn id="3" fill="hold">
+                      <p:stCondLst>
+                        <p:cond delay="indefinite"/>
+                      </p:stCondLst>
+                      <p:childTnLst>
+                        <p:par>
+                          <p:cTn id="4" fill="hold">
+                            <p:stCondLst>
+                              <p:cond delay="0"/>
+                            </p:stCondLst>
+                            <p:childTnLst>
+                              <p:par>
+                                <p:cTn id="5" presetID="10" presetClass="entr" presetSubtype="0" fill="hold" nodeType="clickEffect">
+                                  <p:stCondLst>
+                                    <p:cond delay="0"/>
+                                  </p:stCondLst>
+                                  <p:childTnLst>
+                                    <p:set>
+                                      <p:cBhvr>
+                                        <p:cTn id="6" dur="1" fill="hold">
+                                          <p:stCondLst>
+                                            <p:cond delay="0"/>
+                                          </p:stCondLst>
+                                        </p:cTn>
+                                        <p:tgtEl>
+                                          <p:spTgt spid="3">
+                                            <p:txEl>
+                                              <p:pRg st="0" end="0"/>
+                                            </p:txEl>
+                                          </p:spTgt>
+                                        </p:tgtEl>
+                                        <p:attrNameLst>
+                                          <p:attrName>style.visibility</p:attrName>
+                                        </p:attrNameLst>
+                                      </p:cBhvr>
+                                      <p:to>
+                                        <p:strVal val="visible"/>
+                                      </p:to>
+                                    </p:set>
+                                    <p:animEffect transition="in" filter="fade">
+                                      <p:cBhvr>
+                                        <p:cTn id="7" dur="500"/>
+                                        <p:tgtEl>
+                                          <p:spTgt spid="3">
+                                            <p:txEl>
+                                              <p:pRg st="0" end="0"/>
+                                            </p:txEl>
+                                          </p:spTgt>
+                                        </p:tgtEl>
+                                      </p:cBhvr>
+                                    </p:animEffect>
+                                  </p:childTnLst>
+                                </p:cTn>
+                              </p:par>
+                            </p:childTnLst>
+                          </p:cTn>
+                        </p:par>
+                      </p:childTnLst>
+                    </p:cTn>
+                  </p:par>
+                  <p:par>
+                    <p:cTn id="8" fill="hold">
+                      <p:stCondLst>
+                        <p:cond delay="indefinite"/>
+                      </p:stCondLst>
+                      <p:childTnLst>
+                        <p:par>
+                          <p:cTn id="9" fill="hold">
+                            <p:stCondLst>
+                              <p:cond delay="0"/>
+                            </p:stCondLst>
+                            <p:childTnLst>
+                              <p:par>
+                                <p:cTn id="10" presetID="10" presetClass="entr" presetSubtype="0" fill="hold" nodeType="clickEffect">
+                                  <p:stCondLst>
+                                    <p:cond delay="0"/>
+                                  </p:stCondLst>
+                                  <p:childTnLst>
+                                    <p:set>
+                                      <p:cBhvr>
+                                        <p:cTn id="11" dur="1" fill="hold">
+                                          <p:stCondLst>
+                                            <p:cond delay="0"/>
+                                          </p:stCondLst>
+                                        </p:cTn>
+                                        <p:tgtEl>
+                                          <p:spTgt spid="3">
+                                            <p:txEl>
+                                              <p:pRg st="1" end="1"/>
+                                            </p:txEl>
+                                          </p:spTgt>
+                                        </p:tgtEl>
+                                        <p:attrNameLst>
+                                          <p:attrName>style.visibility</p:attrName>
+                                        </p:attrNameLst>
+                                      </p:cBhvr>
+                                      <p:to>
+                                        <p:strVal val="visible"/>
+                                      </p:to>
+                                    </p:set>
+                                    <p:animEffect transition="in" filter="fade">
+                                      <p:cBhvr>
+                                        <p:cTn id="12" dur="500"/>
+                                        <p:tgtEl>
+                                          <p:spTgt spid="3">
+                                            <p:txEl>
+                                              <p:pRg st="1" end="1"/>
+                                            </p:txEl>
+                                          </p:spTgt>
+                                        </p:tgtEl>
+                                      </p:cBhvr>
+                                    </p:animEffect>
+                                  </p:childTnLst>
+                                </p:cTn>
+                              </p:par>
+                            </p:childTnLst>
+                          </p:cTn>
+                        </p:par>
+                      </p:childTnLst>
+                    </p:cTn>
+                  </p:par>
+                  <p:par>
+                    <p:cTn id="13" fill="hold">
+                      <p:stCondLst>
+                        <p:cond delay="indefinite"/>
+                      </p:stCondLst>
+                      <p:childTnLst>
+                        <p:par>
+                          <p:cTn id="14" fill="hold">
+                            <p:stCondLst>
+                              <p:cond delay="0"/>
+                            </p:stCondLst>
+                            <p:childTnLst>
+                              <p:par>
+                                <p:cTn id="15" presetID="10" presetClass="entr" presetSubtype="0" fill="hold" nodeType="clickEffect">
+                                  <p:stCondLst>
+                                    <p:cond delay="0"/>
+                                  </p:stCondLst>
+                                  <p:childTnLst>
+                                    <p:set>
+                                      <p:cBhvr>
+                                        <p:cTn id="16" dur="1" fill="hold">
+                                          <p:stCondLst>
+                                            <p:cond delay="0"/>
+                                          </p:stCondLst>
+                                        </p:cTn>
+                                        <p:tgtEl>
+                                          <p:spTgt spid="3">
+                                            <p:txEl>
+                                              <p:pRg st="2" end="2"/>
+                                            </p:txEl>
+                                          </p:spTgt>
+                                        </p:tgtEl>
+                                        <p:attrNameLst>
+                                          <p:attrName>style.visibility</p:attrName>
+                                        </p:attrNameLst>
+                                      </p:cBhvr>
+                                      <p:to>
+                                        <p:strVal val="visible"/>
+                                      </p:to>
+                                    </p:set>
+                                    <p:animEffect transition="in" filter="fade">
+                                      <p:cBhvr>
+                                        <p:cTn id="17" dur="500"/>
+                                        <p:tgtEl>
+                                          <p:spTgt spid="3">
+                                            <p:txEl>
+                                              <p:pRg st="2" end="2"/>
+                                            </p:txEl>
+                                          </p:spTgt>
+                                        </p:tgtEl>
+                                      </p:cBhvr>
+                                    </p:animEffect>
+                                  </p:childTnLst>
+                                </p:cTn>
+                              </p:par>
+                            </p:childTnLst>
+                          </p:cTn>
+                        </p:par>
+                      </p:childTnLst>
+                    </p:cTn>
+                  </p:par>
+                  <p:par>
+                    <p:cTn id="18" fill="hold">
+                      <p:stCondLst>
+                        <p:cond delay="indefinite"/>
+                      </p:stCondLst>
+                      <p:childTnLst>
+                        <p:par>
+                          <p:cTn id="19" fill="hold">
+                            <p:stCondLst>
+                              <p:cond delay="0"/>
+                            </p:stCondLst>
+                            <p:childTnLst>
+                              <p:par>
+                                <p:cTn id="20" presetID="10" presetClass="entr" presetSubtype="0" fill="hold" nodeType="clickEffect">
+                                  <p:stCondLst>
+                                    <p:cond delay="0"/>
+                                  </p:stCondLst>
+                                  <p:childTnLst>
+                                    <p:set>
+                                      <p:cBhvr>
+                                        <p:cTn id="21" dur="1" fill="hold">
+                                          <p:stCondLst>
+                                            <p:cond delay="0"/>
+                                          </p:stCondLst>
+                                        </p:cTn>
+                                        <p:tgtEl>
+                                          <p:spTgt spid="3">
+                                            <p:txEl>
+                                              <p:pRg st="3" end="3"/>
+                                            </p:txEl>
+                                          </p:spTgt>
+                                        </p:tgtEl>
+                                        <p:attrNameLst>
+                                          <p:attrName>style.visibility</p:attrName>
+                                        </p:attrNameLst>
+                                      </p:cBhvr>
+                                      <p:to>
+                                        <p:strVal val="visible"/>
+                                      </p:to>
+                                    </p:set>
+                                    <p:animEffect transition="in" filter="fade">
+                                      <p:cBhvr>
+                                        <p:cTn id="22" dur="500"/>
+                                        <p:tgtEl>
+                                          <p:spTgt spid="3">
+                                            <p:txEl>
+                                              <p:pRg st="3" end="3"/>
+                                            </p:txEl>
+                                          </p:spTgt>
+                                        </p:tgtEl>
+                                      </p:cBhvr>
+                                    </p:animEffect>
+                                  </p:childTnLst>
+                                </p:cTn>
+                              </p:par>
+                            </p:childTnLst>
+                          </p:cTn>
+                        </p:par>
+                      </p:childTnLst>
+                    </p:cTn>
+                  </p:par>
+                  <p:par>
+                    <p:cTn id="23" fill="hold">
+                      <p:stCondLst>
+                        <p:cond delay="indefinite"/>
+                      </p:stCondLst>
+                      <p:childTnLst>
+                        <p:par>
+                          <p:cTn id="24" fill="hold">
+                            <p:stCondLst>
+                              <p:cond delay="0"/>
+                            </p:stCondLst>
+                            <p:childTnLst>
+                              <p:par>
+                                <p:cTn id="25" presetID="10" presetClass="entr" presetSubtype="0" fill="hold" nodeType="clickEffect">
+                                  <p:stCondLst>
+                                    <p:cond delay="0"/>
+                                  </p:stCondLst>
+                                  <p:childTnLst>
+                                    <p:set>
+                                      <p:cBhvr>
+                                        <p:cTn id="26" dur="1" fill="hold">
+                                          <p:stCondLst>
+                                            <p:cond delay="0"/>
+                                          </p:stCondLst>
+                                        </p:cTn>
+                                        <p:tgtEl>
+                                          <p:spTgt spid="3">
+                                            <p:txEl>
+                                              <p:pRg st="4" end="4"/>
+                                            </p:txEl>
+                                          </p:spTgt>
+                                        </p:tgtEl>
+                                        <p:attrNameLst>
+                                          <p:attrName>style.visibility</p:attrName>
+                                        </p:attrNameLst>
+                                      </p:cBhvr>
+                                      <p:to>
+                                        <p:strVal val="visible"/>
+                                      </p:to>
+                                    </p:set>
+                                    <p:animEffect transition="in" filter="fade">
+                                      <p:cBhvr>
+                                        <p:cTn id="27" dur="500"/>
+                                        <p:tgtEl>
+                                          <p:spTgt spid="3">
+                                            <p:txEl>
+                                              <p:pRg st="4" end="4"/>
+                                            </p:txEl>
+                                          </p:spTgt>
+                                        </p:tgtEl>
+                                      </p:cBhvr>
+                                    </p:animEffect>
+                                  </p:childTnLst>
+                                </p:cTn>
+                              </p:par>
+                            </p:childTnLst>
+                          </p:cTn>
+                        </p:par>
+                      </p:childTnLst>
+                    </p:cTn>
+                  </p:par>
+                </p:childTnLst>
+              </p:cTn>
+              <p:prevCondLst>
+                <p:cond evt="onPrev" delay="0">
+                  <p:tgtEl>
+                    <p:sldTgt/>
+                  </p:tgtEl>
+                </p:cond>
+              </p:prevCondLst>
+              <p:nextCondLst>
+                <p:cond evt="onNext" delay="0">
+                  <p:tgtEl>
+                    <p:sldTgt/>
+                  </p:tgtEl>
+                </p:cond>
+              </p:nextCondLst>
+            </p:seq>
+          </p:childTnLst>
+        </p:cTn>
+      </p:par>
+    </p:tnLst>
+  </p:timing>
+</p:sld>
+</file>
+
+<file path=ppt/slides/slide3.xml><?xml version="1.0" encoding="utf-8"?>
+<p:sld xmlns:a="http://schemas.openxmlformats.org/drawingml/2006/main" xmlns:r="http://schemas.openxmlformats.org/officeDocument/2006/relationships" xmlns:p="http://schemas.openxmlformats.org/presentationml/2006/main">
+  <p:cSld>
+    <p:bg>
+      <p:bgPr>
+        <a:blipFill dpi="0" rotWithShape="1">
+          <a:blip r:embed="rId2">
+            <a:lum/>
+          </a:blip>
+          <a:srcRect/>
+          <a:stretch>
+            <a:fillRect/>
+          </a:stretch>
+        </a:blipFill>
+        <a:effectLst/>
+      </p:bgPr>
+    </p:bg>
+    <p:spTree>
+      <p:nvGrpSpPr>
+        <p:cNvPr id="1" name=""/>
+        <p:cNvGrpSpPr/>
+        <p:nvPr/>
+      </p:nvGrpSpPr>
+      <p:grpSpPr>
+        <a:xfrm>
+          <a:off x="0" y="0"/>
+          <a:ext cx="0" cy="0"/>
+          <a:chOff x="0" y="0"/>
+          <a:chExt cx="0" cy="0"/>
+        </a:xfrm>
+      </p:grpSpPr>
+      <p:sp>
+        <p:nvSpPr>
+          <p:cNvPr id="2" name="Title 1">
+            <a:extLst>
+              <a:ext uri="{FF2B5EF4-FFF2-40B4-BE49-F238E27FC236}">
+                <a16:creationId xmlns:a16="http://schemas.microsoft.com/office/drawing/2014/main" id="{55E11F08-6CA0-48F1-AD67-97430DDA07F0}"/>
+              </a:ext>
+            </a:extLst>
+          </p:cNvPr>
+          <p:cNvSpPr>
+            <a:spLocks noGrp="1"/>
+          </p:cNvSpPr>
+          <p:nvPr>
+            <p:ph type="title"/>
+          </p:nvPr>
+        </p:nvSpPr>
+        <p:spPr/>
+        <p:txBody>
+          <a:bodyPr/>
+          <a:lstStyle/>
+          <a:p>
+            <a:r>
+              <a:rPr lang="en-US" b="1" dirty="0">
+                <a:solidFill>
+                  <a:srgbClr val="292D33"/>
+                </a:solidFill>
+                <a:latin typeface="Euclid Circular B" panose="020B0504000000000000" pitchFamily="34" charset="0"/>
+                <a:ea typeface="Euclid Circular B" panose="020B0504000000000000" pitchFamily="34" charset="0"/>
+              </a:rPr>
+              <a:t>Dapr Integration</a:t>
+            </a:r>
+          </a:p>
+        </p:txBody>
+      </p:sp>
+      <p:sp>
+        <p:nvSpPr>
+          <p:cNvPr id="3" name="Content Placeholder 2">
+            <a:extLst>
+              <a:ext uri="{FF2B5EF4-FFF2-40B4-BE49-F238E27FC236}">
+                <a16:creationId xmlns:a16="http://schemas.microsoft.com/office/drawing/2014/main" id="{891C7693-D3DF-4635-96F4-97F3B4136FDF}"/>
+              </a:ext>
+            </a:extLst>
+          </p:cNvPr>
+          <p:cNvSpPr>
+            <a:spLocks noGrp="1"/>
+          </p:cNvSpPr>
+          <p:nvPr>
+            <p:ph idx="1"/>
+          </p:nvPr>
+        </p:nvSpPr>
+        <p:spPr/>
+        <p:txBody>
+          <a:bodyPr/>
+          <a:lstStyle/>
+          <a:p>
+            <a:r>
+              <a:rPr lang="en-US" b="1" dirty="0">
+                <a:latin typeface="Euclid Circular B" panose="020B0504000000000000" pitchFamily="34" charset="0"/>
+                <a:ea typeface="Euclid Circular B" panose="020B0504000000000000" pitchFamily="34" charset="0"/>
+              </a:rPr>
+              <a:t>Service invocation</a:t>
+            </a:r>
+            <a:r>
+              <a:rPr lang="en-US" dirty="0">
+                <a:latin typeface="Euclid Circular B" panose="020B0504000000000000" pitchFamily="34" charset="0"/>
+                <a:ea typeface="Euclid Circular B" panose="020B0504000000000000" pitchFamily="34" charset="0"/>
+              </a:rPr>
+              <a:t> with </a:t>
+            </a:r>
+            <a:r>
+              <a:rPr lang="en-US" b="1" dirty="0">
+                <a:latin typeface="Euclid Circular B" panose="020B0504000000000000" pitchFamily="34" charset="0"/>
+                <a:ea typeface="Euclid Circular B" panose="020B0504000000000000" pitchFamily="34" charset="0"/>
+              </a:rPr>
+              <a:t>C# API Client Proxies</a:t>
+            </a:r>
+            <a:r>
+              <a:rPr lang="en-US" dirty="0">
+                <a:latin typeface="Euclid Circular B" panose="020B0504000000000000" pitchFamily="34" charset="0"/>
+                <a:ea typeface="Euclid Circular B" panose="020B0504000000000000" pitchFamily="34" charset="0"/>
+              </a:rPr>
+              <a:t> integration</a:t>
+            </a:r>
+          </a:p>
+          <a:p>
+            <a:r>
+              <a:rPr lang="en-US" b="1" dirty="0">
+                <a:latin typeface="Euclid Circular B" panose="020B0504000000000000" pitchFamily="34" charset="0"/>
+                <a:ea typeface="Euclid Circular B" panose="020B0504000000000000" pitchFamily="34" charset="0"/>
+              </a:rPr>
+              <a:t>Publish &amp; Subscribe </a:t>
+            </a:r>
+            <a:r>
+              <a:rPr lang="en-US" dirty="0">
+                <a:latin typeface="Euclid Circular B" panose="020B0504000000000000" pitchFamily="34" charset="0"/>
+                <a:ea typeface="Euclid Circular B" panose="020B0504000000000000" pitchFamily="34" charset="0"/>
+              </a:rPr>
+              <a:t>with </a:t>
+            </a:r>
+            <a:r>
+              <a:rPr lang="en-US" b="1" dirty="0">
+                <a:latin typeface="Euclid Circular B" panose="020B0504000000000000" pitchFamily="34" charset="0"/>
+                <a:ea typeface="Euclid Circular B" panose="020B0504000000000000" pitchFamily="34" charset="0"/>
+              </a:rPr>
+              <a:t>Distributed Event Bus </a:t>
+            </a:r>
+            <a:r>
+              <a:rPr lang="en-US" dirty="0">
+                <a:latin typeface="Euclid Circular B" panose="020B0504000000000000" pitchFamily="34" charset="0"/>
+                <a:ea typeface="Euclid Circular B" panose="020B0504000000000000" pitchFamily="34" charset="0"/>
+              </a:rPr>
+              <a:t>integration</a:t>
+            </a:r>
+          </a:p>
+          <a:p>
+            <a:r>
+              <a:rPr lang="en-US" dirty="0">
+                <a:latin typeface="Euclid Circular B" panose="020B0504000000000000" pitchFamily="34" charset="0"/>
+                <a:ea typeface="Euclid Circular B" panose="020B0504000000000000" pitchFamily="34" charset="0"/>
+              </a:rPr>
+              <a:t>Distributed Lock</a:t>
+            </a:r>
+          </a:p>
+          <a:p>
+            <a:endParaRPr lang="en-US" dirty="0">
+              <a:latin typeface="Euclid Circular B" panose="020B0504000000000000" pitchFamily="34" charset="0"/>
+              <a:ea typeface="Euclid Circular B" panose="020B0504000000000000" pitchFamily="34" charset="0"/>
+            </a:endParaRPr>
+          </a:p>
+          <a:p>
+            <a:pPr marL="0" indent="0">
+              <a:buNone/>
+            </a:pPr>
+            <a:r>
+              <a:rPr lang="en-US" sz="2000" dirty="0">
+                <a:latin typeface="Euclid Circular B" panose="020B0504000000000000" pitchFamily="34" charset="0"/>
+                <a:ea typeface="Euclid Circular B" panose="020B0504000000000000" pitchFamily="34" charset="0"/>
+              </a:rPr>
+              <a:t>Already documented:</a:t>
+            </a:r>
+            <a:br>
+              <a:rPr lang="en-US" sz="2000" dirty="0">
+                <a:latin typeface="Euclid Circular B" panose="020B0504000000000000" pitchFamily="34" charset="0"/>
+                <a:ea typeface="Euclid Circular B" panose="020B0504000000000000" pitchFamily="34" charset="0"/>
+              </a:rPr>
+            </a:br>
+            <a:r>
+              <a:rPr lang="en-US" sz="2000" dirty="0">
+                <a:latin typeface="Euclid Circular B" panose="020B0504000000000000" pitchFamily="34" charset="0"/>
+                <a:ea typeface="Euclid Circular B" panose="020B0504000000000000" pitchFamily="34" charset="0"/>
+                <a:hlinkClick r:id="rId3"/>
+              </a:rPr>
+              <a:t>https://github.com/abpframework/abp/blob/dev/docs/en/Dapr/Index.md</a:t>
+            </a:r>
+            <a:r>
+              <a:rPr lang="en-US" sz="2000" dirty="0">
+                <a:latin typeface="Euclid Circular B" panose="020B0504000000000000" pitchFamily="34" charset="0"/>
+                <a:ea typeface="Euclid Circular B" panose="020B0504000000000000" pitchFamily="34" charset="0"/>
+              </a:rPr>
+              <a:t> </a:t>
+            </a:r>
+          </a:p>
+        </p:txBody>
+      </p:sp>
+    </p:spTree>
+    <p:extLst>
+      <p:ext uri="{BB962C8B-B14F-4D97-AF65-F5344CB8AC3E}">
+        <p14:creationId xmlns:p14="http://schemas.microsoft.com/office/powerpoint/2010/main" val="1857815911"/>
+      </p:ext>
+    </p:extLst>
+  </p:cSld>
+  <p:clrMapOvr>
+    <a:masterClrMapping/>
+  </p:clrMapOvr>
+  <p:timing>
+    <p:tnLst>
+      <p:par>
+        <p:cTn id="1" dur="indefinite" restart="never" nodeType="tmRoot">
+          <p:childTnLst>
+            <p:seq concurrent="1" nextAc="seek">
+              <p:cTn id="2" dur="indefinite" nodeType="mainSeq">
+                <p:childTnLst>
+                  <p:par>
+                    <p:cTn id="3" fill="hold">
+                      <p:stCondLst>
+                        <p:cond delay="indefinite"/>
+                      </p:stCondLst>
+                      <p:childTnLst>
+                        <p:par>
+                          <p:cTn id="4" fill="hold">
+                            <p:stCondLst>
+                              <p:cond delay="0"/>
+                            </p:stCondLst>
+                            <p:childTnLst>
+                              <p:par>
+                                <p:cTn id="5" presetID="10" presetClass="entr" presetSubtype="0" fill="hold" nodeType="clickEffect">
+                                  <p:stCondLst>
+                                    <p:cond delay="0"/>
+                                  </p:stCondLst>
+                                  <p:childTnLst>
+                                    <p:set>
+                                      <p:cBhvr>
+                                        <p:cTn id="6" dur="1" fill="hold">
+                                          <p:stCondLst>
+                                            <p:cond delay="0"/>
+                                          </p:stCondLst>
+                                        </p:cTn>
+                                        <p:tgtEl>
+                                          <p:spTgt spid="3">
+                                            <p:txEl>
+                                              <p:pRg st="0" end="0"/>
+                                            </p:txEl>
+                                          </p:spTgt>
+                                        </p:tgtEl>
+                                        <p:attrNameLst>
+                                          <p:attrName>style.visibility</p:attrName>
+                                        </p:attrNameLst>
+                                      </p:cBhvr>
+                                      <p:to>
+                                        <p:strVal val="visible"/>
+                                      </p:to>
+                                    </p:set>
+                                    <p:animEffect transition="in" filter="fade">
+                                      <p:cBhvr>
+                                        <p:cTn id="7" dur="500"/>
+                                        <p:tgtEl>
+                                          <p:spTgt spid="3">
+                                            <p:txEl>
+                                              <p:pRg st="0" end="0"/>
+                                            </p:txEl>
+                                          </p:spTgt>
+                                        </p:tgtEl>
+                                      </p:cBhvr>
+                                    </p:animEffect>
+                                  </p:childTnLst>
+                                </p:cTn>
+                              </p:par>
+                            </p:childTnLst>
+                          </p:cTn>
+                        </p:par>
+                      </p:childTnLst>
+                    </p:cTn>
+                  </p:par>
+                  <p:par>
+                    <p:cTn id="8" fill="hold">
+                      <p:stCondLst>
+                        <p:cond delay="indefinite"/>
+                      </p:stCondLst>
+                      <p:childTnLst>
+                        <p:par>
+                          <p:cTn id="9" fill="hold">
+                            <p:stCondLst>
+                              <p:cond delay="0"/>
+                            </p:stCondLst>
+                            <p:childTnLst>
+                              <p:par>
+                                <p:cTn id="10" presetID="10" presetClass="entr" presetSubtype="0" fill="hold" nodeType="clickEffect">
+                                  <p:stCondLst>
+                                    <p:cond delay="0"/>
+                                  </p:stCondLst>
+                                  <p:childTnLst>
+                                    <p:set>
+                                      <p:cBhvr>
+                                        <p:cTn id="11" dur="1" fill="hold">
+                                          <p:stCondLst>
+                                            <p:cond delay="0"/>
+                                          </p:stCondLst>
+                                        </p:cTn>
+                                        <p:tgtEl>
+                                          <p:spTgt spid="3">
+                                            <p:txEl>
+                                              <p:pRg st="1" end="1"/>
+                                            </p:txEl>
+                                          </p:spTgt>
+                                        </p:tgtEl>
+                                        <p:attrNameLst>
+                                          <p:attrName>style.visibility</p:attrName>
+                                        </p:attrNameLst>
+                                      </p:cBhvr>
+                                      <p:to>
+                                        <p:strVal val="visible"/>
+                                      </p:to>
+                                    </p:set>
+                                    <p:animEffect transition="in" filter="fade">
+                                      <p:cBhvr>
+                                        <p:cTn id="12" dur="500"/>
+                                        <p:tgtEl>
+                                          <p:spTgt spid="3">
+                                            <p:txEl>
+                                              <p:pRg st="1" end="1"/>
+                                            </p:txEl>
+                                          </p:spTgt>
+                                        </p:tgtEl>
+                                      </p:cBhvr>
+                                    </p:animEffect>
+                                  </p:childTnLst>
+                                </p:cTn>
+                              </p:par>
+                            </p:childTnLst>
+                          </p:cTn>
+                        </p:par>
+                      </p:childTnLst>
+                    </p:cTn>
+                  </p:par>
+                  <p:par>
+                    <p:cTn id="13" fill="hold">
+                      <p:stCondLst>
+                        <p:cond delay="indefinite"/>
+                      </p:stCondLst>
+                      <p:childTnLst>
+                        <p:par>
+                          <p:cTn id="14" fill="hold">
+                            <p:stCondLst>
+                              <p:cond delay="0"/>
+                            </p:stCondLst>
+                            <p:childTnLst>
+                              <p:par>
+                                <p:cTn id="15" presetID="10" presetClass="entr" presetSubtype="0" fill="hold" nodeType="clickEffect">
+                                  <p:stCondLst>
+                                    <p:cond delay="0"/>
+                                  </p:stCondLst>
+                                  <p:childTnLst>
+                                    <p:set>
+                                      <p:cBhvr>
+                                        <p:cTn id="16" dur="1" fill="hold">
+                                          <p:stCondLst>
+                                            <p:cond delay="0"/>
+                                          </p:stCondLst>
+                                        </p:cTn>
+                                        <p:tgtEl>
+                                          <p:spTgt spid="3">
+                                            <p:txEl>
+                                              <p:pRg st="2" end="2"/>
+                                            </p:txEl>
+                                          </p:spTgt>
+                                        </p:tgtEl>
+                                        <p:attrNameLst>
+                                          <p:attrName>style.visibility</p:attrName>
+                                        </p:attrNameLst>
+                                      </p:cBhvr>
+                                      <p:to>
+                                        <p:strVal val="visible"/>
+                                      </p:to>
+                                    </p:set>
+                                    <p:animEffect transition="in" filter="fade">
+                                      <p:cBhvr>
+                                        <p:cTn id="17" dur="500"/>
+                                        <p:tgtEl>
+                                          <p:spTgt spid="3">
+                                            <p:txEl>
+                                              <p:pRg st="2" end="2"/>
+                                            </p:txEl>
+                                          </p:spTgt>
+                                        </p:tgtEl>
+                                      </p:cBhvr>
+                                    </p:animEffect>
+                                  </p:childTnLst>
+                                </p:cTn>
+                              </p:par>
+                            </p:childTnLst>
+                          </p:cTn>
+                        </p:par>
+                      </p:childTnLst>
+                    </p:cTn>
+                  </p:par>
+                  <p:par>
+                    <p:cTn id="18" fill="hold">
+                      <p:stCondLst>
+                        <p:cond delay="indefinite"/>
+                      </p:stCondLst>
+                      <p:childTnLst>
+                        <p:par>
+                          <p:cTn id="19" fill="hold">
+                            <p:stCondLst>
+                              <p:cond delay="0"/>
+                            </p:stCondLst>
+                            <p:childTnLst>
+                              <p:par>
+                                <p:cTn id="20" presetID="10" presetClass="entr" presetSubtype="0" fill="hold" nodeType="clickEffect">
+                                  <p:stCondLst>
+                                    <p:cond delay="0"/>
+                                  </p:stCondLst>
+                                  <p:childTnLst>
+                                    <p:set>
+                                      <p:cBhvr>
+                                        <p:cTn id="21" dur="1" fill="hold">
+                                          <p:stCondLst>
+                                            <p:cond delay="0"/>
+                                          </p:stCondLst>
+                                        </p:cTn>
+                                        <p:tgtEl>
+                                          <p:spTgt spid="3">
+                                            <p:txEl>
+                                              <p:pRg st="4" end="4"/>
+                                            </p:txEl>
+                                          </p:spTgt>
+                                        </p:tgtEl>
+                                        <p:attrNameLst>
+                                          <p:attrName>style.visibility</p:attrName>
+                                        </p:attrNameLst>
+                                      </p:cBhvr>
+                                      <p:to>
+                                        <p:strVal val="visible"/>
+                                      </p:to>
+                                    </p:set>
+                                    <p:animEffect transition="in" filter="fade">
+                                      <p:cBhvr>
+                                        <p:cTn id="22" dur="500"/>
+                                        <p:tgtEl>
+                                          <p:spTgt spid="3">
+                                            <p:txEl>
+                                              <p:pRg st="4" end="4"/>
+                                            </p:txEl>
+                                          </p:spTgt>
+                                        </p:tgtEl>
+                                      </p:cBhvr>
+                                    </p:animEffect>
+                                  </p:childTnLst>
+                                </p:cTn>
+                              </p:par>
+                            </p:childTnLst>
+                          </p:cTn>
+                        </p:par>
+                      </p:childTnLst>
+                    </p:cTn>
+                  </p:par>
+                </p:childTnLst>
+              </p:cTn>
+              <p:prevCondLst>
+                <p:cond evt="onPrev" delay="0">
+                  <p:tgtEl>
+                    <p:sldTgt/>
+                  </p:tgtEl>
+                </p:cond>
+              </p:prevCondLst>
+              <p:nextCondLst>
+                <p:cond evt="onNext" delay="0">
+                  <p:tgtEl>
+                    <p:sldTgt/>
+                  </p:tgtEl>
+                </p:cond>
+              </p:nextCondLst>
+            </p:seq>
+          </p:childTnLst>
+        </p:cTn>
+      </p:par>
+    </p:tnLst>
+  </p:timing>
+</p:sld>
+</file>
+
+<file path=ppt/slides/slide4.xml><?xml version="1.0" encoding="utf-8"?>
+<p:sld xmlns:a="http://schemas.openxmlformats.org/drawingml/2006/main" xmlns:r="http://schemas.openxmlformats.org/officeDocument/2006/relationships" xmlns:p="http://schemas.openxmlformats.org/presentationml/2006/main">
+  <p:cSld>
+    <p:bg>
+      <p:bgPr>
+        <a:blipFill dpi="0" rotWithShape="1">
+          <a:blip r:embed="rId2">
+            <a:lum/>
+          </a:blip>
+          <a:srcRect/>
+          <a:stretch>
+            <a:fillRect/>
+          </a:stretch>
+        </a:blipFill>
+        <a:effectLst/>
+      </p:bgPr>
+    </p:bg>
+    <p:spTree>
+      <p:nvGrpSpPr>
+        <p:cNvPr id="1" name=""/>
+        <p:cNvGrpSpPr/>
+        <p:nvPr/>
+      </p:nvGrpSpPr>
+      <p:grpSpPr>
+        <a:xfrm>
+          <a:off x="0" y="0"/>
+          <a:ext cx="0" cy="0"/>
+          <a:chOff x="0" y="0"/>
+          <a:chExt cx="0" cy="0"/>
+        </a:xfrm>
+      </p:grpSpPr>
+      <p:sp>
+        <p:nvSpPr>
+          <p:cNvPr id="2" name="Title 1">
+            <a:extLst>
+              <a:ext uri="{FF2B5EF4-FFF2-40B4-BE49-F238E27FC236}">
+                <a16:creationId xmlns:a16="http://schemas.microsoft.com/office/drawing/2014/main" id="{55E11F08-6CA0-48F1-AD67-97430DDA07F0}"/>
+              </a:ext>
+            </a:extLst>
+          </p:cNvPr>
+          <p:cNvSpPr>
+            <a:spLocks noGrp="1"/>
+          </p:cNvSpPr>
+          <p:nvPr>
+            <p:ph type="title"/>
+          </p:nvPr>
+        </p:nvSpPr>
+        <p:spPr/>
+        <p:txBody>
+          <a:bodyPr/>
+          <a:lstStyle/>
+          <a:p>
+            <a:r>
+              <a:rPr lang="en-US" b="1" dirty="0">
+                <a:solidFill>
+                  <a:srgbClr val="292D33"/>
+                </a:solidFill>
+                <a:latin typeface="Euclid Circular B" panose="020B0504000000000000" pitchFamily="34" charset="0"/>
+                <a:ea typeface="Euclid Circular B" panose="020B0504000000000000" pitchFamily="34" charset="0"/>
+              </a:rPr>
+              <a:t>ABP Dynamic C# Client Proxies</a:t>
+            </a:r>
+          </a:p>
+        </p:txBody>
+      </p:sp>
+      <p:pic>
+        <p:nvPicPr>
+          <p:cNvPr id="5" name="Picture 4">
+            <a:extLst>
+              <a:ext uri="{FF2B5EF4-FFF2-40B4-BE49-F238E27FC236}">
+                <a16:creationId xmlns:a16="http://schemas.microsoft.com/office/drawing/2014/main" id="{0A3E19B9-B1AD-1727-380E-3C1CB829E9A9}"/>
+              </a:ext>
+            </a:extLst>
+          </p:cNvPr>
+          <p:cNvPicPr>
+            <a:picLocks noChangeAspect="1"/>
+          </p:cNvPicPr>
+          <p:nvPr/>
+        </p:nvPicPr>
+        <p:blipFill>
+          <a:blip r:embed="rId3"/>
+          <a:stretch>
+            <a:fillRect/>
+          </a:stretch>
+        </p:blipFill>
+        <p:spPr>
+          <a:xfrm>
+            <a:off x="7242116" y="2469486"/>
+            <a:ext cx="4296618" cy="3309150"/>
+          </a:xfrm>
+          <a:prstGeom prst="rect">
+            <a:avLst/>
+          </a:prstGeom>
+        </p:spPr>
+      </p:pic>
+      <p:sp>
+        <p:nvSpPr>
+          <p:cNvPr id="8" name="Rectangle 7">
+            <a:extLst>
+              <a:ext uri="{FF2B5EF4-FFF2-40B4-BE49-F238E27FC236}">
+                <a16:creationId xmlns:a16="http://schemas.microsoft.com/office/drawing/2014/main" id="{BBDED3D7-A2E1-B9AD-DE63-6FBBCBF9F376}"/>
+              </a:ext>
+            </a:extLst>
+          </p:cNvPr>
+          <p:cNvSpPr/>
+          <p:nvPr/>
+        </p:nvSpPr>
+        <p:spPr>
+          <a:xfrm>
+            <a:off x="7242116" y="1491276"/>
+            <a:ext cx="4296618" cy="398823"/>
+          </a:xfrm>
+          <a:prstGeom prst="rect">
+            <a:avLst/>
+          </a:prstGeom>
+        </p:spPr>
+        <p:style>
+          <a:lnRef idx="2">
+            <a:schemeClr val="accent1">
+              <a:shade val="50000"/>
+            </a:schemeClr>
+          </a:lnRef>
+          <a:fillRef idx="1">
+            <a:schemeClr val="accent1"/>
+          </a:fillRef>
+          <a:effectRef idx="0">
+            <a:schemeClr val="accent1"/>
+          </a:effectRef>
+          <a:fontRef idx="minor">
+            <a:schemeClr val="lt1"/>
+          </a:fontRef>
+        </p:style>
+        <p:txBody>
+          <a:bodyPr rtlCol="0" anchor="ctr"/>
+          <a:lstStyle/>
+          <a:p>
+            <a:pPr algn="ctr"/>
+            <a:r>
+              <a:rPr lang="en-US" dirty="0"/>
+              <a:t>Server Application</a:t>
+            </a:r>
+          </a:p>
+        </p:txBody>
+      </p:sp>
+      <p:pic>
+        <p:nvPicPr>
+          <p:cNvPr id="10" name="Picture 9">
+            <a:extLst>
+              <a:ext uri="{FF2B5EF4-FFF2-40B4-BE49-F238E27FC236}">
+                <a16:creationId xmlns:a16="http://schemas.microsoft.com/office/drawing/2014/main" id="{59720D24-7AD5-F118-0471-E65D020E654B}"/>
+              </a:ext>
+            </a:extLst>
+          </p:cNvPr>
+          <p:cNvPicPr>
+            <a:picLocks noChangeAspect="1"/>
+          </p:cNvPicPr>
+          <p:nvPr/>
+        </p:nvPicPr>
+        <p:blipFill>
+          <a:blip r:embed="rId4"/>
+          <a:stretch>
+            <a:fillRect/>
+          </a:stretch>
+        </p:blipFill>
+        <p:spPr>
+          <a:xfrm>
+            <a:off x="838200" y="2469486"/>
+            <a:ext cx="4541528" cy="2690511"/>
+          </a:xfrm>
+          <a:prstGeom prst="rect">
+            <a:avLst/>
+          </a:prstGeom>
+        </p:spPr>
+      </p:pic>
+      <p:sp>
+        <p:nvSpPr>
+          <p:cNvPr id="11" name="Rectangle 10">
+            <a:extLst>
+              <a:ext uri="{FF2B5EF4-FFF2-40B4-BE49-F238E27FC236}">
+                <a16:creationId xmlns:a16="http://schemas.microsoft.com/office/drawing/2014/main" id="{21394F04-AC79-29ED-445A-89E2CA9B2981}"/>
+              </a:ext>
+            </a:extLst>
+          </p:cNvPr>
+          <p:cNvSpPr/>
+          <p:nvPr/>
+        </p:nvSpPr>
+        <p:spPr>
+          <a:xfrm>
+            <a:off x="838199" y="1491275"/>
+            <a:ext cx="4541527" cy="398823"/>
+          </a:xfrm>
+          <a:prstGeom prst="rect">
+            <a:avLst/>
+          </a:prstGeom>
+        </p:spPr>
+        <p:style>
+          <a:lnRef idx="2">
+            <a:schemeClr val="accent1">
+              <a:shade val="50000"/>
+            </a:schemeClr>
+          </a:lnRef>
+          <a:fillRef idx="1">
+            <a:schemeClr val="accent1"/>
+          </a:fillRef>
+          <a:effectRef idx="0">
+            <a:schemeClr val="accent1"/>
+          </a:effectRef>
+          <a:fontRef idx="minor">
+            <a:schemeClr val="lt1"/>
+          </a:fontRef>
+        </p:style>
+        <p:txBody>
+          <a:bodyPr rtlCol="0" anchor="ctr"/>
+          <a:lstStyle/>
+          <a:p>
+            <a:pPr algn="ctr"/>
+            <a:r>
+              <a:rPr lang="en-US" dirty="0"/>
+              <a:t>.NET Client Application</a:t>
+            </a:r>
+          </a:p>
+        </p:txBody>
+      </p:sp>
+      <p:cxnSp>
+        <p:nvCxnSpPr>
+          <p:cNvPr id="15" name="Straight Arrow Connector 14">
+            <a:extLst>
+              <a:ext uri="{FF2B5EF4-FFF2-40B4-BE49-F238E27FC236}">
+                <a16:creationId xmlns:a16="http://schemas.microsoft.com/office/drawing/2014/main" id="{1C376B49-24C8-660B-992F-D904BF2B2FEF}"/>
+              </a:ext>
+            </a:extLst>
+          </p:cNvPr>
+          <p:cNvCxnSpPr>
+            <a:cxnSpLocks/>
+            <a:stCxn id="11" idx="3"/>
+            <a:endCxn id="8" idx="1"/>
+          </p:cNvCxnSpPr>
+          <p:nvPr/>
+        </p:nvCxnSpPr>
+        <p:spPr>
+          <a:xfrm>
+            <a:off x="5379726" y="1690687"/>
+            <a:ext cx="1862390" cy="1"/>
+          </a:xfrm>
+          <a:prstGeom prst="straightConnector1">
+            <a:avLst/>
+          </a:prstGeom>
+          <a:ln w="50800">
+            <a:solidFill>
+              <a:schemeClr val="tx1">
+                <a:lumMod val="85000"/>
+                <a:lumOff val="15000"/>
+              </a:schemeClr>
+            </a:solidFill>
+            <a:tailEnd type="triangle"/>
+          </a:ln>
+        </p:spPr>
+        <p:style>
+          <a:lnRef idx="1">
+            <a:schemeClr val="accent1"/>
+          </a:lnRef>
+          <a:fillRef idx="0">
+            <a:schemeClr val="accent1"/>
+          </a:fillRef>
+          <a:effectRef idx="0">
+            <a:schemeClr val="accent1"/>
+          </a:effectRef>
+          <a:fontRef idx="minor">
+            <a:schemeClr val="tx1"/>
+          </a:fontRef>
+        </p:style>
+      </p:cxnSp>
+      <p:cxnSp>
+        <p:nvCxnSpPr>
+          <p:cNvPr id="17" name="Straight Arrow Connector 16">
+            <a:extLst>
+              <a:ext uri="{FF2B5EF4-FFF2-40B4-BE49-F238E27FC236}">
+                <a16:creationId xmlns:a16="http://schemas.microsoft.com/office/drawing/2014/main" id="{AF5B406C-B21B-D312-0F22-45B79DD3B085}"/>
+              </a:ext>
+            </a:extLst>
+          </p:cNvPr>
+          <p:cNvCxnSpPr>
+            <a:cxnSpLocks/>
+          </p:cNvCxnSpPr>
+          <p:nvPr/>
+        </p:nvCxnSpPr>
+        <p:spPr>
+          <a:xfrm flipV="1">
+            <a:off x="5288438" y="3648178"/>
+            <a:ext cx="2281286" cy="985249"/>
+          </a:xfrm>
+          <a:prstGeom prst="straightConnector1">
+            <a:avLst/>
+          </a:prstGeom>
+          <a:ln w="25400">
+            <a:solidFill>
+              <a:srgbClr val="FF0000"/>
+            </a:solidFill>
+            <a:tailEnd type="triangle"/>
+          </a:ln>
+        </p:spPr>
+        <p:style>
+          <a:lnRef idx="1">
+            <a:schemeClr val="accent1"/>
+          </a:lnRef>
+          <a:fillRef idx="0">
+            <a:schemeClr val="accent1"/>
+          </a:fillRef>
+          <a:effectRef idx="0">
+            <a:schemeClr val="accent1"/>
+          </a:effectRef>
+          <a:fontRef idx="minor">
+            <a:schemeClr val="tx1"/>
+          </a:fontRef>
+        </p:style>
+      </p:cxnSp>
+      <p:sp>
+        <p:nvSpPr>
+          <p:cNvPr id="32" name="TextBox 31">
+            <a:extLst>
+              <a:ext uri="{FF2B5EF4-FFF2-40B4-BE49-F238E27FC236}">
+                <a16:creationId xmlns:a16="http://schemas.microsoft.com/office/drawing/2014/main" id="{67644F2D-679C-08AF-49B0-20EA55760195}"/>
+              </a:ext>
+            </a:extLst>
+          </p:cNvPr>
+          <p:cNvSpPr txBox="1"/>
+          <p:nvPr/>
+        </p:nvSpPr>
+        <p:spPr>
+          <a:xfrm>
+            <a:off x="838199" y="5159997"/>
+            <a:ext cx="1964192" cy="1754326"/>
+          </a:xfrm>
+          <a:prstGeom prst="rect">
+            <a:avLst/>
+          </a:prstGeom>
+          <a:noFill/>
+        </p:spPr>
+        <p:txBody>
+          <a:bodyPr wrap="none" rtlCol="0">
+            <a:spAutoFit/>
+          </a:bodyPr>
+          <a:lstStyle/>
+          <a:p>
+            <a:r>
+              <a:rPr lang="en-US" b="1" u="sng" dirty="0"/>
+              <a:t>ABP Framework</a:t>
+            </a:r>
+            <a:br>
+              <a:rPr lang="en-US" dirty="0"/>
+            </a:br>
+            <a:r>
+              <a:rPr lang="en-US" dirty="0"/>
+              <a:t>Authentication</a:t>
+            </a:r>
+            <a:br>
+              <a:rPr lang="en-US" dirty="0"/>
+            </a:br>
+            <a:r>
+              <a:rPr lang="en-US" dirty="0"/>
+              <a:t>JSON serialization</a:t>
+            </a:r>
+            <a:br>
+              <a:rPr lang="en-US" dirty="0"/>
+            </a:br>
+            <a:r>
+              <a:rPr lang="en-US" dirty="0"/>
+              <a:t>Exception handling</a:t>
+            </a:r>
+            <a:br>
+              <a:rPr lang="en-US" dirty="0"/>
+            </a:br>
+            <a:r>
+              <a:rPr lang="en-US" dirty="0"/>
+              <a:t>Multi-tenancy</a:t>
+            </a:r>
+          </a:p>
+          <a:p>
+            <a:r>
+              <a:rPr lang="en-US" dirty="0"/>
+              <a:t>Retry, …. and more</a:t>
+            </a:r>
+          </a:p>
+        </p:txBody>
+      </p:sp>
+    </p:spTree>
+    <p:extLst>
+      <p:ext uri="{BB962C8B-B14F-4D97-AF65-F5344CB8AC3E}">
+        <p14:creationId xmlns:p14="http://schemas.microsoft.com/office/powerpoint/2010/main" val="2246846833"/>
+      </p:ext>
+    </p:extLst>
+  </p:cSld>
+  <p:clrMapOvr>
+    <a:masterClrMapping/>
+  </p:clrMapOvr>
+  <p:timing>
+    <p:tnLst>
+      <p:par>
+        <p:cTn id="1" dur="indefinite" restart="never" nodeType="tmRoot">
+          <p:childTnLst>
+            <p:seq concurrent="1" nextAc="seek">
+              <p:cTn id="2" dur="indefinite" nodeType="mainSeq">
+                <p:childTnLst>
+                  <p:par>
+                    <p:cTn id="3" fill="hold">
+                      <p:stCondLst>
+                        <p:cond delay="indefinite"/>
+                      </p:stCondLst>
+                      <p:childTnLst>
+                        <p:par>
+                          <p:cTn id="4" fill="hold">
+                            <p:stCondLst>
+                              <p:cond delay="0"/>
+                            </p:stCondLst>
+                            <p:childTnLst>
+                              <p:par>
+                                <p:cTn id="5" presetID="10" presetClass="entr" presetSubtype="0" fill="hold" grpId="0" nodeType="clickEffect">
+                                  <p:stCondLst>
+                                    <p:cond delay="0"/>
+                                  </p:stCondLst>
+                                  <p:childTnLst>
+                                    <p:set>
+                                      <p:cBhvr>
+                                        <p:cTn id="6" dur="1" fill="hold">
+                                          <p:stCondLst>
+                                            <p:cond delay="0"/>
+                                          </p:stCondLst>
+                                        </p:cTn>
+                                        <p:tgtEl>
+                                          <p:spTgt spid="8"/>
+                                        </p:tgtEl>
+                                        <p:attrNameLst>
+                                          <p:attrName>style.visibility</p:attrName>
+                                        </p:attrNameLst>
+                                      </p:cBhvr>
+                                      <p:to>
+                                        <p:strVal val="visible"/>
+                                      </p:to>
+                                    </p:set>
+                                    <p:animEffect transition="in" filter="fade">
+                                      <p:cBhvr>
+                                        <p:cTn id="7" dur="500"/>
+                                        <p:tgtEl>
+                                          <p:spTgt spid="8"/>
+                                        </p:tgtEl>
+                                      </p:cBhvr>
+                                    </p:animEffect>
+                                  </p:childTnLst>
+                                </p:cTn>
+                              </p:par>
+                            </p:childTnLst>
+                          </p:cTn>
+                        </p:par>
+                      </p:childTnLst>
+                    </p:cTn>
+                  </p:par>
+                  <p:par>
+                    <p:cTn id="8" fill="hold">
+                      <p:stCondLst>
+                        <p:cond delay="indefinite"/>
+                      </p:stCondLst>
+                      <p:childTnLst>
+                        <p:par>
+                          <p:cTn id="9" fill="hold">
+                            <p:stCondLst>
+                              <p:cond delay="0"/>
+                            </p:stCondLst>
+                            <p:childTnLst>
+                              <p:par>
+                                <p:cTn id="10" presetID="10" presetClass="entr" presetSubtype="0" fill="hold" nodeType="clickEffect">
+                                  <p:stCondLst>
+                                    <p:cond delay="0"/>
+                                  </p:stCondLst>
+                                  <p:childTnLst>
+                                    <p:set>
+                                      <p:cBhvr>
+                                        <p:cTn id="11" dur="1" fill="hold">
+                                          <p:stCondLst>
+                                            <p:cond delay="0"/>
+                                          </p:stCondLst>
+                                        </p:cTn>
+                                        <p:tgtEl>
+                                          <p:spTgt spid="5"/>
+                                        </p:tgtEl>
+                                        <p:attrNameLst>
+                                          <p:attrName>style.visibility</p:attrName>
+                                        </p:attrNameLst>
+                                      </p:cBhvr>
+                                      <p:to>
+                                        <p:strVal val="visible"/>
+                                      </p:to>
+                                    </p:set>
+                                    <p:animEffect transition="in" filter="fade">
+                                      <p:cBhvr>
+                                        <p:cTn id="12" dur="500"/>
+                                        <p:tgtEl>
+                                          <p:spTgt spid="5"/>
+                                        </p:tgtEl>
+                                      </p:cBhvr>
+                                    </p:animEffect>
+                                  </p:childTnLst>
+                                </p:cTn>
+                              </p:par>
+                            </p:childTnLst>
+                          </p:cTn>
+                        </p:par>
+                      </p:childTnLst>
+                    </p:cTn>
+                  </p:par>
+                  <p:par>
+                    <p:cTn id="13" fill="hold">
+                      <p:stCondLst>
+                        <p:cond delay="indefinite"/>
+                      </p:stCondLst>
+                      <p:childTnLst>
+                        <p:par>
+                          <p:cTn id="14" fill="hold">
+                            <p:stCondLst>
+                              <p:cond delay="0"/>
+                            </p:stCondLst>
+                            <p:childTnLst>
+                              <p:par>
+                                <p:cTn id="15" presetID="10" presetClass="entr" presetSubtype="0" fill="hold" grpId="0" nodeType="clickEffect">
+                                  <p:stCondLst>
+                                    <p:cond delay="0"/>
+                                  </p:stCondLst>
+                                  <p:childTnLst>
+                                    <p:set>
+                                      <p:cBhvr>
+                                        <p:cTn id="16" dur="1" fill="hold">
+                                          <p:stCondLst>
+                                            <p:cond delay="0"/>
+                                          </p:stCondLst>
+                                        </p:cTn>
+                                        <p:tgtEl>
+                                          <p:spTgt spid="11"/>
+                                        </p:tgtEl>
+                                        <p:attrNameLst>
+                                          <p:attrName>style.visibility</p:attrName>
+                                        </p:attrNameLst>
+                                      </p:cBhvr>
+                                      <p:to>
+                                        <p:strVal val="visible"/>
+                                      </p:to>
+                                    </p:set>
+                                    <p:animEffect transition="in" filter="fade">
+                                      <p:cBhvr>
+                                        <p:cTn id="17" dur="500"/>
+                                        <p:tgtEl>
+                                          <p:spTgt spid="11"/>
+                                        </p:tgtEl>
+                                      </p:cBhvr>
+                                    </p:animEffect>
+                                  </p:childTnLst>
+                                </p:cTn>
+                              </p:par>
+                              <p:par>
+                                <p:cTn id="18" presetID="10" presetClass="entr" presetSubtype="0" fill="hold" nodeType="withEffect">
+                                  <p:stCondLst>
+                                    <p:cond delay="0"/>
+                                  </p:stCondLst>
+                                  <p:childTnLst>
+                                    <p:set>
+                                      <p:cBhvr>
+                                        <p:cTn id="19" dur="1" fill="hold">
+                                          <p:stCondLst>
+                                            <p:cond delay="0"/>
+                                          </p:stCondLst>
+                                        </p:cTn>
+                                        <p:tgtEl>
+                                          <p:spTgt spid="15"/>
+                                        </p:tgtEl>
+                                        <p:attrNameLst>
+                                          <p:attrName>style.visibility</p:attrName>
+                                        </p:attrNameLst>
+                                      </p:cBhvr>
+                                      <p:to>
+                                        <p:strVal val="visible"/>
+                                      </p:to>
+                                    </p:set>
+                                    <p:animEffect transition="in" filter="fade">
+                                      <p:cBhvr>
+                                        <p:cTn id="20" dur="500"/>
+                                        <p:tgtEl>
+                                          <p:spTgt spid="15"/>
+                                        </p:tgtEl>
+                                      </p:cBhvr>
+                                    </p:animEffect>
+                                  </p:childTnLst>
+                                </p:cTn>
+                              </p:par>
+                            </p:childTnLst>
+                          </p:cTn>
+                        </p:par>
+                      </p:childTnLst>
+                    </p:cTn>
+                  </p:par>
+                  <p:par>
+                    <p:cTn id="21" fill="hold">
+                      <p:stCondLst>
+                        <p:cond delay="indefinite"/>
+                      </p:stCondLst>
+                      <p:childTnLst>
+                        <p:par>
+                          <p:cTn id="22" fill="hold">
+                            <p:stCondLst>
+                              <p:cond delay="0"/>
+                            </p:stCondLst>
+                            <p:childTnLst>
+                              <p:par>
+                                <p:cTn id="23" presetID="10" presetClass="entr" presetSubtype="0" fill="hold" nodeType="clickEffect">
+                                  <p:stCondLst>
+                                    <p:cond delay="0"/>
+                                  </p:stCondLst>
+                                  <p:childTnLst>
+                                    <p:set>
+                                      <p:cBhvr>
+                                        <p:cTn id="24" dur="1" fill="hold">
+                                          <p:stCondLst>
+                                            <p:cond delay="0"/>
+                                          </p:stCondLst>
+                                        </p:cTn>
+                                        <p:tgtEl>
+                                          <p:spTgt spid="10"/>
+                                        </p:tgtEl>
+                                        <p:attrNameLst>
+                                          <p:attrName>style.visibility</p:attrName>
+                                        </p:attrNameLst>
+                                      </p:cBhvr>
+                                      <p:to>
+                                        <p:strVal val="visible"/>
+                                      </p:to>
+                                    </p:set>
+                                    <p:animEffect transition="in" filter="fade">
+                                      <p:cBhvr>
+                                        <p:cTn id="25" dur="500"/>
+                                        <p:tgtEl>
+                                          <p:spTgt spid="10"/>
+                                        </p:tgtEl>
+                                      </p:cBhvr>
+                                    </p:animEffect>
+                                  </p:childTnLst>
+                                </p:cTn>
+                              </p:par>
+                            </p:childTnLst>
+                          </p:cTn>
+                        </p:par>
+                      </p:childTnLst>
+                    </p:cTn>
+                  </p:par>
+                  <p:par>
+                    <p:cTn id="26" fill="hold">
+                      <p:stCondLst>
+                        <p:cond delay="indefinite"/>
+                      </p:stCondLst>
+                      <p:childTnLst>
+                        <p:par>
+                          <p:cTn id="27" fill="hold">
+                            <p:stCondLst>
+                              <p:cond delay="0"/>
+                            </p:stCondLst>
+                            <p:childTnLst>
+                              <p:par>
+                                <p:cTn id="28" presetID="10" presetClass="entr" presetSubtype="0" fill="hold" nodeType="clickEffect">
+                                  <p:stCondLst>
+                                    <p:cond delay="0"/>
+                                  </p:stCondLst>
+                                  <p:childTnLst>
+                                    <p:set>
+                                      <p:cBhvr>
+                                        <p:cTn id="29" dur="1" fill="hold">
+                                          <p:stCondLst>
+                                            <p:cond delay="0"/>
+                                          </p:stCondLst>
+                                        </p:cTn>
+                                        <p:tgtEl>
+                                          <p:spTgt spid="17"/>
+                                        </p:tgtEl>
+                                        <p:attrNameLst>
+                                          <p:attrName>style.visibility</p:attrName>
+                                        </p:attrNameLst>
+                                      </p:cBhvr>
+                                      <p:to>
+                                        <p:strVal val="visible"/>
+                                      </p:to>
+                                    </p:set>
+                                    <p:animEffect transition="in" filter="fade">
+                                      <p:cBhvr>
+                                        <p:cTn id="30" dur="500"/>
+                                        <p:tgtEl>
+                                          <p:spTgt spid="17"/>
+                                        </p:tgtEl>
+                                      </p:cBhvr>
+                                    </p:animEffect>
+                                  </p:childTnLst>
+                                </p:cTn>
+                              </p:par>
+                            </p:childTnLst>
+                          </p:cTn>
+                        </p:par>
+                      </p:childTnLst>
+                    </p:cTn>
+                  </p:par>
+                  <p:par>
+                    <p:cTn id="31" fill="hold">
+                      <p:stCondLst>
+                        <p:cond delay="indefinite"/>
+                      </p:stCondLst>
+                      <p:childTnLst>
+                        <p:par>
+                          <p:cTn id="32" fill="hold">
+                            <p:stCondLst>
+                              <p:cond delay="0"/>
+                            </p:stCondLst>
+                            <p:childTnLst>
+                              <p:par>
+                                <p:cTn id="33" presetID="10" presetClass="entr" presetSubtype="0" fill="hold" grpId="0" nodeType="clickEffect">
+                                  <p:stCondLst>
+                                    <p:cond delay="0"/>
+                                  </p:stCondLst>
+                                  <p:childTnLst>
+                                    <p:set>
+                                      <p:cBhvr>
+                                        <p:cTn id="34" dur="1" fill="hold">
+                                          <p:stCondLst>
+                                            <p:cond delay="0"/>
+                                          </p:stCondLst>
+                                        </p:cTn>
+                                        <p:tgtEl>
+                                          <p:spTgt spid="32"/>
+                                        </p:tgtEl>
+                                        <p:attrNameLst>
+                                          <p:attrName>style.visibility</p:attrName>
+                                        </p:attrNameLst>
+                                      </p:cBhvr>
+                                      <p:to>
+                                        <p:strVal val="visible"/>
+                                      </p:to>
+                                    </p:set>
+                                    <p:animEffect transition="in" filter="fade">
+                                      <p:cBhvr>
+                                        <p:cTn id="35" dur="500"/>
+                                        <p:tgtEl>
+                                          <p:spTgt spid="32"/>
+                                        </p:tgtEl>
+                                      </p:cBhvr>
+                                    </p:animEffect>
+                                  </p:childTnLst>
+                                </p:cTn>
+                              </p:par>
+                            </p:childTnLst>
+                          </p:cTn>
+                        </p:par>
+                      </p:childTnLst>
+                    </p:cTn>
+                  </p:par>
+                </p:childTnLst>
+              </p:cTn>
+              <p:prevCondLst>
+                <p:cond evt="onPrev" delay="0">
+                  <p:tgtEl>
+                    <p:sldTgt/>
+                  </p:tgtEl>
+                </p:cond>
+              </p:prevCondLst>
+              <p:nextCondLst>
+                <p:cond evt="onNext" delay="0">
+                  <p:tgtEl>
+                    <p:sldTgt/>
+                  </p:tgtEl>
+                </p:cond>
+              </p:nextCondLst>
+            </p:seq>
+          </p:childTnLst>
+        </p:cTn>
+      </p:par>
+    </p:tnLst>
+    <p:bldLst>
+      <p:bldP spid="8" grpId="0" animBg="1"/>
+      <p:bldP spid="11" grpId="0" animBg="1"/>
+      <p:bldP spid="32" grpId="0"/>
+    </p:bldLst>
+  </p:timing>
+</p:sld>
+</file>
+
+<file path=ppt/slides/slide5.xml><?xml version="1.0" encoding="utf-8"?>
+<p:sld xmlns:a="http://schemas.openxmlformats.org/drawingml/2006/main" xmlns:r="http://schemas.openxmlformats.org/officeDocument/2006/relationships" xmlns:p="http://schemas.openxmlformats.org/presentationml/2006/main">
+  <p:cSld>
+    <p:bg>
+      <p:bgPr>
+        <a:blipFill dpi="0" rotWithShape="1">
+          <a:blip r:embed="rId2">
+            <a:lum/>
+          </a:blip>
+          <a:srcRect/>
+          <a:stretch>
+            <a:fillRect/>
+          </a:stretch>
+        </a:blipFill>
+        <a:effectLst/>
+      </p:bgPr>
+    </p:bg>
+    <p:spTree>
+      <p:nvGrpSpPr>
+        <p:cNvPr id="1" name=""/>
+        <p:cNvGrpSpPr/>
+        <p:nvPr/>
+      </p:nvGrpSpPr>
+      <p:grpSpPr>
+        <a:xfrm>
+          <a:off x="0" y="0"/>
+          <a:ext cx="0" cy="0"/>
+          <a:chOff x="0" y="0"/>
+          <a:chExt cx="0" cy="0"/>
+        </a:xfrm>
+      </p:grpSpPr>
+      <p:sp>
+        <p:nvSpPr>
+          <p:cNvPr id="2" name="Title 1">
+            <a:extLst>
+              <a:ext uri="{FF2B5EF4-FFF2-40B4-BE49-F238E27FC236}">
+                <a16:creationId xmlns:a16="http://schemas.microsoft.com/office/drawing/2014/main" id="{55E11F08-6CA0-48F1-AD67-97430DDA07F0}"/>
+              </a:ext>
+            </a:extLst>
+          </p:cNvPr>
+          <p:cNvSpPr>
+            <a:spLocks noGrp="1"/>
+          </p:cNvSpPr>
+          <p:nvPr>
+            <p:ph type="title"/>
+          </p:nvPr>
+        </p:nvSpPr>
+        <p:spPr/>
+        <p:txBody>
+          <a:bodyPr/>
+          <a:lstStyle/>
+          <a:p>
+            <a:r>
+              <a:rPr lang="en-US" b="1" dirty="0">
+                <a:solidFill>
+                  <a:srgbClr val="292D33"/>
+                </a:solidFill>
+                <a:latin typeface="Euclid Circular B" panose="020B0504000000000000" pitchFamily="34" charset="0"/>
+                <a:ea typeface="Euclid Circular B" panose="020B0504000000000000" pitchFamily="34" charset="0"/>
+              </a:rPr>
+              <a:t>ABP Dynamic C# Client Proxies</a:t>
+            </a:r>
+          </a:p>
+        </p:txBody>
+      </p:sp>
+      <p:pic>
+        <p:nvPicPr>
+          <p:cNvPr id="5" name="Picture 4">
+            <a:extLst>
+              <a:ext uri="{FF2B5EF4-FFF2-40B4-BE49-F238E27FC236}">
+                <a16:creationId xmlns:a16="http://schemas.microsoft.com/office/drawing/2014/main" id="{0A3E19B9-B1AD-1727-380E-3C1CB829E9A9}"/>
+              </a:ext>
+            </a:extLst>
+          </p:cNvPr>
+          <p:cNvPicPr>
+            <a:picLocks noChangeAspect="1"/>
+          </p:cNvPicPr>
+          <p:nvPr/>
+        </p:nvPicPr>
+        <p:blipFill>
+          <a:blip r:embed="rId3"/>
+          <a:stretch>
+            <a:fillRect/>
+          </a:stretch>
+        </p:blipFill>
+        <p:spPr>
+          <a:xfrm>
+            <a:off x="7242116" y="2469486"/>
+            <a:ext cx="4296618" cy="3309150"/>
+          </a:xfrm>
+          <a:prstGeom prst="rect">
+            <a:avLst/>
+          </a:prstGeom>
+        </p:spPr>
+      </p:pic>
+      <p:sp>
+        <p:nvSpPr>
+          <p:cNvPr id="8" name="Rectangle 7">
+            <a:extLst>
+              <a:ext uri="{FF2B5EF4-FFF2-40B4-BE49-F238E27FC236}">
+                <a16:creationId xmlns:a16="http://schemas.microsoft.com/office/drawing/2014/main" id="{BBDED3D7-A2E1-B9AD-DE63-6FBBCBF9F376}"/>
+              </a:ext>
+            </a:extLst>
+          </p:cNvPr>
+          <p:cNvSpPr/>
+          <p:nvPr/>
+        </p:nvSpPr>
+        <p:spPr>
+          <a:xfrm>
+            <a:off x="7242116" y="1491276"/>
+            <a:ext cx="4296618" cy="398823"/>
+          </a:xfrm>
+          <a:prstGeom prst="rect">
+            <a:avLst/>
+          </a:prstGeom>
+        </p:spPr>
+        <p:style>
+          <a:lnRef idx="2">
+            <a:schemeClr val="accent1">
+              <a:shade val="50000"/>
+            </a:schemeClr>
+          </a:lnRef>
+          <a:fillRef idx="1">
+            <a:schemeClr val="accent1"/>
+          </a:fillRef>
+          <a:effectRef idx="0">
+            <a:schemeClr val="accent1"/>
+          </a:effectRef>
+          <a:fontRef idx="minor">
+            <a:schemeClr val="lt1"/>
+          </a:fontRef>
+        </p:style>
+        <p:txBody>
+          <a:bodyPr rtlCol="0" anchor="ctr"/>
+          <a:lstStyle/>
+          <a:p>
+            <a:pPr algn="ctr"/>
+            <a:r>
+              <a:rPr lang="en-US" dirty="0"/>
+              <a:t>Server Application</a:t>
+            </a:r>
+          </a:p>
+        </p:txBody>
+      </p:sp>
+      <p:pic>
+        <p:nvPicPr>
+          <p:cNvPr id="10" name="Picture 9">
+            <a:extLst>
+              <a:ext uri="{FF2B5EF4-FFF2-40B4-BE49-F238E27FC236}">
+                <a16:creationId xmlns:a16="http://schemas.microsoft.com/office/drawing/2014/main" id="{59720D24-7AD5-F118-0471-E65D020E654B}"/>
+              </a:ext>
+            </a:extLst>
+          </p:cNvPr>
+          <p:cNvPicPr>
+            <a:picLocks noChangeAspect="1"/>
+          </p:cNvPicPr>
+          <p:nvPr/>
+        </p:nvPicPr>
+        <p:blipFill>
+          <a:blip r:embed="rId4"/>
+          <a:stretch>
+            <a:fillRect/>
+          </a:stretch>
+        </p:blipFill>
+        <p:spPr>
+          <a:xfrm>
+            <a:off x="838200" y="2469486"/>
+            <a:ext cx="4541528" cy="2690511"/>
+          </a:xfrm>
+          <a:prstGeom prst="rect">
+            <a:avLst/>
+          </a:prstGeom>
+        </p:spPr>
+      </p:pic>
+      <p:sp>
+        <p:nvSpPr>
+          <p:cNvPr id="11" name="Rectangle 10">
+            <a:extLst>
+              <a:ext uri="{FF2B5EF4-FFF2-40B4-BE49-F238E27FC236}">
+                <a16:creationId xmlns:a16="http://schemas.microsoft.com/office/drawing/2014/main" id="{21394F04-AC79-29ED-445A-89E2CA9B2981}"/>
+              </a:ext>
+            </a:extLst>
+          </p:cNvPr>
+          <p:cNvSpPr/>
+          <p:nvPr/>
+        </p:nvSpPr>
+        <p:spPr>
+          <a:xfrm>
+            <a:off x="838199" y="1491275"/>
+            <a:ext cx="4541527" cy="398823"/>
+          </a:xfrm>
+          <a:prstGeom prst="rect">
+            <a:avLst/>
+          </a:prstGeom>
+        </p:spPr>
+        <p:style>
+          <a:lnRef idx="2">
+            <a:schemeClr val="accent1">
+              <a:shade val="50000"/>
+            </a:schemeClr>
+          </a:lnRef>
+          <a:fillRef idx="1">
+            <a:schemeClr val="accent1"/>
+          </a:fillRef>
+          <a:effectRef idx="0">
+            <a:schemeClr val="accent1"/>
+          </a:effectRef>
+          <a:fontRef idx="minor">
+            <a:schemeClr val="lt1"/>
+          </a:fontRef>
+        </p:style>
+        <p:txBody>
+          <a:bodyPr rtlCol="0" anchor="ctr"/>
+          <a:lstStyle/>
+          <a:p>
+            <a:pPr algn="ctr"/>
+            <a:r>
+              <a:rPr lang="en-US" dirty="0"/>
+              <a:t>.NET Client Application</a:t>
+            </a:r>
+          </a:p>
+        </p:txBody>
+      </p:sp>
+      <p:cxnSp>
+        <p:nvCxnSpPr>
+          <p:cNvPr id="17" name="Straight Arrow Connector 16">
+            <a:extLst>
+              <a:ext uri="{FF2B5EF4-FFF2-40B4-BE49-F238E27FC236}">
+                <a16:creationId xmlns:a16="http://schemas.microsoft.com/office/drawing/2014/main" id="{AF5B406C-B21B-D312-0F22-45B79DD3B085}"/>
+              </a:ext>
+            </a:extLst>
+          </p:cNvPr>
+          <p:cNvCxnSpPr>
+            <a:cxnSpLocks/>
+          </p:cNvCxnSpPr>
+          <p:nvPr/>
+        </p:nvCxnSpPr>
+        <p:spPr>
+          <a:xfrm flipV="1">
+            <a:off x="5288438" y="3648178"/>
+            <a:ext cx="2281286" cy="985249"/>
+          </a:xfrm>
+          <a:prstGeom prst="straightConnector1">
+            <a:avLst/>
+          </a:prstGeom>
+          <a:ln w="25400">
+            <a:solidFill>
+              <a:srgbClr val="FF0000"/>
+            </a:solidFill>
+            <a:tailEnd type="triangle"/>
+          </a:ln>
+        </p:spPr>
+        <p:style>
+          <a:lnRef idx="1">
+            <a:schemeClr val="accent1"/>
+          </a:lnRef>
+          <a:fillRef idx="0">
+            <a:schemeClr val="accent1"/>
+          </a:fillRef>
+          <a:effectRef idx="0">
+            <a:schemeClr val="accent1"/>
+          </a:effectRef>
+          <a:fontRef idx="minor">
+            <a:schemeClr val="tx1"/>
+          </a:fontRef>
+        </p:style>
+      </p:cxnSp>
+      <p:sp>
+        <p:nvSpPr>
+          <p:cNvPr id="20" name="Rectangle 19">
+            <a:extLst>
+              <a:ext uri="{FF2B5EF4-FFF2-40B4-BE49-F238E27FC236}">
+                <a16:creationId xmlns:a16="http://schemas.microsoft.com/office/drawing/2014/main" id="{9EF7D158-EFDC-B706-92F3-5C903FD894AF}"/>
+              </a:ext>
+            </a:extLst>
+          </p:cNvPr>
+          <p:cNvSpPr/>
+          <p:nvPr/>
+        </p:nvSpPr>
+        <p:spPr>
+          <a:xfrm>
+            <a:off x="3968685" y="1974942"/>
+            <a:ext cx="1411041" cy="398822"/>
+          </a:xfrm>
+          <a:prstGeom prst="rect">
+            <a:avLst/>
+          </a:prstGeom>
+          <a:solidFill>
+            <a:srgbClr val="FF0000"/>
+          </a:solidFill>
+        </p:spPr>
+        <p:style>
+          <a:lnRef idx="2">
+            <a:schemeClr val="accent2">
+              <a:shade val="50000"/>
+            </a:schemeClr>
+          </a:lnRef>
+          <a:fillRef idx="1">
+            <a:schemeClr val="accent2"/>
+          </a:fillRef>
+          <a:effectRef idx="0">
+            <a:schemeClr val="accent2"/>
+          </a:effectRef>
+          <a:fontRef idx="minor">
+            <a:schemeClr val="lt1"/>
+          </a:fontRef>
+        </p:style>
+        <p:txBody>
+          <a:bodyPr rtlCol="0" anchor="ctr"/>
+          <a:lstStyle/>
+          <a:p>
+            <a:pPr algn="ctr"/>
+            <a:r>
+              <a:rPr lang="en-US" dirty="0"/>
+              <a:t>Dapr Sidecar</a:t>
+            </a:r>
+          </a:p>
+        </p:txBody>
+      </p:sp>
+      <p:cxnSp>
+        <p:nvCxnSpPr>
+          <p:cNvPr id="24" name="Connector: Elbow 23">
+            <a:extLst>
+              <a:ext uri="{FF2B5EF4-FFF2-40B4-BE49-F238E27FC236}">
+                <a16:creationId xmlns:a16="http://schemas.microsoft.com/office/drawing/2014/main" id="{728E735A-6E07-B39D-D35B-BEED689F94B5}"/>
+              </a:ext>
+            </a:extLst>
+          </p:cNvPr>
+          <p:cNvCxnSpPr>
+            <a:cxnSpLocks/>
+            <a:stCxn id="11" idx="2"/>
+            <a:endCxn id="20" idx="1"/>
+          </p:cNvCxnSpPr>
+          <p:nvPr/>
+        </p:nvCxnSpPr>
+        <p:spPr>
+          <a:xfrm rot="16200000" flipH="1">
+            <a:off x="3396697" y="1602364"/>
+            <a:ext cx="284255" cy="859722"/>
+          </a:xfrm>
+          <a:prstGeom prst="bentConnector2">
+            <a:avLst/>
+          </a:prstGeom>
+          <a:ln w="50800">
+            <a:solidFill>
+              <a:schemeClr val="tx1">
+                <a:lumMod val="95000"/>
+                <a:lumOff val="5000"/>
+              </a:schemeClr>
+            </a:solidFill>
+            <a:tailEnd type="triangle"/>
+          </a:ln>
+        </p:spPr>
+        <p:style>
+          <a:lnRef idx="1">
+            <a:schemeClr val="accent1"/>
+          </a:lnRef>
+          <a:fillRef idx="0">
+            <a:schemeClr val="accent1"/>
+          </a:fillRef>
+          <a:effectRef idx="0">
+            <a:schemeClr val="accent1"/>
+          </a:effectRef>
+          <a:fontRef idx="minor">
+            <a:schemeClr val="tx1"/>
+          </a:fontRef>
+        </p:style>
+      </p:cxnSp>
+      <p:sp>
+        <p:nvSpPr>
+          <p:cNvPr id="27" name="Rectangle 26">
+            <a:extLst>
+              <a:ext uri="{FF2B5EF4-FFF2-40B4-BE49-F238E27FC236}">
+                <a16:creationId xmlns:a16="http://schemas.microsoft.com/office/drawing/2014/main" id="{D00390F6-3FA3-42A2-4376-311EDCF83A14}"/>
+              </a:ext>
+            </a:extLst>
+          </p:cNvPr>
+          <p:cNvSpPr/>
+          <p:nvPr/>
+        </p:nvSpPr>
+        <p:spPr>
+          <a:xfrm>
+            <a:off x="7242116" y="1974941"/>
+            <a:ext cx="1411041" cy="398822"/>
+          </a:xfrm>
+          <a:prstGeom prst="rect">
+            <a:avLst/>
+          </a:prstGeom>
+          <a:solidFill>
+            <a:srgbClr val="FF0000"/>
+          </a:solidFill>
+        </p:spPr>
+        <p:style>
+          <a:lnRef idx="2">
+            <a:schemeClr val="accent2">
+              <a:shade val="50000"/>
+            </a:schemeClr>
+          </a:lnRef>
+          <a:fillRef idx="1">
+            <a:schemeClr val="accent2"/>
+          </a:fillRef>
+          <a:effectRef idx="0">
+            <a:schemeClr val="accent2"/>
+          </a:effectRef>
+          <a:fontRef idx="minor">
+            <a:schemeClr val="lt1"/>
+          </a:fontRef>
+        </p:style>
+        <p:txBody>
+          <a:bodyPr rtlCol="0" anchor="ctr"/>
+          <a:lstStyle/>
+          <a:p>
+            <a:pPr algn="ctr"/>
+            <a:r>
+              <a:rPr lang="en-US" dirty="0"/>
+              <a:t>Dapr Sidecar</a:t>
+            </a:r>
+          </a:p>
+        </p:txBody>
+      </p:sp>
+      <p:cxnSp>
+        <p:nvCxnSpPr>
+          <p:cNvPr id="29" name="Connector: Elbow 28">
+            <a:extLst>
+              <a:ext uri="{FF2B5EF4-FFF2-40B4-BE49-F238E27FC236}">
+                <a16:creationId xmlns:a16="http://schemas.microsoft.com/office/drawing/2014/main" id="{5DB86B3F-5841-9351-7D5F-20B85F6032B9}"/>
+              </a:ext>
+            </a:extLst>
+          </p:cNvPr>
+          <p:cNvCxnSpPr>
+            <a:stCxn id="27" idx="3"/>
+            <a:endCxn id="8" idx="2"/>
+          </p:cNvCxnSpPr>
+          <p:nvPr/>
+        </p:nvCxnSpPr>
+        <p:spPr>
+          <a:xfrm flipV="1">
+            <a:off x="8653157" y="1890099"/>
+            <a:ext cx="737268" cy="284253"/>
+          </a:xfrm>
+          <a:prstGeom prst="bentConnector2">
+            <a:avLst/>
+          </a:prstGeom>
+          <a:ln w="50800">
+            <a:solidFill>
+              <a:schemeClr val="tx1">
+                <a:lumMod val="95000"/>
+                <a:lumOff val="5000"/>
+              </a:schemeClr>
+            </a:solidFill>
+            <a:tailEnd type="triangle"/>
+          </a:ln>
+        </p:spPr>
+        <p:style>
+          <a:lnRef idx="1">
+            <a:schemeClr val="accent1"/>
+          </a:lnRef>
+          <a:fillRef idx="0">
+            <a:schemeClr val="accent1"/>
+          </a:fillRef>
+          <a:effectRef idx="0">
+            <a:schemeClr val="accent1"/>
+          </a:effectRef>
+          <a:fontRef idx="minor">
+            <a:schemeClr val="tx1"/>
+          </a:fontRef>
+        </p:style>
+      </p:cxnSp>
+      <p:cxnSp>
+        <p:nvCxnSpPr>
+          <p:cNvPr id="30" name="Straight Arrow Connector 29">
+            <a:extLst>
+              <a:ext uri="{FF2B5EF4-FFF2-40B4-BE49-F238E27FC236}">
+                <a16:creationId xmlns:a16="http://schemas.microsoft.com/office/drawing/2014/main" id="{561B0DDE-0FCF-4D23-72EE-36AB0230C84B}"/>
+              </a:ext>
+            </a:extLst>
+          </p:cNvPr>
+          <p:cNvCxnSpPr>
+            <a:cxnSpLocks/>
+            <a:endCxn id="27" idx="1"/>
+          </p:cNvCxnSpPr>
+          <p:nvPr/>
+        </p:nvCxnSpPr>
+        <p:spPr>
+          <a:xfrm>
+            <a:off x="5379726" y="2174351"/>
+            <a:ext cx="1862390" cy="1"/>
+          </a:xfrm>
+          <a:prstGeom prst="straightConnector1">
+            <a:avLst/>
+          </a:prstGeom>
+          <a:ln w="50800">
+            <a:solidFill>
+              <a:schemeClr val="tx1">
+                <a:lumMod val="85000"/>
+                <a:lumOff val="15000"/>
+              </a:schemeClr>
+            </a:solidFill>
+            <a:tailEnd type="triangle"/>
+          </a:ln>
+        </p:spPr>
+        <p:style>
+          <a:lnRef idx="1">
+            <a:schemeClr val="accent1"/>
+          </a:lnRef>
+          <a:fillRef idx="0">
+            <a:schemeClr val="accent1"/>
+          </a:fillRef>
+          <a:effectRef idx="0">
+            <a:schemeClr val="accent1"/>
+          </a:effectRef>
+          <a:fontRef idx="minor">
+            <a:schemeClr val="tx1"/>
+          </a:fontRef>
+        </p:style>
+      </p:cxnSp>
+      <p:sp>
+        <p:nvSpPr>
+          <p:cNvPr id="32" name="TextBox 31">
+            <a:extLst>
+              <a:ext uri="{FF2B5EF4-FFF2-40B4-BE49-F238E27FC236}">
+                <a16:creationId xmlns:a16="http://schemas.microsoft.com/office/drawing/2014/main" id="{67644F2D-679C-08AF-49B0-20EA55760195}"/>
+              </a:ext>
+            </a:extLst>
+          </p:cNvPr>
+          <p:cNvSpPr txBox="1"/>
+          <p:nvPr/>
+        </p:nvSpPr>
+        <p:spPr>
+          <a:xfrm>
+            <a:off x="838199" y="5159997"/>
+            <a:ext cx="1964192" cy="1754326"/>
+          </a:xfrm>
+          <a:prstGeom prst="rect">
+            <a:avLst/>
+          </a:prstGeom>
+          <a:noFill/>
+        </p:spPr>
+        <p:txBody>
+          <a:bodyPr wrap="none" rtlCol="0">
+            <a:spAutoFit/>
+          </a:bodyPr>
+          <a:lstStyle/>
+          <a:p>
+            <a:r>
+              <a:rPr lang="en-US" b="1" u="sng" dirty="0"/>
+              <a:t>ABP Framework</a:t>
+            </a:r>
+            <a:br>
+              <a:rPr lang="en-US" dirty="0"/>
+            </a:br>
+            <a:r>
+              <a:rPr lang="en-US" dirty="0"/>
+              <a:t>Authentication</a:t>
+            </a:r>
+            <a:br>
+              <a:rPr lang="en-US" dirty="0"/>
+            </a:br>
+            <a:r>
+              <a:rPr lang="en-US" dirty="0"/>
+              <a:t>JSON serialization</a:t>
+            </a:r>
+            <a:br>
+              <a:rPr lang="en-US" dirty="0"/>
+            </a:br>
+            <a:r>
+              <a:rPr lang="en-US" dirty="0"/>
+              <a:t>Exception handling</a:t>
+            </a:r>
+            <a:br>
+              <a:rPr lang="en-US" dirty="0"/>
+            </a:br>
+            <a:r>
+              <a:rPr lang="en-US" dirty="0"/>
+              <a:t>Multi-tenancy</a:t>
+            </a:r>
+          </a:p>
+          <a:p>
+            <a:r>
+              <a:rPr lang="en-US" dirty="0"/>
+              <a:t>Retry, …. and more</a:t>
+            </a:r>
+          </a:p>
+        </p:txBody>
+      </p:sp>
+      <p:sp>
+        <p:nvSpPr>
+          <p:cNvPr id="33" name="TextBox 32">
+            <a:extLst>
+              <a:ext uri="{FF2B5EF4-FFF2-40B4-BE49-F238E27FC236}">
+                <a16:creationId xmlns:a16="http://schemas.microsoft.com/office/drawing/2014/main" id="{ED0D7402-8D68-BBC4-CB1A-858CAFA29B08}"/>
+              </a:ext>
+            </a:extLst>
+          </p:cNvPr>
+          <p:cNvSpPr txBox="1"/>
+          <p:nvPr/>
+        </p:nvSpPr>
+        <p:spPr>
+          <a:xfrm>
+            <a:off x="2951484" y="5159997"/>
+            <a:ext cx="2248693" cy="1477328"/>
+          </a:xfrm>
+          <a:prstGeom prst="rect">
+            <a:avLst/>
+          </a:prstGeom>
+          <a:noFill/>
+        </p:spPr>
+        <p:txBody>
+          <a:bodyPr wrap="none" rtlCol="0">
+            <a:spAutoFit/>
+          </a:bodyPr>
+          <a:lstStyle/>
+          <a:p>
+            <a:r>
+              <a:rPr lang="en-US" b="1" u="sng" dirty="0"/>
+              <a:t>Dapr</a:t>
+            </a:r>
+            <a:br>
+              <a:rPr lang="en-US" b="1" u="sng" dirty="0"/>
+            </a:br>
+            <a:r>
+              <a:rPr lang="en-US" dirty="0"/>
+              <a:t>Service discovery</a:t>
+            </a:r>
+            <a:br>
+              <a:rPr lang="en-US" dirty="0"/>
+            </a:br>
+            <a:r>
+              <a:rPr lang="en-US" dirty="0"/>
+              <a:t>Tracing / observability</a:t>
+            </a:r>
+            <a:br>
+              <a:rPr lang="en-US" dirty="0"/>
+            </a:br>
+            <a:r>
+              <a:rPr lang="en-US" dirty="0"/>
+              <a:t>Security</a:t>
+            </a:r>
+          </a:p>
+          <a:p>
+            <a:r>
+              <a:rPr lang="en-US" dirty="0"/>
+              <a:t>Retry, …. and more</a:t>
+            </a:r>
+          </a:p>
+        </p:txBody>
+      </p:sp>
+    </p:spTree>
+    <p:extLst>
+      <p:ext uri="{BB962C8B-B14F-4D97-AF65-F5344CB8AC3E}">
+        <p14:creationId xmlns:p14="http://schemas.microsoft.com/office/powerpoint/2010/main" val="4190709711"/>
+      </p:ext>
+    </p:extLst>
+  </p:cSld>
+  <p:clrMapOvr>
+    <a:masterClrMapping/>
+  </p:clrMapOvr>
+  <p:timing>
+    <p:tnLst>
+      <p:par>
+        <p:cTn id="1" dur="indefinite" restart="never" nodeType="tmRoot">
+          <p:childTnLst>
+            <p:seq concurrent="1" nextAc="seek">
+              <p:cTn id="2" dur="indefinite" nodeType="mainSeq">
+                <p:childTnLst>
+                  <p:par>
+                    <p:cTn id="3" fill="hold">
+                      <p:stCondLst>
+                        <p:cond delay="indefinite"/>
+                      </p:stCondLst>
+                      <p:childTnLst>
+                        <p:par>
+                          <p:cTn id="4" fill="hold">
+                            <p:stCondLst>
+                              <p:cond delay="0"/>
+                            </p:stCondLst>
+                            <p:childTnLst>
+                              <p:par>
+                                <p:cTn id="5" presetID="10" presetClass="entr" presetSubtype="0" fill="hold" grpId="0" nodeType="clickEffect">
+                                  <p:stCondLst>
+                                    <p:cond delay="0"/>
+                                  </p:stCondLst>
+                                  <p:childTnLst>
+                                    <p:set>
+                                      <p:cBhvr>
+                                        <p:cTn id="6" dur="1" fill="hold">
+                                          <p:stCondLst>
+                                            <p:cond delay="0"/>
+                                          </p:stCondLst>
+                                        </p:cTn>
+                                        <p:tgtEl>
+                                          <p:spTgt spid="20"/>
+                                        </p:tgtEl>
+                                        <p:attrNameLst>
+                                          <p:attrName>style.visibility</p:attrName>
+                                        </p:attrNameLst>
+                                      </p:cBhvr>
+                                      <p:to>
+                                        <p:strVal val="visible"/>
+                                      </p:to>
+                                    </p:set>
+                                    <p:animEffect transition="in" filter="fade">
+                                      <p:cBhvr>
+                                        <p:cTn id="7" dur="500"/>
+                                        <p:tgtEl>
+                                          <p:spTgt spid="20"/>
+                                        </p:tgtEl>
+                                      </p:cBhvr>
+                                    </p:animEffect>
+                                  </p:childTnLst>
+                                </p:cTn>
+                              </p:par>
+                              <p:par>
+                                <p:cTn id="8" presetID="10" presetClass="entr" presetSubtype="0" fill="hold" nodeType="withEffect">
+                                  <p:stCondLst>
+                                    <p:cond delay="0"/>
+                                  </p:stCondLst>
+                                  <p:childTnLst>
+                                    <p:set>
+                                      <p:cBhvr>
+                                        <p:cTn id="9" dur="1" fill="hold">
+                                          <p:stCondLst>
+                                            <p:cond delay="0"/>
+                                          </p:stCondLst>
+                                        </p:cTn>
+                                        <p:tgtEl>
+                                          <p:spTgt spid="24"/>
+                                        </p:tgtEl>
+                                        <p:attrNameLst>
+                                          <p:attrName>style.visibility</p:attrName>
+                                        </p:attrNameLst>
+                                      </p:cBhvr>
+                                      <p:to>
+                                        <p:strVal val="visible"/>
+                                      </p:to>
+                                    </p:set>
+                                    <p:animEffect transition="in" filter="fade">
+                                      <p:cBhvr>
+                                        <p:cTn id="10" dur="500"/>
+                                        <p:tgtEl>
+                                          <p:spTgt spid="24"/>
+                                        </p:tgtEl>
+                                      </p:cBhvr>
+                                    </p:animEffect>
+                                  </p:childTnLst>
+                                </p:cTn>
+                              </p:par>
+                              <p:par>
+                                <p:cTn id="11" presetID="10" presetClass="entr" presetSubtype="0" fill="hold" grpId="0" nodeType="withEffect">
+                                  <p:stCondLst>
+                                    <p:cond delay="0"/>
+                                  </p:stCondLst>
+                                  <p:childTnLst>
+                                    <p:set>
+                                      <p:cBhvr>
+                                        <p:cTn id="12" dur="1" fill="hold">
+                                          <p:stCondLst>
+                                            <p:cond delay="0"/>
+                                          </p:stCondLst>
+                                        </p:cTn>
+                                        <p:tgtEl>
+                                          <p:spTgt spid="27"/>
+                                        </p:tgtEl>
+                                        <p:attrNameLst>
+                                          <p:attrName>style.visibility</p:attrName>
+                                        </p:attrNameLst>
+                                      </p:cBhvr>
+                                      <p:to>
+                                        <p:strVal val="visible"/>
+                                      </p:to>
+                                    </p:set>
+                                    <p:animEffect transition="in" filter="fade">
+                                      <p:cBhvr>
+                                        <p:cTn id="13" dur="500"/>
+                                        <p:tgtEl>
+                                          <p:spTgt spid="27"/>
+                                        </p:tgtEl>
+                                      </p:cBhvr>
+                                    </p:animEffect>
+                                  </p:childTnLst>
+                                </p:cTn>
+                              </p:par>
+                              <p:par>
+                                <p:cTn id="14" presetID="10" presetClass="entr" presetSubtype="0" fill="hold" nodeType="withEffect">
+                                  <p:stCondLst>
+                                    <p:cond delay="0"/>
+                                  </p:stCondLst>
+                                  <p:childTnLst>
+                                    <p:set>
+                                      <p:cBhvr>
+                                        <p:cTn id="15" dur="1" fill="hold">
+                                          <p:stCondLst>
+                                            <p:cond delay="0"/>
+                                          </p:stCondLst>
+                                        </p:cTn>
+                                        <p:tgtEl>
+                                          <p:spTgt spid="29"/>
+                                        </p:tgtEl>
+                                        <p:attrNameLst>
+                                          <p:attrName>style.visibility</p:attrName>
+                                        </p:attrNameLst>
+                                      </p:cBhvr>
+                                      <p:to>
+                                        <p:strVal val="visible"/>
+                                      </p:to>
+                                    </p:set>
+                                    <p:animEffect transition="in" filter="fade">
+                                      <p:cBhvr>
+                                        <p:cTn id="16" dur="500"/>
+                                        <p:tgtEl>
+                                          <p:spTgt spid="29"/>
+                                        </p:tgtEl>
+                                      </p:cBhvr>
+                                    </p:animEffect>
+                                  </p:childTnLst>
+                                </p:cTn>
+                              </p:par>
+                              <p:par>
+                                <p:cTn id="17" presetID="10" presetClass="entr" presetSubtype="0" fill="hold" nodeType="withEffect">
+                                  <p:stCondLst>
+                                    <p:cond delay="0"/>
+                                  </p:stCondLst>
+                                  <p:childTnLst>
+                                    <p:set>
+                                      <p:cBhvr>
+                                        <p:cTn id="18" dur="1" fill="hold">
+                                          <p:stCondLst>
+                                            <p:cond delay="0"/>
+                                          </p:stCondLst>
+                                        </p:cTn>
+                                        <p:tgtEl>
+                                          <p:spTgt spid="30"/>
+                                        </p:tgtEl>
+                                        <p:attrNameLst>
+                                          <p:attrName>style.visibility</p:attrName>
+                                        </p:attrNameLst>
+                                      </p:cBhvr>
+                                      <p:to>
+                                        <p:strVal val="visible"/>
+                                      </p:to>
+                                    </p:set>
+                                    <p:animEffect transition="in" filter="fade">
+                                      <p:cBhvr>
+                                        <p:cTn id="19" dur="500"/>
+                                        <p:tgtEl>
+                                          <p:spTgt spid="30"/>
+                                        </p:tgtEl>
+                                      </p:cBhvr>
+                                    </p:animEffect>
+                                  </p:childTnLst>
+                                </p:cTn>
+                              </p:par>
+                            </p:childTnLst>
+                          </p:cTn>
+                        </p:par>
+                      </p:childTnLst>
+                    </p:cTn>
+                  </p:par>
+                  <p:par>
+                    <p:cTn id="20" fill="hold">
+                      <p:stCondLst>
+                        <p:cond delay="indefinite"/>
+                      </p:stCondLst>
+                      <p:childTnLst>
+                        <p:par>
+                          <p:cTn id="21" fill="hold">
+                            <p:stCondLst>
+                              <p:cond delay="0"/>
+                            </p:stCondLst>
+                            <p:childTnLst>
+                              <p:par>
+                                <p:cTn id="22" presetID="10" presetClass="entr" presetSubtype="0" fill="hold" grpId="0" nodeType="clickEffect">
+                                  <p:stCondLst>
+                                    <p:cond delay="0"/>
+                                  </p:stCondLst>
+                                  <p:childTnLst>
+                                    <p:set>
+                                      <p:cBhvr>
+                                        <p:cTn id="23" dur="1" fill="hold">
+                                          <p:stCondLst>
+                                            <p:cond delay="0"/>
+                                          </p:stCondLst>
+                                        </p:cTn>
+                                        <p:tgtEl>
+                                          <p:spTgt spid="33"/>
+                                        </p:tgtEl>
+                                        <p:attrNameLst>
+                                          <p:attrName>style.visibility</p:attrName>
+                                        </p:attrNameLst>
+                                      </p:cBhvr>
+                                      <p:to>
+                                        <p:strVal val="visible"/>
+                                      </p:to>
+                                    </p:set>
+                                    <p:animEffect transition="in" filter="fade">
+                                      <p:cBhvr>
+                                        <p:cTn id="24" dur="500"/>
+                                        <p:tgtEl>
+                                          <p:spTgt spid="33"/>
+                                        </p:tgtEl>
+                                      </p:cBhvr>
+                                    </p:animEffect>
+                                  </p:childTnLst>
+                                </p:cTn>
+                              </p:par>
+                            </p:childTnLst>
+                          </p:cTn>
+                        </p:par>
+                      </p:childTnLst>
+                    </p:cTn>
+                  </p:par>
+                </p:childTnLst>
+              </p:cTn>
+              <p:prevCondLst>
+                <p:cond evt="onPrev" delay="0">
+                  <p:tgtEl>
+                    <p:sldTgt/>
+                  </p:tgtEl>
+                </p:cond>
+              </p:prevCondLst>
+              <p:nextCondLst>
+                <p:cond evt="onNext" delay="0">
+                  <p:tgtEl>
+                    <p:sldTgt/>
+                  </p:tgtEl>
+                </p:cond>
+              </p:nextCondLst>
+            </p:seq>
+          </p:childTnLst>
+        </p:cTn>
+      </p:par>
+    </p:tnLst>
+    <p:bldLst>
+      <p:bldP spid="20" grpId="0" animBg="1"/>
+      <p:bldP spid="27" grpId="0" animBg="1"/>
+      <p:bldP spid="33" grpId="0"/>
+    </p:bldLst>
+  </p:timing>
+</p:sld>
+</file>
+
+<file path=ppt/slides/slide6.xml><?xml version="1.0" encoding="utf-8"?>
+<p:sld xmlns:a="http://schemas.openxmlformats.org/drawingml/2006/main" xmlns:r="http://schemas.openxmlformats.org/officeDocument/2006/relationships" xmlns:p="http://schemas.openxmlformats.org/presentationml/2006/main">
+  <p:cSld>
+    <p:bg>
+      <p:bgPr>
+        <a:blipFill dpi="0" rotWithShape="1">
+          <a:blip r:embed="rId2">
+            <a:lum/>
+          </a:blip>
+          <a:srcRect/>
+          <a:stretch>
+            <a:fillRect/>
+          </a:stretch>
+        </a:blipFill>
+        <a:effectLst/>
+      </p:bgPr>
+    </p:bg>
+    <p:spTree>
+      <p:nvGrpSpPr>
+        <p:cNvPr id="1" name=""/>
+        <p:cNvGrpSpPr/>
+        <p:nvPr/>
+      </p:nvGrpSpPr>
+      <p:grpSpPr>
+        <a:xfrm>
+          <a:off x="0" y="0"/>
+          <a:ext cx="0" cy="0"/>
+          <a:chOff x="0" y="0"/>
+          <a:chExt cx="0" cy="0"/>
+        </a:xfrm>
+      </p:grpSpPr>
+      <p:sp>
+        <p:nvSpPr>
+          <p:cNvPr id="2" name="Title 1">
+            <a:extLst>
+              <a:ext uri="{FF2B5EF4-FFF2-40B4-BE49-F238E27FC236}">
+                <a16:creationId xmlns:a16="http://schemas.microsoft.com/office/drawing/2014/main" id="{55E11F08-6CA0-48F1-AD67-97430DDA07F0}"/>
+              </a:ext>
+            </a:extLst>
+          </p:cNvPr>
+          <p:cNvSpPr>
+            <a:spLocks noGrp="1"/>
+          </p:cNvSpPr>
+          <p:nvPr>
+            <p:ph type="title"/>
+          </p:nvPr>
+        </p:nvSpPr>
+        <p:spPr/>
+        <p:txBody>
+          <a:bodyPr/>
+          <a:lstStyle/>
+          <a:p>
+            <a:r>
+              <a:rPr lang="en-US" b="1" dirty="0">
+                <a:solidFill>
+                  <a:srgbClr val="292D33"/>
+                </a:solidFill>
+                <a:latin typeface="Euclid Circular B" panose="020B0504000000000000" pitchFamily="34" charset="0"/>
+                <a:ea typeface="Euclid Circular B" panose="020B0504000000000000" pitchFamily="34" charset="0"/>
+              </a:rPr>
+              <a:t>Distributed Event Bus</a:t>
+            </a:r>
+          </a:p>
+        </p:txBody>
+      </p:sp>
+      <p:sp>
+        <p:nvSpPr>
+          <p:cNvPr id="6" name="Rectangle 5">
+            <a:extLst>
+              <a:ext uri="{FF2B5EF4-FFF2-40B4-BE49-F238E27FC236}">
+                <a16:creationId xmlns:a16="http://schemas.microsoft.com/office/drawing/2014/main" id="{24862F7B-9C6F-E5CF-AFAC-C49F8B0A5CB5}"/>
+              </a:ext>
+            </a:extLst>
+          </p:cNvPr>
+          <p:cNvSpPr/>
+          <p:nvPr/>
+        </p:nvSpPr>
+        <p:spPr>
+          <a:xfrm>
+            <a:off x="1518613" y="2289874"/>
+            <a:ext cx="2300785" cy="317266"/>
+          </a:xfrm>
+          <a:prstGeom prst="rect">
+            <a:avLst/>
+          </a:prstGeom>
+        </p:spPr>
+        <p:style>
+          <a:lnRef idx="2">
+            <a:schemeClr val="accent1">
+              <a:shade val="50000"/>
+            </a:schemeClr>
+          </a:lnRef>
+          <a:fillRef idx="1">
+            <a:schemeClr val="accent1"/>
+          </a:fillRef>
+          <a:effectRef idx="0">
+            <a:schemeClr val="accent1"/>
+          </a:effectRef>
+          <a:fontRef idx="minor">
+            <a:schemeClr val="lt1"/>
+          </a:fontRef>
+        </p:style>
+        <p:txBody>
+          <a:bodyPr rtlCol="0" anchor="ctr"/>
+          <a:lstStyle/>
+          <a:p>
+            <a:pPr algn="ctr"/>
+            <a:r>
+              <a:rPr lang="en-US" sz="1600" dirty="0"/>
+              <a:t>Microservice A</a:t>
+            </a:r>
+          </a:p>
+        </p:txBody>
+      </p:sp>
+      <p:sp>
+        <p:nvSpPr>
+          <p:cNvPr id="7" name="Rectangle 6">
+            <a:extLst>
+              <a:ext uri="{FF2B5EF4-FFF2-40B4-BE49-F238E27FC236}">
+                <a16:creationId xmlns:a16="http://schemas.microsoft.com/office/drawing/2014/main" id="{B15CB18A-D9D7-AB11-E6C6-6D5276D3CE8F}"/>
+              </a:ext>
+            </a:extLst>
+          </p:cNvPr>
+          <p:cNvSpPr/>
+          <p:nvPr/>
+        </p:nvSpPr>
+        <p:spPr>
+          <a:xfrm>
+            <a:off x="7979860" y="2298851"/>
+            <a:ext cx="2300785" cy="317266"/>
+          </a:xfrm>
+          <a:prstGeom prst="rect">
+            <a:avLst/>
+          </a:prstGeom>
+        </p:spPr>
+        <p:style>
+          <a:lnRef idx="2">
+            <a:schemeClr val="accent1">
+              <a:shade val="50000"/>
+            </a:schemeClr>
+          </a:lnRef>
+          <a:fillRef idx="1">
+            <a:schemeClr val="accent1"/>
+          </a:fillRef>
+          <a:effectRef idx="0">
+            <a:schemeClr val="accent1"/>
+          </a:effectRef>
+          <a:fontRef idx="minor">
+            <a:schemeClr val="lt1"/>
+          </a:fontRef>
+        </p:style>
+        <p:txBody>
+          <a:bodyPr rtlCol="0" anchor="ctr"/>
+          <a:lstStyle/>
+          <a:p>
+            <a:pPr algn="ctr"/>
+            <a:r>
+              <a:rPr lang="en-US" sz="1600" dirty="0"/>
+              <a:t>Microservice B</a:t>
+            </a:r>
+          </a:p>
+        </p:txBody>
+      </p:sp>
+      <p:sp>
+        <p:nvSpPr>
+          <p:cNvPr id="8" name="Rectangle 7">
+            <a:extLst>
+              <a:ext uri="{FF2B5EF4-FFF2-40B4-BE49-F238E27FC236}">
+                <a16:creationId xmlns:a16="http://schemas.microsoft.com/office/drawing/2014/main" id="{4BE8F668-D7FA-3183-2E29-1FF6DA4FDD5C}"/>
+              </a:ext>
+            </a:extLst>
+          </p:cNvPr>
+          <p:cNvSpPr/>
+          <p:nvPr/>
+        </p:nvSpPr>
+        <p:spPr>
+          <a:xfrm>
+            <a:off x="4749237" y="3319538"/>
+            <a:ext cx="2300785" cy="577114"/>
+          </a:xfrm>
+          <a:prstGeom prst="rect">
+            <a:avLst/>
+          </a:prstGeom>
+        </p:spPr>
+        <p:style>
+          <a:lnRef idx="2">
+            <a:schemeClr val="accent2">
+              <a:shade val="50000"/>
+            </a:schemeClr>
+          </a:lnRef>
+          <a:fillRef idx="1">
+            <a:schemeClr val="accent2"/>
+          </a:fillRef>
+          <a:effectRef idx="0">
+            <a:schemeClr val="accent2"/>
+          </a:effectRef>
+          <a:fontRef idx="minor">
+            <a:schemeClr val="lt1"/>
+          </a:fontRef>
+        </p:style>
+        <p:txBody>
+          <a:bodyPr rtlCol="0" anchor="ctr"/>
+          <a:lstStyle/>
+          <a:p>
+            <a:pPr algn="ctr"/>
+            <a:r>
+              <a:rPr lang="en-US" sz="1600" dirty="0"/>
+              <a:t>Message Broker</a:t>
+            </a:r>
+          </a:p>
+          <a:p>
+            <a:pPr algn="ctr"/>
+            <a:r>
+              <a:rPr lang="en-US" sz="1200" dirty="0"/>
+              <a:t>(RabbitMQ, Kafka, </a:t>
+            </a:r>
+            <a:r>
+              <a:rPr lang="en-US" sz="1200" dirty="0" err="1"/>
+              <a:t>etc</a:t>
+            </a:r>
+            <a:r>
+              <a:rPr lang="en-US" sz="1200" dirty="0"/>
+              <a:t>)</a:t>
+            </a:r>
+          </a:p>
+        </p:txBody>
+      </p:sp>
+      <p:pic>
+        <p:nvPicPr>
+          <p:cNvPr id="9" name="Picture 8" descr="Shape&#10;&#10;Description automatically generated">
+            <a:extLst>
+              <a:ext uri="{FF2B5EF4-FFF2-40B4-BE49-F238E27FC236}">
+                <a16:creationId xmlns:a16="http://schemas.microsoft.com/office/drawing/2014/main" id="{D0007A5E-C500-124B-9D4F-DCD0AABCD26D}"/>
+              </a:ext>
+            </a:extLst>
+          </p:cNvPr>
+          <p:cNvPicPr>
+            <a:picLocks noChangeAspect="1"/>
+          </p:cNvPicPr>
+          <p:nvPr/>
+        </p:nvPicPr>
+        <p:blipFill>
+          <a:blip r:embed="rId3">
+            <a:extLst>
+              <a:ext uri="{28A0092B-C50C-407E-A947-70E740481C1C}">
+                <a14:useLocalDpi xmlns:a14="http://schemas.microsoft.com/office/drawing/2010/main" val="0"/>
+              </a:ext>
+            </a:extLst>
+          </a:blip>
+          <a:stretch>
+            <a:fillRect/>
+          </a:stretch>
+        </p:blipFill>
+        <p:spPr>
+          <a:xfrm>
+            <a:off x="1637711" y="4591851"/>
+            <a:ext cx="863600" cy="863600"/>
+          </a:xfrm>
+          <a:prstGeom prst="rect">
+            <a:avLst/>
+          </a:prstGeom>
+        </p:spPr>
+      </p:pic>
+      <p:pic>
+        <p:nvPicPr>
+          <p:cNvPr id="10" name="Picture 9" descr="Shape&#10;&#10;Description automatically generated">
+            <a:extLst>
+              <a:ext uri="{FF2B5EF4-FFF2-40B4-BE49-F238E27FC236}">
+                <a16:creationId xmlns:a16="http://schemas.microsoft.com/office/drawing/2014/main" id="{E1632CEA-1C91-7F7F-41B8-BA08AC50953D}"/>
+              </a:ext>
+            </a:extLst>
+          </p:cNvPr>
+          <p:cNvPicPr>
+            <a:picLocks noChangeAspect="1"/>
+          </p:cNvPicPr>
+          <p:nvPr/>
+        </p:nvPicPr>
+        <p:blipFill>
+          <a:blip r:embed="rId3">
+            <a:extLst>
+              <a:ext uri="{28A0092B-C50C-407E-A947-70E740481C1C}">
+                <a14:useLocalDpi xmlns:a14="http://schemas.microsoft.com/office/drawing/2010/main" val="0"/>
+              </a:ext>
+            </a:extLst>
+          </a:blip>
+          <a:stretch>
+            <a:fillRect/>
+          </a:stretch>
+        </p:blipFill>
+        <p:spPr>
+          <a:xfrm>
+            <a:off x="9137769" y="4591851"/>
+            <a:ext cx="863600" cy="863600"/>
+          </a:xfrm>
+          <a:prstGeom prst="rect">
+            <a:avLst/>
+          </a:prstGeom>
+        </p:spPr>
+      </p:pic>
+      <p:sp>
+        <p:nvSpPr>
+          <p:cNvPr id="11" name="Rectangle 10">
+            <a:extLst>
+              <a:ext uri="{FF2B5EF4-FFF2-40B4-BE49-F238E27FC236}">
+                <a16:creationId xmlns:a16="http://schemas.microsoft.com/office/drawing/2014/main" id="{66CD39EA-BE85-B336-C90A-21E1AE5DFE4C}"/>
+              </a:ext>
+            </a:extLst>
+          </p:cNvPr>
+          <p:cNvSpPr/>
+          <p:nvPr/>
+        </p:nvSpPr>
+        <p:spPr>
+          <a:xfrm>
+            <a:off x="2669006" y="3387917"/>
+            <a:ext cx="1501942" cy="432134"/>
+          </a:xfrm>
+          <a:prstGeom prst="rect">
+            <a:avLst/>
+          </a:prstGeom>
+        </p:spPr>
+        <p:style>
+          <a:lnRef idx="2">
+            <a:schemeClr val="accent6">
+              <a:shade val="50000"/>
+            </a:schemeClr>
+          </a:lnRef>
+          <a:fillRef idx="1">
+            <a:schemeClr val="accent6"/>
+          </a:fillRef>
+          <a:effectRef idx="0">
+            <a:schemeClr val="accent6"/>
+          </a:effectRef>
+          <a:fontRef idx="minor">
+            <a:schemeClr val="lt1"/>
+          </a:fontRef>
+        </p:style>
+        <p:txBody>
+          <a:bodyPr rtlCol="0" anchor="ctr"/>
+          <a:lstStyle/>
+          <a:p>
+            <a:pPr algn="ctr"/>
+            <a:r>
+              <a:rPr lang="en-US" sz="1600" dirty="0"/>
+              <a:t>ABP Event Bus</a:t>
+            </a:r>
+            <a:endParaRPr lang="en-US" sz="1400" dirty="0"/>
+          </a:p>
+        </p:txBody>
+      </p:sp>
+      <p:cxnSp>
+        <p:nvCxnSpPr>
+          <p:cNvPr id="12" name="Straight Arrow Connector 11">
+            <a:extLst>
+              <a:ext uri="{FF2B5EF4-FFF2-40B4-BE49-F238E27FC236}">
+                <a16:creationId xmlns:a16="http://schemas.microsoft.com/office/drawing/2014/main" id="{832BAD00-3737-F332-EB87-933C6AD9A8FE}"/>
+              </a:ext>
+            </a:extLst>
+          </p:cNvPr>
+          <p:cNvCxnSpPr>
+            <a:cxnSpLocks/>
+            <a:endCxn id="9" idx="0"/>
+          </p:cNvCxnSpPr>
+          <p:nvPr/>
+        </p:nvCxnSpPr>
+        <p:spPr>
+          <a:xfrm>
+            <a:off x="2065530" y="2606116"/>
+            <a:ext cx="3981" cy="1985735"/>
+          </a:xfrm>
+          <a:prstGeom prst="straightConnector1">
+            <a:avLst/>
+          </a:prstGeom>
+          <a:ln w="38100">
+            <a:solidFill>
+              <a:schemeClr val="tx1"/>
+            </a:solidFill>
+            <a:tailEnd type="triangle"/>
+          </a:ln>
+        </p:spPr>
+        <p:style>
+          <a:lnRef idx="1">
+            <a:schemeClr val="accent1"/>
+          </a:lnRef>
+          <a:fillRef idx="0">
+            <a:schemeClr val="accent1"/>
+          </a:fillRef>
+          <a:effectRef idx="0">
+            <a:schemeClr val="accent1"/>
+          </a:effectRef>
+          <a:fontRef idx="minor">
+            <a:schemeClr val="tx1"/>
+          </a:fontRef>
+        </p:style>
+      </p:cxnSp>
+      <p:cxnSp>
+        <p:nvCxnSpPr>
+          <p:cNvPr id="13" name="Straight Arrow Connector 12">
+            <a:extLst>
+              <a:ext uri="{FF2B5EF4-FFF2-40B4-BE49-F238E27FC236}">
+                <a16:creationId xmlns:a16="http://schemas.microsoft.com/office/drawing/2014/main" id="{B9CC3252-462C-C780-4941-2800EAB2B92C}"/>
+              </a:ext>
+            </a:extLst>
+          </p:cNvPr>
+          <p:cNvCxnSpPr/>
+          <p:nvPr/>
+        </p:nvCxnSpPr>
+        <p:spPr>
+          <a:xfrm>
+            <a:off x="3064043" y="2606116"/>
+            <a:ext cx="0" cy="781801"/>
+          </a:xfrm>
+          <a:prstGeom prst="straightConnector1">
+            <a:avLst/>
+          </a:prstGeom>
+          <a:ln w="38100">
+            <a:solidFill>
+              <a:schemeClr val="tx1"/>
+            </a:solidFill>
+            <a:headEnd type="triangle"/>
+            <a:tailEnd type="triangle"/>
+          </a:ln>
+        </p:spPr>
+        <p:style>
+          <a:lnRef idx="1">
+            <a:schemeClr val="accent1"/>
+          </a:lnRef>
+          <a:fillRef idx="0">
+            <a:schemeClr val="accent1"/>
+          </a:fillRef>
+          <a:effectRef idx="0">
+            <a:schemeClr val="accent1"/>
+          </a:effectRef>
+          <a:fontRef idx="minor">
+            <a:schemeClr val="tx1"/>
+          </a:fontRef>
+        </p:style>
+      </p:cxnSp>
+      <p:cxnSp>
+        <p:nvCxnSpPr>
+          <p:cNvPr id="14" name="Connector: Elbow 13">
+            <a:extLst>
+              <a:ext uri="{FF2B5EF4-FFF2-40B4-BE49-F238E27FC236}">
+                <a16:creationId xmlns:a16="http://schemas.microsoft.com/office/drawing/2014/main" id="{AE462AEE-5B8D-BFC1-7939-8761622B9311}"/>
+              </a:ext>
+            </a:extLst>
+          </p:cNvPr>
+          <p:cNvCxnSpPr>
+            <a:cxnSpLocks/>
+            <a:stCxn id="11" idx="2"/>
+            <a:endCxn id="9" idx="3"/>
+          </p:cNvCxnSpPr>
+          <p:nvPr/>
+        </p:nvCxnSpPr>
+        <p:spPr>
+          <a:xfrm rot="5400000">
+            <a:off x="2358844" y="3962518"/>
+            <a:ext cx="1203600" cy="918666"/>
+          </a:xfrm>
+          <a:prstGeom prst="bentConnector2">
+            <a:avLst/>
+          </a:prstGeom>
+          <a:ln w="38100">
+            <a:solidFill>
+              <a:schemeClr val="tx1"/>
+            </a:solidFill>
+            <a:headEnd type="triangle"/>
+            <a:tailEnd type="triangle"/>
+          </a:ln>
+        </p:spPr>
+        <p:style>
+          <a:lnRef idx="1">
+            <a:schemeClr val="accent1"/>
+          </a:lnRef>
+          <a:fillRef idx="0">
+            <a:schemeClr val="accent1"/>
+          </a:fillRef>
+          <a:effectRef idx="0">
+            <a:schemeClr val="accent1"/>
+          </a:effectRef>
+          <a:fontRef idx="minor">
+            <a:schemeClr val="tx1"/>
+          </a:fontRef>
+        </p:style>
+      </p:cxnSp>
+      <p:cxnSp>
+        <p:nvCxnSpPr>
+          <p:cNvPr id="15" name="Straight Arrow Connector 14">
+            <a:extLst>
+              <a:ext uri="{FF2B5EF4-FFF2-40B4-BE49-F238E27FC236}">
+                <a16:creationId xmlns:a16="http://schemas.microsoft.com/office/drawing/2014/main" id="{78909CDF-BF4A-4941-E5F3-8AC75A1B11ED}"/>
+              </a:ext>
+            </a:extLst>
+          </p:cNvPr>
+          <p:cNvCxnSpPr>
+            <a:cxnSpLocks/>
+            <a:stCxn id="11" idx="3"/>
+            <a:endCxn id="8" idx="1"/>
+          </p:cNvCxnSpPr>
+          <p:nvPr/>
+        </p:nvCxnSpPr>
+        <p:spPr>
+          <a:xfrm>
+            <a:off x="4170948" y="3603984"/>
+            <a:ext cx="578289" cy="4111"/>
+          </a:xfrm>
+          <a:prstGeom prst="straightConnector1">
+            <a:avLst/>
+          </a:prstGeom>
+          <a:ln w="38100">
+            <a:solidFill>
+              <a:schemeClr val="tx1"/>
+            </a:solidFill>
+            <a:headEnd type="triangle"/>
+            <a:tailEnd type="triangle"/>
+          </a:ln>
+        </p:spPr>
+        <p:style>
+          <a:lnRef idx="1">
+            <a:schemeClr val="accent1"/>
+          </a:lnRef>
+          <a:fillRef idx="0">
+            <a:schemeClr val="accent1"/>
+          </a:fillRef>
+          <a:effectRef idx="0">
+            <a:schemeClr val="accent1"/>
+          </a:effectRef>
+          <a:fontRef idx="minor">
+            <a:schemeClr val="tx1"/>
+          </a:fontRef>
+        </p:style>
+      </p:cxnSp>
+      <p:sp>
+        <p:nvSpPr>
+          <p:cNvPr id="16" name="Rectangle 15">
+            <a:extLst>
+              <a:ext uri="{FF2B5EF4-FFF2-40B4-BE49-F238E27FC236}">
+                <a16:creationId xmlns:a16="http://schemas.microsoft.com/office/drawing/2014/main" id="{30BBE0C9-D4F0-2093-085E-5222ED8DCCD7}"/>
+              </a:ext>
+            </a:extLst>
+          </p:cNvPr>
+          <p:cNvSpPr/>
+          <p:nvPr/>
+        </p:nvSpPr>
+        <p:spPr>
+          <a:xfrm>
+            <a:off x="7628311" y="3353301"/>
+            <a:ext cx="1501942" cy="432134"/>
+          </a:xfrm>
+          <a:prstGeom prst="rect">
+            <a:avLst/>
+          </a:prstGeom>
+        </p:spPr>
+        <p:style>
+          <a:lnRef idx="2">
+            <a:schemeClr val="accent6">
+              <a:shade val="50000"/>
+            </a:schemeClr>
+          </a:lnRef>
+          <a:fillRef idx="1">
+            <a:schemeClr val="accent6"/>
+          </a:fillRef>
+          <a:effectRef idx="0">
+            <a:schemeClr val="accent6"/>
+          </a:effectRef>
+          <a:fontRef idx="minor">
+            <a:schemeClr val="lt1"/>
+          </a:fontRef>
+        </p:style>
+        <p:txBody>
+          <a:bodyPr rtlCol="0" anchor="ctr"/>
+          <a:lstStyle/>
+          <a:p>
+            <a:pPr algn="ctr"/>
+            <a:r>
+              <a:rPr lang="en-US" sz="1600" dirty="0"/>
+              <a:t>ABP Event Bus</a:t>
+            </a:r>
+            <a:endParaRPr lang="en-US" sz="1400" dirty="0"/>
+          </a:p>
+        </p:txBody>
+      </p:sp>
+      <p:cxnSp>
+        <p:nvCxnSpPr>
+          <p:cNvPr id="17" name="Straight Arrow Connector 16">
+            <a:extLst>
+              <a:ext uri="{FF2B5EF4-FFF2-40B4-BE49-F238E27FC236}">
+                <a16:creationId xmlns:a16="http://schemas.microsoft.com/office/drawing/2014/main" id="{37484B9A-433B-4217-E545-3106BAF634EB}"/>
+              </a:ext>
+            </a:extLst>
+          </p:cNvPr>
+          <p:cNvCxnSpPr>
+            <a:cxnSpLocks/>
+          </p:cNvCxnSpPr>
+          <p:nvPr/>
+        </p:nvCxnSpPr>
+        <p:spPr>
+          <a:xfrm>
+            <a:off x="7050022" y="3611403"/>
+            <a:ext cx="578289" cy="4111"/>
+          </a:xfrm>
+          <a:prstGeom prst="straightConnector1">
+            <a:avLst/>
+          </a:prstGeom>
+          <a:ln w="38100">
+            <a:solidFill>
+              <a:schemeClr val="tx1"/>
+            </a:solidFill>
+            <a:headEnd type="triangle"/>
+            <a:tailEnd type="triangle"/>
+          </a:ln>
+        </p:spPr>
+        <p:style>
+          <a:lnRef idx="1">
+            <a:schemeClr val="accent1"/>
+          </a:lnRef>
+          <a:fillRef idx="0">
+            <a:schemeClr val="accent1"/>
+          </a:fillRef>
+          <a:effectRef idx="0">
+            <a:schemeClr val="accent1"/>
+          </a:effectRef>
+          <a:fontRef idx="minor">
+            <a:schemeClr val="tx1"/>
+          </a:fontRef>
+        </p:style>
+      </p:cxnSp>
+      <p:cxnSp>
+        <p:nvCxnSpPr>
+          <p:cNvPr id="18" name="Straight Arrow Connector 17">
+            <a:extLst>
+              <a:ext uri="{FF2B5EF4-FFF2-40B4-BE49-F238E27FC236}">
+                <a16:creationId xmlns:a16="http://schemas.microsoft.com/office/drawing/2014/main" id="{343D234D-F1A2-38A5-3A20-BA63303A87CC}"/>
+              </a:ext>
+            </a:extLst>
+          </p:cNvPr>
+          <p:cNvCxnSpPr/>
+          <p:nvPr/>
+        </p:nvCxnSpPr>
+        <p:spPr>
+          <a:xfrm>
+            <a:off x="8538411" y="2616117"/>
+            <a:ext cx="0" cy="737184"/>
+          </a:xfrm>
+          <a:prstGeom prst="straightConnector1">
+            <a:avLst/>
+          </a:prstGeom>
+          <a:ln w="38100">
+            <a:solidFill>
+              <a:schemeClr val="tx1"/>
+            </a:solidFill>
+            <a:headEnd type="triangle"/>
+            <a:tailEnd type="triangle"/>
+          </a:ln>
+        </p:spPr>
+        <p:style>
+          <a:lnRef idx="1">
+            <a:schemeClr val="accent1"/>
+          </a:lnRef>
+          <a:fillRef idx="0">
+            <a:schemeClr val="accent1"/>
+          </a:fillRef>
+          <a:effectRef idx="0">
+            <a:schemeClr val="accent1"/>
+          </a:effectRef>
+          <a:fontRef idx="minor">
+            <a:schemeClr val="tx1"/>
+          </a:fontRef>
+        </p:style>
+      </p:cxnSp>
+      <p:cxnSp>
+        <p:nvCxnSpPr>
+          <p:cNvPr id="19" name="Straight Arrow Connector 18">
+            <a:extLst>
+              <a:ext uri="{FF2B5EF4-FFF2-40B4-BE49-F238E27FC236}">
+                <a16:creationId xmlns:a16="http://schemas.microsoft.com/office/drawing/2014/main" id="{0DE1BB85-3327-D6A9-E5B9-D7D36A3A9D3E}"/>
+              </a:ext>
+            </a:extLst>
+          </p:cNvPr>
+          <p:cNvCxnSpPr>
+            <a:cxnSpLocks/>
+            <a:endCxn id="10" idx="0"/>
+          </p:cNvCxnSpPr>
+          <p:nvPr/>
+        </p:nvCxnSpPr>
+        <p:spPr>
+          <a:xfrm>
+            <a:off x="9551836" y="2616117"/>
+            <a:ext cx="17733" cy="1975734"/>
+          </a:xfrm>
+          <a:prstGeom prst="straightConnector1">
+            <a:avLst/>
+          </a:prstGeom>
+          <a:ln w="38100">
+            <a:solidFill>
+              <a:schemeClr val="tx1"/>
+            </a:solidFill>
+            <a:tailEnd type="triangle"/>
+          </a:ln>
+        </p:spPr>
+        <p:style>
+          <a:lnRef idx="1">
+            <a:schemeClr val="accent1"/>
+          </a:lnRef>
+          <a:fillRef idx="0">
+            <a:schemeClr val="accent1"/>
+          </a:fillRef>
+          <a:effectRef idx="0">
+            <a:schemeClr val="accent1"/>
+          </a:effectRef>
+          <a:fontRef idx="minor">
+            <a:schemeClr val="tx1"/>
+          </a:fontRef>
+        </p:style>
+      </p:cxnSp>
+      <p:cxnSp>
+        <p:nvCxnSpPr>
+          <p:cNvPr id="20" name="Connector: Elbow 19">
+            <a:extLst>
+              <a:ext uri="{FF2B5EF4-FFF2-40B4-BE49-F238E27FC236}">
+                <a16:creationId xmlns:a16="http://schemas.microsoft.com/office/drawing/2014/main" id="{206A675C-F696-DCD7-30AD-4643B0B9280A}"/>
+              </a:ext>
+            </a:extLst>
+          </p:cNvPr>
+          <p:cNvCxnSpPr>
+            <a:stCxn id="10" idx="1"/>
+            <a:endCxn id="16" idx="2"/>
+          </p:cNvCxnSpPr>
+          <p:nvPr/>
+        </p:nvCxnSpPr>
+        <p:spPr>
+          <a:xfrm rot="10800000">
+            <a:off x="8379283" y="3785435"/>
+            <a:ext cx="758487" cy="1238216"/>
+          </a:xfrm>
+          <a:prstGeom prst="bentConnector2">
+            <a:avLst/>
+          </a:prstGeom>
+          <a:ln w="38100">
+            <a:solidFill>
+              <a:schemeClr val="tx1"/>
+            </a:solidFill>
+            <a:headEnd type="triangle"/>
+            <a:tailEnd type="triangle"/>
+          </a:ln>
+        </p:spPr>
+        <p:style>
+          <a:lnRef idx="1">
+            <a:schemeClr val="accent1"/>
+          </a:lnRef>
+          <a:fillRef idx="0">
+            <a:schemeClr val="accent1"/>
+          </a:fillRef>
+          <a:effectRef idx="0">
+            <a:schemeClr val="accent1"/>
+          </a:effectRef>
+          <a:fontRef idx="minor">
+            <a:schemeClr val="tx1"/>
+          </a:fontRef>
+        </p:style>
+      </p:cxnSp>
+      <p:sp>
+        <p:nvSpPr>
+          <p:cNvPr id="21" name="TextBox 20">
+            <a:extLst>
+              <a:ext uri="{FF2B5EF4-FFF2-40B4-BE49-F238E27FC236}">
+                <a16:creationId xmlns:a16="http://schemas.microsoft.com/office/drawing/2014/main" id="{26AD4526-32B7-B431-1653-A8D8A983F01C}"/>
+              </a:ext>
+            </a:extLst>
+          </p:cNvPr>
+          <p:cNvSpPr txBox="1"/>
+          <p:nvPr/>
+        </p:nvSpPr>
+        <p:spPr>
+          <a:xfrm>
+            <a:off x="2452048" y="5034074"/>
+            <a:ext cx="1303498" cy="338554"/>
+          </a:xfrm>
+          <a:prstGeom prst="rect">
+            <a:avLst/>
+          </a:prstGeom>
+          <a:noFill/>
+        </p:spPr>
+        <p:txBody>
+          <a:bodyPr wrap="none" rtlCol="0">
+            <a:spAutoFit/>
+          </a:bodyPr>
+          <a:lstStyle/>
+          <a:p>
+            <a:r>
+              <a:rPr lang="en-US" sz="1600" dirty="0"/>
+              <a:t>outbox/inbox</a:t>
+            </a:r>
+          </a:p>
+        </p:txBody>
+      </p:sp>
+      <p:sp>
+        <p:nvSpPr>
+          <p:cNvPr id="22" name="TextBox 21">
+            <a:extLst>
+              <a:ext uri="{FF2B5EF4-FFF2-40B4-BE49-F238E27FC236}">
+                <a16:creationId xmlns:a16="http://schemas.microsoft.com/office/drawing/2014/main" id="{4BDB8828-0D20-4236-E01D-ECF9AE71845A}"/>
+              </a:ext>
+            </a:extLst>
+          </p:cNvPr>
+          <p:cNvSpPr txBox="1"/>
+          <p:nvPr/>
+        </p:nvSpPr>
+        <p:spPr>
+          <a:xfrm rot="16200000">
+            <a:off x="1022748" y="3484729"/>
+            <a:ext cx="1690527" cy="369332"/>
+          </a:xfrm>
+          <a:prstGeom prst="rect">
+            <a:avLst/>
+          </a:prstGeom>
+          <a:noFill/>
+        </p:spPr>
+        <p:txBody>
+          <a:bodyPr wrap="none" rtlCol="0">
+            <a:spAutoFit/>
+          </a:bodyPr>
+          <a:lstStyle/>
+          <a:p>
+            <a:r>
+              <a:rPr lang="en-US" dirty="0"/>
+              <a:t>application data</a:t>
+            </a:r>
+          </a:p>
+        </p:txBody>
+      </p:sp>
+      <p:sp>
+        <p:nvSpPr>
+          <p:cNvPr id="23" name="TextBox 22">
+            <a:extLst>
+              <a:ext uri="{FF2B5EF4-FFF2-40B4-BE49-F238E27FC236}">
+                <a16:creationId xmlns:a16="http://schemas.microsoft.com/office/drawing/2014/main" id="{FC781365-CB47-A37A-0751-F7E66B02BDAC}"/>
+              </a:ext>
+            </a:extLst>
+          </p:cNvPr>
+          <p:cNvSpPr txBox="1"/>
+          <p:nvPr/>
+        </p:nvSpPr>
+        <p:spPr>
+          <a:xfrm rot="16200000">
+            <a:off x="8858813" y="3485594"/>
+            <a:ext cx="1690527" cy="369332"/>
+          </a:xfrm>
+          <a:prstGeom prst="rect">
+            <a:avLst/>
+          </a:prstGeom>
+          <a:noFill/>
+        </p:spPr>
+        <p:txBody>
+          <a:bodyPr wrap="none" rtlCol="0">
+            <a:spAutoFit/>
+          </a:bodyPr>
+          <a:lstStyle/>
+          <a:p>
+            <a:r>
+              <a:rPr lang="en-US" dirty="0"/>
+              <a:t>application data</a:t>
+            </a:r>
+          </a:p>
+        </p:txBody>
+      </p:sp>
+      <p:sp>
+        <p:nvSpPr>
+          <p:cNvPr id="24" name="TextBox 23">
+            <a:extLst>
+              <a:ext uri="{FF2B5EF4-FFF2-40B4-BE49-F238E27FC236}">
+                <a16:creationId xmlns:a16="http://schemas.microsoft.com/office/drawing/2014/main" id="{AAB6E6CA-5823-532B-C686-2B152F5B485A}"/>
+              </a:ext>
+            </a:extLst>
+          </p:cNvPr>
+          <p:cNvSpPr txBox="1"/>
+          <p:nvPr/>
+        </p:nvSpPr>
+        <p:spPr>
+          <a:xfrm>
+            <a:off x="7826754" y="5034074"/>
+            <a:ext cx="1303498" cy="338554"/>
+          </a:xfrm>
+          <a:prstGeom prst="rect">
+            <a:avLst/>
+          </a:prstGeom>
+          <a:noFill/>
+        </p:spPr>
+        <p:txBody>
+          <a:bodyPr wrap="none" rtlCol="0">
+            <a:spAutoFit/>
+          </a:bodyPr>
+          <a:lstStyle/>
+          <a:p>
+            <a:r>
+              <a:rPr lang="en-US" sz="1600" dirty="0"/>
+              <a:t>outbox/inbox</a:t>
+            </a:r>
+          </a:p>
+        </p:txBody>
+      </p:sp>
+      <p:sp>
+        <p:nvSpPr>
+          <p:cNvPr id="25" name="TextBox 24">
+            <a:extLst>
+              <a:ext uri="{FF2B5EF4-FFF2-40B4-BE49-F238E27FC236}">
+                <a16:creationId xmlns:a16="http://schemas.microsoft.com/office/drawing/2014/main" id="{EFB416F2-9E1E-A523-BDB1-7CA97E55BB24}"/>
+              </a:ext>
+            </a:extLst>
+          </p:cNvPr>
+          <p:cNvSpPr txBox="1"/>
+          <p:nvPr/>
+        </p:nvSpPr>
+        <p:spPr>
+          <a:xfrm>
+            <a:off x="4891909" y="4212175"/>
+            <a:ext cx="1876476" cy="1569660"/>
+          </a:xfrm>
+          <a:prstGeom prst="rect">
+            <a:avLst/>
+          </a:prstGeom>
+          <a:solidFill>
+            <a:schemeClr val="bg1">
+              <a:lumMod val="85000"/>
+            </a:schemeClr>
+          </a:solidFill>
+        </p:spPr>
+        <p:txBody>
+          <a:bodyPr wrap="none" rtlCol="0">
+            <a:spAutoFit/>
+          </a:bodyPr>
+          <a:lstStyle/>
+          <a:p>
+            <a:pPr algn="ctr"/>
+            <a:r>
+              <a:rPr lang="en-US" sz="1600" dirty="0"/>
+              <a:t>re-connect</a:t>
+            </a:r>
+          </a:p>
+          <a:p>
+            <a:pPr algn="ctr"/>
+            <a:r>
+              <a:rPr lang="en-US" sz="1600" dirty="0"/>
+              <a:t>re-try</a:t>
+            </a:r>
+          </a:p>
+          <a:p>
+            <a:pPr algn="ctr"/>
+            <a:r>
+              <a:rPr lang="en-US" sz="1600" dirty="0"/>
+              <a:t>publish/subscribe</a:t>
+            </a:r>
+          </a:p>
+          <a:p>
+            <a:pPr algn="ctr"/>
+            <a:r>
+              <a:rPr lang="en-US" sz="1600" dirty="0"/>
+              <a:t>background workers</a:t>
+            </a:r>
+          </a:p>
+          <a:p>
+            <a:pPr algn="ctr"/>
+            <a:r>
+              <a:rPr lang="en-US" sz="1600" dirty="0"/>
+              <a:t>auto-events</a:t>
+            </a:r>
+          </a:p>
+          <a:p>
+            <a:pPr algn="ctr"/>
+            <a:r>
+              <a:rPr lang="en-US" sz="1600" dirty="0"/>
+              <a:t>distributed locking</a:t>
+            </a:r>
+          </a:p>
+        </p:txBody>
+      </p:sp>
+      <p:cxnSp>
+        <p:nvCxnSpPr>
+          <p:cNvPr id="26" name="Connector: Elbow 25">
+            <a:extLst>
+              <a:ext uri="{FF2B5EF4-FFF2-40B4-BE49-F238E27FC236}">
+                <a16:creationId xmlns:a16="http://schemas.microsoft.com/office/drawing/2014/main" id="{B27B9A48-8061-A3E2-306B-11734E575080}"/>
+              </a:ext>
+            </a:extLst>
+          </p:cNvPr>
+          <p:cNvCxnSpPr>
+            <a:endCxn id="25" idx="1"/>
+          </p:cNvCxnSpPr>
+          <p:nvPr/>
+        </p:nvCxnSpPr>
+        <p:spPr>
+          <a:xfrm rot="16200000" flipH="1">
+            <a:off x="3988771" y="4093867"/>
+            <a:ext cx="1374450" cy="431825"/>
+          </a:xfrm>
+          <a:prstGeom prst="bentConnector2">
+            <a:avLst/>
+          </a:prstGeom>
+          <a:ln w="12700">
+            <a:solidFill>
+              <a:schemeClr val="bg1">
+                <a:lumMod val="65000"/>
+              </a:schemeClr>
+            </a:solidFill>
+          </a:ln>
+        </p:spPr>
+        <p:style>
+          <a:lnRef idx="1">
+            <a:schemeClr val="accent1"/>
+          </a:lnRef>
+          <a:fillRef idx="0">
+            <a:schemeClr val="accent1"/>
+          </a:fillRef>
+          <a:effectRef idx="0">
+            <a:schemeClr val="accent1"/>
+          </a:effectRef>
+          <a:fontRef idx="minor">
+            <a:schemeClr val="tx1"/>
+          </a:fontRef>
+        </p:style>
+      </p:cxnSp>
+      <p:cxnSp>
+        <p:nvCxnSpPr>
+          <p:cNvPr id="27" name="Connector: Elbow 26">
+            <a:extLst>
+              <a:ext uri="{FF2B5EF4-FFF2-40B4-BE49-F238E27FC236}">
+                <a16:creationId xmlns:a16="http://schemas.microsoft.com/office/drawing/2014/main" id="{98815A82-36DB-F0F2-1730-4C2D6269A9F0}"/>
+              </a:ext>
+            </a:extLst>
+          </p:cNvPr>
+          <p:cNvCxnSpPr>
+            <a:endCxn id="25" idx="3"/>
+          </p:cNvCxnSpPr>
+          <p:nvPr/>
+        </p:nvCxnSpPr>
+        <p:spPr>
+          <a:xfrm rot="5400000">
+            <a:off x="6367588" y="4025409"/>
+            <a:ext cx="1372394" cy="570799"/>
+          </a:xfrm>
+          <a:prstGeom prst="bentConnector2">
+            <a:avLst/>
+          </a:prstGeom>
+          <a:ln w="12700">
+            <a:solidFill>
+              <a:schemeClr val="bg1">
+                <a:lumMod val="65000"/>
+              </a:schemeClr>
+            </a:solidFill>
+          </a:ln>
+        </p:spPr>
+        <p:style>
+          <a:lnRef idx="1">
+            <a:schemeClr val="accent1"/>
+          </a:lnRef>
+          <a:fillRef idx="0">
+            <a:schemeClr val="accent1"/>
+          </a:fillRef>
+          <a:effectRef idx="0">
+            <a:schemeClr val="accent1"/>
+          </a:effectRef>
+          <a:fontRef idx="minor">
+            <a:schemeClr val="tx1"/>
+          </a:fontRef>
+        </p:style>
+      </p:cxnSp>
+      <p:sp>
+        <p:nvSpPr>
+          <p:cNvPr id="28" name="TextBox 27">
+            <a:extLst>
+              <a:ext uri="{FF2B5EF4-FFF2-40B4-BE49-F238E27FC236}">
+                <a16:creationId xmlns:a16="http://schemas.microsoft.com/office/drawing/2014/main" id="{9B9464E8-7EAD-536B-97A7-102832A019D4}"/>
+              </a:ext>
+            </a:extLst>
+          </p:cNvPr>
+          <p:cNvSpPr txBox="1"/>
+          <p:nvPr/>
+        </p:nvSpPr>
+        <p:spPr>
+          <a:xfrm rot="16200000">
+            <a:off x="2586549" y="2808708"/>
+            <a:ext cx="654218" cy="338554"/>
+          </a:xfrm>
+          <a:prstGeom prst="rect">
+            <a:avLst/>
+          </a:prstGeom>
+          <a:noFill/>
+        </p:spPr>
+        <p:txBody>
+          <a:bodyPr wrap="none" rtlCol="0">
+            <a:spAutoFit/>
+          </a:bodyPr>
+          <a:lstStyle/>
+          <a:p>
+            <a:r>
+              <a:rPr lang="en-US" sz="1600" dirty="0"/>
+              <a:t>event</a:t>
+            </a:r>
+          </a:p>
+        </p:txBody>
+      </p:sp>
+      <p:sp>
+        <p:nvSpPr>
+          <p:cNvPr id="29" name="TextBox 28">
+            <a:extLst>
+              <a:ext uri="{FF2B5EF4-FFF2-40B4-BE49-F238E27FC236}">
+                <a16:creationId xmlns:a16="http://schemas.microsoft.com/office/drawing/2014/main" id="{18354684-E447-5042-98D7-748E41D23012}"/>
+              </a:ext>
+            </a:extLst>
+          </p:cNvPr>
+          <p:cNvSpPr txBox="1"/>
+          <p:nvPr/>
+        </p:nvSpPr>
+        <p:spPr>
+          <a:xfrm rot="16200000">
+            <a:off x="8058136" y="2815432"/>
+            <a:ext cx="654218" cy="338554"/>
+          </a:xfrm>
+          <a:prstGeom prst="rect">
+            <a:avLst/>
+          </a:prstGeom>
+          <a:noFill/>
+        </p:spPr>
+        <p:txBody>
+          <a:bodyPr wrap="none" rtlCol="0">
+            <a:spAutoFit/>
+          </a:bodyPr>
+          <a:lstStyle/>
+          <a:p>
+            <a:r>
+              <a:rPr lang="en-US" sz="1600" dirty="0"/>
+              <a:t>event</a:t>
+            </a:r>
+          </a:p>
+        </p:txBody>
+      </p:sp>
+    </p:spTree>
+    <p:extLst>
+      <p:ext uri="{BB962C8B-B14F-4D97-AF65-F5344CB8AC3E}">
+        <p14:creationId xmlns:p14="http://schemas.microsoft.com/office/powerpoint/2010/main" val="2627796573"/>
       </p:ext>
     </p:extLst>
   </p:cSld>
@@ -5171,52 +8845,1402 @@
                 <a:latin typeface="Euclid Circular B" panose="020B0504000000000000" pitchFamily="34" charset="0"/>
                 <a:ea typeface="Euclid Circular B" panose="020B0504000000000000" pitchFamily="34" charset="0"/>
               </a:rPr>
-              <a:t>Topic title</a:t>
-            </a:r>
-          </a:p>
-        </p:txBody>
-      </p:sp>
-      <p:sp>
-        <p:nvSpPr>
-          <p:cNvPr id="3" name="Content Placeholder 2">
-            <a:extLst>
-              <a:ext uri="{FF2B5EF4-FFF2-40B4-BE49-F238E27FC236}">
-                <a16:creationId xmlns:a16="http://schemas.microsoft.com/office/drawing/2014/main" id="{891C7693-D3DF-4635-96F4-97F3B4136FDF}"/>
-              </a:ext>
-            </a:extLst>
-          </p:cNvPr>
-          <p:cNvSpPr>
-            <a:spLocks noGrp="1"/>
-          </p:cNvSpPr>
-          <p:nvPr>
-            <p:ph idx="1"/>
-          </p:nvPr>
-        </p:nvSpPr>
-        <p:spPr/>
-        <p:txBody>
-          <a:bodyPr/>
+              <a:t>Distributed Event Bus</a:t>
+            </a:r>
+          </a:p>
+        </p:txBody>
+      </p:sp>
+      <p:sp>
+        <p:nvSpPr>
+          <p:cNvPr id="6" name="Rectangle 5">
+            <a:extLst>
+              <a:ext uri="{FF2B5EF4-FFF2-40B4-BE49-F238E27FC236}">
+                <a16:creationId xmlns:a16="http://schemas.microsoft.com/office/drawing/2014/main" id="{24862F7B-9C6F-E5CF-AFAC-C49F8B0A5CB5}"/>
+              </a:ext>
+            </a:extLst>
+          </p:cNvPr>
+          <p:cNvSpPr/>
+          <p:nvPr/>
+        </p:nvSpPr>
+        <p:spPr>
+          <a:xfrm>
+            <a:off x="951570" y="1893947"/>
+            <a:ext cx="2300785" cy="317266"/>
+          </a:xfrm>
+          <a:prstGeom prst="rect">
+            <a:avLst/>
+          </a:prstGeom>
+        </p:spPr>
+        <p:style>
+          <a:lnRef idx="2">
+            <a:schemeClr val="accent1">
+              <a:shade val="50000"/>
+            </a:schemeClr>
+          </a:lnRef>
+          <a:fillRef idx="1">
+            <a:schemeClr val="accent1"/>
+          </a:fillRef>
+          <a:effectRef idx="0">
+            <a:schemeClr val="accent1"/>
+          </a:effectRef>
+          <a:fontRef idx="minor">
+            <a:schemeClr val="lt1"/>
+          </a:fontRef>
+        </p:style>
+        <p:txBody>
+          <a:bodyPr rtlCol="0" anchor="ctr"/>
           <a:lstStyle/>
           <a:p>
-            <a:r>
-              <a:rPr lang="en-US" dirty="0">
-                <a:latin typeface="Euclid Circular B" panose="020B0504000000000000" pitchFamily="34" charset="0"/>
-                <a:ea typeface="Euclid Circular B" panose="020B0504000000000000" pitchFamily="34" charset="0"/>
-              </a:rPr>
-              <a:t>Content</a:t>
-            </a:r>
-          </a:p>
-        </p:txBody>
-      </p:sp>
+            <a:pPr algn="ctr"/>
+            <a:r>
+              <a:rPr lang="en-US" sz="1600" dirty="0"/>
+              <a:t>Microservice A</a:t>
+            </a:r>
+          </a:p>
+        </p:txBody>
+      </p:sp>
+      <p:sp>
+        <p:nvSpPr>
+          <p:cNvPr id="7" name="Rectangle 6">
+            <a:extLst>
+              <a:ext uri="{FF2B5EF4-FFF2-40B4-BE49-F238E27FC236}">
+                <a16:creationId xmlns:a16="http://schemas.microsoft.com/office/drawing/2014/main" id="{B15CB18A-D9D7-AB11-E6C6-6D5276D3CE8F}"/>
+              </a:ext>
+            </a:extLst>
+          </p:cNvPr>
+          <p:cNvSpPr/>
+          <p:nvPr/>
+        </p:nvSpPr>
+        <p:spPr>
+          <a:xfrm>
+            <a:off x="9279258" y="1930583"/>
+            <a:ext cx="2300785" cy="317266"/>
+          </a:xfrm>
+          <a:prstGeom prst="rect">
+            <a:avLst/>
+          </a:prstGeom>
+        </p:spPr>
+        <p:style>
+          <a:lnRef idx="2">
+            <a:schemeClr val="accent1">
+              <a:shade val="50000"/>
+            </a:schemeClr>
+          </a:lnRef>
+          <a:fillRef idx="1">
+            <a:schemeClr val="accent1"/>
+          </a:fillRef>
+          <a:effectRef idx="0">
+            <a:schemeClr val="accent1"/>
+          </a:effectRef>
+          <a:fontRef idx="minor">
+            <a:schemeClr val="lt1"/>
+          </a:fontRef>
+        </p:style>
+        <p:txBody>
+          <a:bodyPr rtlCol="0" anchor="ctr"/>
+          <a:lstStyle/>
+          <a:p>
+            <a:pPr algn="ctr"/>
+            <a:r>
+              <a:rPr lang="en-US" sz="1600" dirty="0"/>
+              <a:t>Microservice B</a:t>
+            </a:r>
+          </a:p>
+        </p:txBody>
+      </p:sp>
+      <p:sp>
+        <p:nvSpPr>
+          <p:cNvPr id="8" name="Rectangle 7">
+            <a:extLst>
+              <a:ext uri="{FF2B5EF4-FFF2-40B4-BE49-F238E27FC236}">
+                <a16:creationId xmlns:a16="http://schemas.microsoft.com/office/drawing/2014/main" id="{4BE8F668-D7FA-3183-2E29-1FF6DA4FDD5C}"/>
+              </a:ext>
+            </a:extLst>
+          </p:cNvPr>
+          <p:cNvSpPr/>
+          <p:nvPr/>
+        </p:nvSpPr>
+        <p:spPr>
+          <a:xfrm>
+            <a:off x="5322808" y="2919500"/>
+            <a:ext cx="1912835" cy="577114"/>
+          </a:xfrm>
+          <a:prstGeom prst="rect">
+            <a:avLst/>
+          </a:prstGeom>
+        </p:spPr>
+        <p:style>
+          <a:lnRef idx="2">
+            <a:schemeClr val="accent2">
+              <a:shade val="50000"/>
+            </a:schemeClr>
+          </a:lnRef>
+          <a:fillRef idx="1">
+            <a:schemeClr val="accent2"/>
+          </a:fillRef>
+          <a:effectRef idx="0">
+            <a:schemeClr val="accent2"/>
+          </a:effectRef>
+          <a:fontRef idx="minor">
+            <a:schemeClr val="lt1"/>
+          </a:fontRef>
+        </p:style>
+        <p:txBody>
+          <a:bodyPr rtlCol="0" anchor="ctr"/>
+          <a:lstStyle/>
+          <a:p>
+            <a:pPr algn="ctr"/>
+            <a:r>
+              <a:rPr lang="en-US" sz="1600" dirty="0"/>
+              <a:t>Message Broker</a:t>
+            </a:r>
+          </a:p>
+          <a:p>
+            <a:pPr algn="ctr"/>
+            <a:r>
+              <a:rPr lang="en-US" sz="1200" dirty="0"/>
+              <a:t>(RabbitMQ, Kafka, </a:t>
+            </a:r>
+            <a:r>
+              <a:rPr lang="en-US" sz="1200" dirty="0" err="1"/>
+              <a:t>etc</a:t>
+            </a:r>
+            <a:r>
+              <a:rPr lang="en-US" sz="1200" dirty="0"/>
+              <a:t>)</a:t>
+            </a:r>
+          </a:p>
+        </p:txBody>
+      </p:sp>
+      <p:pic>
+        <p:nvPicPr>
+          <p:cNvPr id="9" name="Picture 8" descr="Shape&#10;&#10;Description automatically generated">
+            <a:extLst>
+              <a:ext uri="{FF2B5EF4-FFF2-40B4-BE49-F238E27FC236}">
+                <a16:creationId xmlns:a16="http://schemas.microsoft.com/office/drawing/2014/main" id="{D0007A5E-C500-124B-9D4F-DCD0AABCD26D}"/>
+              </a:ext>
+            </a:extLst>
+          </p:cNvPr>
+          <p:cNvPicPr>
+            <a:picLocks noChangeAspect="1"/>
+          </p:cNvPicPr>
+          <p:nvPr/>
+        </p:nvPicPr>
+        <p:blipFill>
+          <a:blip r:embed="rId3">
+            <a:extLst>
+              <a:ext uri="{28A0092B-C50C-407E-A947-70E740481C1C}">
+                <a14:useLocalDpi xmlns:a14="http://schemas.microsoft.com/office/drawing/2010/main" val="0"/>
+              </a:ext>
+            </a:extLst>
+          </a:blip>
+          <a:stretch>
+            <a:fillRect/>
+          </a:stretch>
+        </p:blipFill>
+        <p:spPr>
+          <a:xfrm>
+            <a:off x="1070668" y="4195924"/>
+            <a:ext cx="863600" cy="863600"/>
+          </a:xfrm>
+          <a:prstGeom prst="rect">
+            <a:avLst/>
+          </a:prstGeom>
+        </p:spPr>
+      </p:pic>
+      <p:pic>
+        <p:nvPicPr>
+          <p:cNvPr id="10" name="Picture 9" descr="Shape&#10;&#10;Description automatically generated">
+            <a:extLst>
+              <a:ext uri="{FF2B5EF4-FFF2-40B4-BE49-F238E27FC236}">
+                <a16:creationId xmlns:a16="http://schemas.microsoft.com/office/drawing/2014/main" id="{E1632CEA-1C91-7F7F-41B8-BA08AC50953D}"/>
+              </a:ext>
+            </a:extLst>
+          </p:cNvPr>
+          <p:cNvPicPr>
+            <a:picLocks noChangeAspect="1"/>
+          </p:cNvPicPr>
+          <p:nvPr/>
+        </p:nvPicPr>
+        <p:blipFill>
+          <a:blip r:embed="rId3">
+            <a:extLst>
+              <a:ext uri="{28A0092B-C50C-407E-A947-70E740481C1C}">
+                <a14:useLocalDpi xmlns:a14="http://schemas.microsoft.com/office/drawing/2010/main" val="0"/>
+              </a:ext>
+            </a:extLst>
+          </a:blip>
+          <a:stretch>
+            <a:fillRect/>
+          </a:stretch>
+        </p:blipFill>
+        <p:spPr>
+          <a:xfrm>
+            <a:off x="10437167" y="4223583"/>
+            <a:ext cx="863600" cy="863600"/>
+          </a:xfrm>
+          <a:prstGeom prst="rect">
+            <a:avLst/>
+          </a:prstGeom>
+        </p:spPr>
+      </p:pic>
+      <p:sp>
+        <p:nvSpPr>
+          <p:cNvPr id="11" name="Rectangle 10">
+            <a:extLst>
+              <a:ext uri="{FF2B5EF4-FFF2-40B4-BE49-F238E27FC236}">
+                <a16:creationId xmlns:a16="http://schemas.microsoft.com/office/drawing/2014/main" id="{66CD39EA-BE85-B336-C90A-21E1AE5DFE4C}"/>
+              </a:ext>
+            </a:extLst>
+          </p:cNvPr>
+          <p:cNvSpPr/>
+          <p:nvPr/>
+        </p:nvSpPr>
+        <p:spPr>
+          <a:xfrm>
+            <a:off x="2101963" y="2991990"/>
+            <a:ext cx="1501942" cy="432134"/>
+          </a:xfrm>
+          <a:prstGeom prst="rect">
+            <a:avLst/>
+          </a:prstGeom>
+        </p:spPr>
+        <p:style>
+          <a:lnRef idx="2">
+            <a:schemeClr val="accent6">
+              <a:shade val="50000"/>
+            </a:schemeClr>
+          </a:lnRef>
+          <a:fillRef idx="1">
+            <a:schemeClr val="accent6"/>
+          </a:fillRef>
+          <a:effectRef idx="0">
+            <a:schemeClr val="accent6"/>
+          </a:effectRef>
+          <a:fontRef idx="minor">
+            <a:schemeClr val="lt1"/>
+          </a:fontRef>
+        </p:style>
+        <p:txBody>
+          <a:bodyPr rtlCol="0" anchor="ctr"/>
+          <a:lstStyle/>
+          <a:p>
+            <a:pPr algn="ctr"/>
+            <a:r>
+              <a:rPr lang="en-US" sz="1600" dirty="0"/>
+              <a:t>ABP Event Bus</a:t>
+            </a:r>
+            <a:endParaRPr lang="en-US" sz="1400" dirty="0"/>
+          </a:p>
+        </p:txBody>
+      </p:sp>
+      <p:cxnSp>
+        <p:nvCxnSpPr>
+          <p:cNvPr id="12" name="Straight Arrow Connector 11">
+            <a:extLst>
+              <a:ext uri="{FF2B5EF4-FFF2-40B4-BE49-F238E27FC236}">
+                <a16:creationId xmlns:a16="http://schemas.microsoft.com/office/drawing/2014/main" id="{832BAD00-3737-F332-EB87-933C6AD9A8FE}"/>
+              </a:ext>
+            </a:extLst>
+          </p:cNvPr>
+          <p:cNvCxnSpPr>
+            <a:cxnSpLocks/>
+            <a:endCxn id="9" idx="0"/>
+          </p:cNvCxnSpPr>
+          <p:nvPr/>
+        </p:nvCxnSpPr>
+        <p:spPr>
+          <a:xfrm>
+            <a:off x="1498487" y="2210189"/>
+            <a:ext cx="3981" cy="1985735"/>
+          </a:xfrm>
+          <a:prstGeom prst="straightConnector1">
+            <a:avLst/>
+          </a:prstGeom>
+          <a:ln w="38100">
+            <a:solidFill>
+              <a:schemeClr val="tx1"/>
+            </a:solidFill>
+            <a:tailEnd type="triangle"/>
+          </a:ln>
+        </p:spPr>
+        <p:style>
+          <a:lnRef idx="1">
+            <a:schemeClr val="accent1"/>
+          </a:lnRef>
+          <a:fillRef idx="0">
+            <a:schemeClr val="accent1"/>
+          </a:fillRef>
+          <a:effectRef idx="0">
+            <a:schemeClr val="accent1"/>
+          </a:effectRef>
+          <a:fontRef idx="minor">
+            <a:schemeClr val="tx1"/>
+          </a:fontRef>
+        </p:style>
+      </p:cxnSp>
+      <p:cxnSp>
+        <p:nvCxnSpPr>
+          <p:cNvPr id="13" name="Straight Arrow Connector 12">
+            <a:extLst>
+              <a:ext uri="{FF2B5EF4-FFF2-40B4-BE49-F238E27FC236}">
+                <a16:creationId xmlns:a16="http://schemas.microsoft.com/office/drawing/2014/main" id="{B9CC3252-462C-C780-4941-2800EAB2B92C}"/>
+              </a:ext>
+            </a:extLst>
+          </p:cNvPr>
+          <p:cNvCxnSpPr/>
+          <p:nvPr/>
+        </p:nvCxnSpPr>
+        <p:spPr>
+          <a:xfrm>
+            <a:off x="2497000" y="2210189"/>
+            <a:ext cx="0" cy="781801"/>
+          </a:xfrm>
+          <a:prstGeom prst="straightConnector1">
+            <a:avLst/>
+          </a:prstGeom>
+          <a:ln w="38100">
+            <a:solidFill>
+              <a:schemeClr val="tx1"/>
+            </a:solidFill>
+            <a:headEnd type="triangle"/>
+            <a:tailEnd type="triangle"/>
+          </a:ln>
+        </p:spPr>
+        <p:style>
+          <a:lnRef idx="1">
+            <a:schemeClr val="accent1"/>
+          </a:lnRef>
+          <a:fillRef idx="0">
+            <a:schemeClr val="accent1"/>
+          </a:fillRef>
+          <a:effectRef idx="0">
+            <a:schemeClr val="accent1"/>
+          </a:effectRef>
+          <a:fontRef idx="minor">
+            <a:schemeClr val="tx1"/>
+          </a:fontRef>
+        </p:style>
+      </p:cxnSp>
+      <p:cxnSp>
+        <p:nvCxnSpPr>
+          <p:cNvPr id="14" name="Connector: Elbow 13">
+            <a:extLst>
+              <a:ext uri="{FF2B5EF4-FFF2-40B4-BE49-F238E27FC236}">
+                <a16:creationId xmlns:a16="http://schemas.microsoft.com/office/drawing/2014/main" id="{AE462AEE-5B8D-BFC1-7939-8761622B9311}"/>
+              </a:ext>
+            </a:extLst>
+          </p:cNvPr>
+          <p:cNvCxnSpPr>
+            <a:cxnSpLocks/>
+            <a:stCxn id="11" idx="2"/>
+            <a:endCxn id="9" idx="3"/>
+          </p:cNvCxnSpPr>
+          <p:nvPr/>
+        </p:nvCxnSpPr>
+        <p:spPr>
+          <a:xfrm rot="5400000">
+            <a:off x="1791801" y="3566591"/>
+            <a:ext cx="1203600" cy="918666"/>
+          </a:xfrm>
+          <a:prstGeom prst="bentConnector2">
+            <a:avLst/>
+          </a:prstGeom>
+          <a:ln w="38100">
+            <a:solidFill>
+              <a:schemeClr val="tx1"/>
+            </a:solidFill>
+            <a:headEnd type="triangle"/>
+            <a:tailEnd type="triangle"/>
+          </a:ln>
+        </p:spPr>
+        <p:style>
+          <a:lnRef idx="1">
+            <a:schemeClr val="accent1"/>
+          </a:lnRef>
+          <a:fillRef idx="0">
+            <a:schemeClr val="accent1"/>
+          </a:fillRef>
+          <a:effectRef idx="0">
+            <a:schemeClr val="accent1"/>
+          </a:effectRef>
+          <a:fontRef idx="minor">
+            <a:schemeClr val="tx1"/>
+          </a:fontRef>
+        </p:style>
+      </p:cxnSp>
+      <p:cxnSp>
+        <p:nvCxnSpPr>
+          <p:cNvPr id="15" name="Straight Arrow Connector 14">
+            <a:extLst>
+              <a:ext uri="{FF2B5EF4-FFF2-40B4-BE49-F238E27FC236}">
+                <a16:creationId xmlns:a16="http://schemas.microsoft.com/office/drawing/2014/main" id="{78909CDF-BF4A-4941-E5F3-8AC75A1B11ED}"/>
+              </a:ext>
+            </a:extLst>
+          </p:cNvPr>
+          <p:cNvCxnSpPr>
+            <a:cxnSpLocks/>
+            <a:stCxn id="11" idx="3"/>
+            <a:endCxn id="5" idx="1"/>
+          </p:cNvCxnSpPr>
+          <p:nvPr/>
+        </p:nvCxnSpPr>
+        <p:spPr>
+          <a:xfrm flipV="1">
+            <a:off x="3603905" y="3201786"/>
+            <a:ext cx="318977" cy="6271"/>
+          </a:xfrm>
+          <a:prstGeom prst="straightConnector1">
+            <a:avLst/>
+          </a:prstGeom>
+          <a:ln w="38100">
+            <a:solidFill>
+              <a:schemeClr val="tx1"/>
+            </a:solidFill>
+            <a:headEnd type="triangle"/>
+            <a:tailEnd type="triangle"/>
+          </a:ln>
+        </p:spPr>
+        <p:style>
+          <a:lnRef idx="1">
+            <a:schemeClr val="accent1"/>
+          </a:lnRef>
+          <a:fillRef idx="0">
+            <a:schemeClr val="accent1"/>
+          </a:fillRef>
+          <a:effectRef idx="0">
+            <a:schemeClr val="accent1"/>
+          </a:effectRef>
+          <a:fontRef idx="minor">
+            <a:schemeClr val="tx1"/>
+          </a:fontRef>
+        </p:style>
+      </p:cxnSp>
+      <p:sp>
+        <p:nvSpPr>
+          <p:cNvPr id="16" name="Rectangle 15">
+            <a:extLst>
+              <a:ext uri="{FF2B5EF4-FFF2-40B4-BE49-F238E27FC236}">
+                <a16:creationId xmlns:a16="http://schemas.microsoft.com/office/drawing/2014/main" id="{30BBE0C9-D4F0-2093-085E-5222ED8DCCD7}"/>
+              </a:ext>
+            </a:extLst>
+          </p:cNvPr>
+          <p:cNvSpPr/>
+          <p:nvPr/>
+        </p:nvSpPr>
+        <p:spPr>
+          <a:xfrm>
+            <a:off x="8927709" y="2985033"/>
+            <a:ext cx="1501942" cy="432134"/>
+          </a:xfrm>
+          <a:prstGeom prst="rect">
+            <a:avLst/>
+          </a:prstGeom>
+        </p:spPr>
+        <p:style>
+          <a:lnRef idx="2">
+            <a:schemeClr val="accent6">
+              <a:shade val="50000"/>
+            </a:schemeClr>
+          </a:lnRef>
+          <a:fillRef idx="1">
+            <a:schemeClr val="accent6"/>
+          </a:fillRef>
+          <a:effectRef idx="0">
+            <a:schemeClr val="accent6"/>
+          </a:effectRef>
+          <a:fontRef idx="minor">
+            <a:schemeClr val="lt1"/>
+          </a:fontRef>
+        </p:style>
+        <p:txBody>
+          <a:bodyPr rtlCol="0" anchor="ctr"/>
+          <a:lstStyle/>
+          <a:p>
+            <a:pPr algn="ctr"/>
+            <a:r>
+              <a:rPr lang="en-US" sz="1600" dirty="0"/>
+              <a:t>ABP Event Bus</a:t>
+            </a:r>
+            <a:endParaRPr lang="en-US" sz="1400" dirty="0"/>
+          </a:p>
+        </p:txBody>
+      </p:sp>
+      <p:cxnSp>
+        <p:nvCxnSpPr>
+          <p:cNvPr id="17" name="Straight Arrow Connector 16">
+            <a:extLst>
+              <a:ext uri="{FF2B5EF4-FFF2-40B4-BE49-F238E27FC236}">
+                <a16:creationId xmlns:a16="http://schemas.microsoft.com/office/drawing/2014/main" id="{37484B9A-433B-4217-E545-3106BAF634EB}"/>
+              </a:ext>
+            </a:extLst>
+          </p:cNvPr>
+          <p:cNvCxnSpPr>
+            <a:cxnSpLocks/>
+            <a:stCxn id="30" idx="3"/>
+            <a:endCxn id="16" idx="1"/>
+          </p:cNvCxnSpPr>
+          <p:nvPr/>
+        </p:nvCxnSpPr>
+        <p:spPr>
+          <a:xfrm flipV="1">
+            <a:off x="8605188" y="3201100"/>
+            <a:ext cx="322521" cy="10113"/>
+          </a:xfrm>
+          <a:prstGeom prst="straightConnector1">
+            <a:avLst/>
+          </a:prstGeom>
+          <a:ln w="38100">
+            <a:solidFill>
+              <a:schemeClr val="tx1"/>
+            </a:solidFill>
+            <a:headEnd type="triangle"/>
+            <a:tailEnd type="triangle"/>
+          </a:ln>
+        </p:spPr>
+        <p:style>
+          <a:lnRef idx="1">
+            <a:schemeClr val="accent1"/>
+          </a:lnRef>
+          <a:fillRef idx="0">
+            <a:schemeClr val="accent1"/>
+          </a:fillRef>
+          <a:effectRef idx="0">
+            <a:schemeClr val="accent1"/>
+          </a:effectRef>
+          <a:fontRef idx="minor">
+            <a:schemeClr val="tx1"/>
+          </a:fontRef>
+        </p:style>
+      </p:cxnSp>
+      <p:cxnSp>
+        <p:nvCxnSpPr>
+          <p:cNvPr id="18" name="Straight Arrow Connector 17">
+            <a:extLst>
+              <a:ext uri="{FF2B5EF4-FFF2-40B4-BE49-F238E27FC236}">
+                <a16:creationId xmlns:a16="http://schemas.microsoft.com/office/drawing/2014/main" id="{343D234D-F1A2-38A5-3A20-BA63303A87CC}"/>
+              </a:ext>
+            </a:extLst>
+          </p:cNvPr>
+          <p:cNvCxnSpPr/>
+          <p:nvPr/>
+        </p:nvCxnSpPr>
+        <p:spPr>
+          <a:xfrm>
+            <a:off x="9837809" y="2247849"/>
+            <a:ext cx="0" cy="737184"/>
+          </a:xfrm>
+          <a:prstGeom prst="straightConnector1">
+            <a:avLst/>
+          </a:prstGeom>
+          <a:ln w="38100">
+            <a:solidFill>
+              <a:schemeClr val="tx1"/>
+            </a:solidFill>
+            <a:headEnd type="triangle"/>
+            <a:tailEnd type="triangle"/>
+          </a:ln>
+        </p:spPr>
+        <p:style>
+          <a:lnRef idx="1">
+            <a:schemeClr val="accent1"/>
+          </a:lnRef>
+          <a:fillRef idx="0">
+            <a:schemeClr val="accent1"/>
+          </a:fillRef>
+          <a:effectRef idx="0">
+            <a:schemeClr val="accent1"/>
+          </a:effectRef>
+          <a:fontRef idx="minor">
+            <a:schemeClr val="tx1"/>
+          </a:fontRef>
+        </p:style>
+      </p:cxnSp>
+      <p:cxnSp>
+        <p:nvCxnSpPr>
+          <p:cNvPr id="19" name="Straight Arrow Connector 18">
+            <a:extLst>
+              <a:ext uri="{FF2B5EF4-FFF2-40B4-BE49-F238E27FC236}">
+                <a16:creationId xmlns:a16="http://schemas.microsoft.com/office/drawing/2014/main" id="{0DE1BB85-3327-D6A9-E5B9-D7D36A3A9D3E}"/>
+              </a:ext>
+            </a:extLst>
+          </p:cNvPr>
+          <p:cNvCxnSpPr>
+            <a:cxnSpLocks/>
+            <a:endCxn id="10" idx="0"/>
+          </p:cNvCxnSpPr>
+          <p:nvPr/>
+        </p:nvCxnSpPr>
+        <p:spPr>
+          <a:xfrm>
+            <a:off x="10851234" y="2247849"/>
+            <a:ext cx="17733" cy="1975734"/>
+          </a:xfrm>
+          <a:prstGeom prst="straightConnector1">
+            <a:avLst/>
+          </a:prstGeom>
+          <a:ln w="38100">
+            <a:solidFill>
+              <a:schemeClr val="tx1"/>
+            </a:solidFill>
+            <a:tailEnd type="triangle"/>
+          </a:ln>
+        </p:spPr>
+        <p:style>
+          <a:lnRef idx="1">
+            <a:schemeClr val="accent1"/>
+          </a:lnRef>
+          <a:fillRef idx="0">
+            <a:schemeClr val="accent1"/>
+          </a:fillRef>
+          <a:effectRef idx="0">
+            <a:schemeClr val="accent1"/>
+          </a:effectRef>
+          <a:fontRef idx="minor">
+            <a:schemeClr val="tx1"/>
+          </a:fontRef>
+        </p:style>
+      </p:cxnSp>
+      <p:cxnSp>
+        <p:nvCxnSpPr>
+          <p:cNvPr id="20" name="Connector: Elbow 19">
+            <a:extLst>
+              <a:ext uri="{FF2B5EF4-FFF2-40B4-BE49-F238E27FC236}">
+                <a16:creationId xmlns:a16="http://schemas.microsoft.com/office/drawing/2014/main" id="{206A675C-F696-DCD7-30AD-4643B0B9280A}"/>
+              </a:ext>
+            </a:extLst>
+          </p:cNvPr>
+          <p:cNvCxnSpPr>
+            <a:stCxn id="10" idx="1"/>
+            <a:endCxn id="16" idx="2"/>
+          </p:cNvCxnSpPr>
+          <p:nvPr/>
+        </p:nvCxnSpPr>
+        <p:spPr>
+          <a:xfrm rot="10800000">
+            <a:off x="9678681" y="3417167"/>
+            <a:ext cx="758487" cy="1238216"/>
+          </a:xfrm>
+          <a:prstGeom prst="bentConnector2">
+            <a:avLst/>
+          </a:prstGeom>
+          <a:ln w="38100">
+            <a:solidFill>
+              <a:schemeClr val="tx1"/>
+            </a:solidFill>
+            <a:headEnd type="triangle"/>
+            <a:tailEnd type="triangle"/>
+          </a:ln>
+        </p:spPr>
+        <p:style>
+          <a:lnRef idx="1">
+            <a:schemeClr val="accent1"/>
+          </a:lnRef>
+          <a:fillRef idx="0">
+            <a:schemeClr val="accent1"/>
+          </a:fillRef>
+          <a:effectRef idx="0">
+            <a:schemeClr val="accent1"/>
+          </a:effectRef>
+          <a:fontRef idx="minor">
+            <a:schemeClr val="tx1"/>
+          </a:fontRef>
+        </p:style>
+      </p:cxnSp>
+      <p:sp>
+        <p:nvSpPr>
+          <p:cNvPr id="21" name="TextBox 20">
+            <a:extLst>
+              <a:ext uri="{FF2B5EF4-FFF2-40B4-BE49-F238E27FC236}">
+                <a16:creationId xmlns:a16="http://schemas.microsoft.com/office/drawing/2014/main" id="{26AD4526-32B7-B431-1653-A8D8A983F01C}"/>
+              </a:ext>
+            </a:extLst>
+          </p:cNvPr>
+          <p:cNvSpPr txBox="1"/>
+          <p:nvPr/>
+        </p:nvSpPr>
+        <p:spPr>
+          <a:xfrm>
+            <a:off x="1885005" y="4638147"/>
+            <a:ext cx="1303498" cy="338554"/>
+          </a:xfrm>
+          <a:prstGeom prst="rect">
+            <a:avLst/>
+          </a:prstGeom>
+          <a:noFill/>
+        </p:spPr>
+        <p:txBody>
+          <a:bodyPr wrap="none" rtlCol="0">
+            <a:spAutoFit/>
+          </a:bodyPr>
+          <a:lstStyle/>
+          <a:p>
+            <a:r>
+              <a:rPr lang="en-US" sz="1600" dirty="0"/>
+              <a:t>outbox/inbox</a:t>
+            </a:r>
+          </a:p>
+        </p:txBody>
+      </p:sp>
+      <p:sp>
+        <p:nvSpPr>
+          <p:cNvPr id="22" name="TextBox 21">
+            <a:extLst>
+              <a:ext uri="{FF2B5EF4-FFF2-40B4-BE49-F238E27FC236}">
+                <a16:creationId xmlns:a16="http://schemas.microsoft.com/office/drawing/2014/main" id="{4BDB8828-0D20-4236-E01D-ECF9AE71845A}"/>
+              </a:ext>
+            </a:extLst>
+          </p:cNvPr>
+          <p:cNvSpPr txBox="1"/>
+          <p:nvPr/>
+        </p:nvSpPr>
+        <p:spPr>
+          <a:xfrm rot="16200000">
+            <a:off x="455705" y="3088802"/>
+            <a:ext cx="1690527" cy="369332"/>
+          </a:xfrm>
+          <a:prstGeom prst="rect">
+            <a:avLst/>
+          </a:prstGeom>
+          <a:noFill/>
+        </p:spPr>
+        <p:txBody>
+          <a:bodyPr wrap="none" rtlCol="0">
+            <a:spAutoFit/>
+          </a:bodyPr>
+          <a:lstStyle/>
+          <a:p>
+            <a:r>
+              <a:rPr lang="en-US" dirty="0"/>
+              <a:t>application data</a:t>
+            </a:r>
+          </a:p>
+        </p:txBody>
+      </p:sp>
+      <p:sp>
+        <p:nvSpPr>
+          <p:cNvPr id="23" name="TextBox 22">
+            <a:extLst>
+              <a:ext uri="{FF2B5EF4-FFF2-40B4-BE49-F238E27FC236}">
+                <a16:creationId xmlns:a16="http://schemas.microsoft.com/office/drawing/2014/main" id="{FC781365-CB47-A37A-0751-F7E66B02BDAC}"/>
+              </a:ext>
+            </a:extLst>
+          </p:cNvPr>
+          <p:cNvSpPr txBox="1"/>
+          <p:nvPr/>
+        </p:nvSpPr>
+        <p:spPr>
+          <a:xfrm rot="16200000">
+            <a:off x="10158211" y="3117326"/>
+            <a:ext cx="1690527" cy="369332"/>
+          </a:xfrm>
+          <a:prstGeom prst="rect">
+            <a:avLst/>
+          </a:prstGeom>
+          <a:noFill/>
+        </p:spPr>
+        <p:txBody>
+          <a:bodyPr wrap="none" rtlCol="0">
+            <a:spAutoFit/>
+          </a:bodyPr>
+          <a:lstStyle/>
+          <a:p>
+            <a:r>
+              <a:rPr lang="en-US" dirty="0"/>
+              <a:t>application data</a:t>
+            </a:r>
+          </a:p>
+        </p:txBody>
+      </p:sp>
+      <p:sp>
+        <p:nvSpPr>
+          <p:cNvPr id="24" name="TextBox 23">
+            <a:extLst>
+              <a:ext uri="{FF2B5EF4-FFF2-40B4-BE49-F238E27FC236}">
+                <a16:creationId xmlns:a16="http://schemas.microsoft.com/office/drawing/2014/main" id="{AAB6E6CA-5823-532B-C686-2B152F5B485A}"/>
+              </a:ext>
+            </a:extLst>
+          </p:cNvPr>
+          <p:cNvSpPr txBox="1"/>
+          <p:nvPr/>
+        </p:nvSpPr>
+        <p:spPr>
+          <a:xfrm>
+            <a:off x="9126152" y="4665806"/>
+            <a:ext cx="1303498" cy="338554"/>
+          </a:xfrm>
+          <a:prstGeom prst="rect">
+            <a:avLst/>
+          </a:prstGeom>
+          <a:noFill/>
+        </p:spPr>
+        <p:txBody>
+          <a:bodyPr wrap="none" rtlCol="0">
+            <a:spAutoFit/>
+          </a:bodyPr>
+          <a:lstStyle/>
+          <a:p>
+            <a:r>
+              <a:rPr lang="en-US" sz="1600" dirty="0"/>
+              <a:t>outbox/inbox</a:t>
+            </a:r>
+          </a:p>
+        </p:txBody>
+      </p:sp>
+      <p:sp>
+        <p:nvSpPr>
+          <p:cNvPr id="28" name="TextBox 27">
+            <a:extLst>
+              <a:ext uri="{FF2B5EF4-FFF2-40B4-BE49-F238E27FC236}">
+                <a16:creationId xmlns:a16="http://schemas.microsoft.com/office/drawing/2014/main" id="{9B9464E8-7EAD-536B-97A7-102832A019D4}"/>
+              </a:ext>
+            </a:extLst>
+          </p:cNvPr>
+          <p:cNvSpPr txBox="1"/>
+          <p:nvPr/>
+        </p:nvSpPr>
+        <p:spPr>
+          <a:xfrm rot="16200000">
+            <a:off x="2019506" y="2412781"/>
+            <a:ext cx="654218" cy="338554"/>
+          </a:xfrm>
+          <a:prstGeom prst="rect">
+            <a:avLst/>
+          </a:prstGeom>
+          <a:noFill/>
+        </p:spPr>
+        <p:txBody>
+          <a:bodyPr wrap="none" rtlCol="0">
+            <a:spAutoFit/>
+          </a:bodyPr>
+          <a:lstStyle/>
+          <a:p>
+            <a:r>
+              <a:rPr lang="en-US" sz="1600" dirty="0"/>
+              <a:t>event</a:t>
+            </a:r>
+          </a:p>
+        </p:txBody>
+      </p:sp>
+      <p:sp>
+        <p:nvSpPr>
+          <p:cNvPr id="29" name="TextBox 28">
+            <a:extLst>
+              <a:ext uri="{FF2B5EF4-FFF2-40B4-BE49-F238E27FC236}">
+                <a16:creationId xmlns:a16="http://schemas.microsoft.com/office/drawing/2014/main" id="{18354684-E447-5042-98D7-748E41D23012}"/>
+              </a:ext>
+            </a:extLst>
+          </p:cNvPr>
+          <p:cNvSpPr txBox="1"/>
+          <p:nvPr/>
+        </p:nvSpPr>
+        <p:spPr>
+          <a:xfrm rot="16200000">
+            <a:off x="9357534" y="2447164"/>
+            <a:ext cx="654218" cy="338554"/>
+          </a:xfrm>
+          <a:prstGeom prst="rect">
+            <a:avLst/>
+          </a:prstGeom>
+          <a:noFill/>
+        </p:spPr>
+        <p:txBody>
+          <a:bodyPr wrap="none" rtlCol="0">
+            <a:spAutoFit/>
+          </a:bodyPr>
+          <a:lstStyle/>
+          <a:p>
+            <a:r>
+              <a:rPr lang="en-US" sz="1600" dirty="0"/>
+              <a:t>event</a:t>
+            </a:r>
+          </a:p>
+        </p:txBody>
+      </p:sp>
+      <p:sp>
+        <p:nvSpPr>
+          <p:cNvPr id="5" name="Rectangle 4">
+            <a:extLst>
+              <a:ext uri="{FF2B5EF4-FFF2-40B4-BE49-F238E27FC236}">
+                <a16:creationId xmlns:a16="http://schemas.microsoft.com/office/drawing/2014/main" id="{8A0421F2-EC37-EE07-5241-EAC4F28AC221}"/>
+              </a:ext>
+            </a:extLst>
+          </p:cNvPr>
+          <p:cNvSpPr/>
+          <p:nvPr/>
+        </p:nvSpPr>
+        <p:spPr>
+          <a:xfrm>
+            <a:off x="3922882" y="2839359"/>
+            <a:ext cx="923825" cy="724854"/>
+          </a:xfrm>
+          <a:prstGeom prst="rect">
+            <a:avLst/>
+          </a:prstGeom>
+          <a:solidFill>
+            <a:srgbClr val="FF0000"/>
+          </a:solidFill>
+        </p:spPr>
+        <p:style>
+          <a:lnRef idx="2">
+            <a:schemeClr val="accent2">
+              <a:shade val="50000"/>
+            </a:schemeClr>
+          </a:lnRef>
+          <a:fillRef idx="1">
+            <a:schemeClr val="accent2"/>
+          </a:fillRef>
+          <a:effectRef idx="0">
+            <a:schemeClr val="accent2"/>
+          </a:effectRef>
+          <a:fontRef idx="minor">
+            <a:schemeClr val="lt1"/>
+          </a:fontRef>
+        </p:style>
+        <p:txBody>
+          <a:bodyPr rtlCol="0" anchor="ctr"/>
+          <a:lstStyle/>
+          <a:p>
+            <a:pPr algn="ctr"/>
+            <a:r>
+              <a:rPr lang="en-US" dirty="0"/>
+              <a:t>Dapr</a:t>
+            </a:r>
+            <a:br>
+              <a:rPr lang="en-US" dirty="0"/>
+            </a:br>
+            <a:r>
+              <a:rPr lang="en-US" dirty="0"/>
+              <a:t>Sidecar</a:t>
+            </a:r>
+          </a:p>
+        </p:txBody>
+      </p:sp>
+      <p:sp>
+        <p:nvSpPr>
+          <p:cNvPr id="30" name="Rectangle 29">
+            <a:extLst>
+              <a:ext uri="{FF2B5EF4-FFF2-40B4-BE49-F238E27FC236}">
+                <a16:creationId xmlns:a16="http://schemas.microsoft.com/office/drawing/2014/main" id="{80CB30D7-C7F1-B99D-5D5D-125287E67572}"/>
+              </a:ext>
+            </a:extLst>
+          </p:cNvPr>
+          <p:cNvSpPr/>
+          <p:nvPr/>
+        </p:nvSpPr>
+        <p:spPr>
+          <a:xfrm>
+            <a:off x="7681363" y="2848786"/>
+            <a:ext cx="923825" cy="724854"/>
+          </a:xfrm>
+          <a:prstGeom prst="rect">
+            <a:avLst/>
+          </a:prstGeom>
+          <a:solidFill>
+            <a:srgbClr val="FF0000"/>
+          </a:solidFill>
+        </p:spPr>
+        <p:style>
+          <a:lnRef idx="2">
+            <a:schemeClr val="accent2">
+              <a:shade val="50000"/>
+            </a:schemeClr>
+          </a:lnRef>
+          <a:fillRef idx="1">
+            <a:schemeClr val="accent2"/>
+          </a:fillRef>
+          <a:effectRef idx="0">
+            <a:schemeClr val="accent2"/>
+          </a:effectRef>
+          <a:fontRef idx="minor">
+            <a:schemeClr val="lt1"/>
+          </a:fontRef>
+        </p:style>
+        <p:txBody>
+          <a:bodyPr rtlCol="0" anchor="ctr"/>
+          <a:lstStyle/>
+          <a:p>
+            <a:pPr algn="ctr"/>
+            <a:r>
+              <a:rPr lang="en-US" dirty="0"/>
+              <a:t>Dapr</a:t>
+            </a:r>
+            <a:br>
+              <a:rPr lang="en-US" dirty="0"/>
+            </a:br>
+            <a:r>
+              <a:rPr lang="en-US" dirty="0"/>
+              <a:t>Sidecar</a:t>
+            </a:r>
+          </a:p>
+        </p:txBody>
+      </p:sp>
+      <p:cxnSp>
+        <p:nvCxnSpPr>
+          <p:cNvPr id="36" name="Straight Arrow Connector 35">
+            <a:extLst>
+              <a:ext uri="{FF2B5EF4-FFF2-40B4-BE49-F238E27FC236}">
+                <a16:creationId xmlns:a16="http://schemas.microsoft.com/office/drawing/2014/main" id="{8B5A6497-34CF-A336-CA54-FDCE3497A261}"/>
+              </a:ext>
+            </a:extLst>
+          </p:cNvPr>
+          <p:cNvCxnSpPr>
+            <a:cxnSpLocks/>
+            <a:stCxn id="5" idx="3"/>
+            <a:endCxn id="8" idx="1"/>
+          </p:cNvCxnSpPr>
+          <p:nvPr/>
+        </p:nvCxnSpPr>
+        <p:spPr>
+          <a:xfrm>
+            <a:off x="4846707" y="3201786"/>
+            <a:ext cx="476101" cy="6271"/>
+          </a:xfrm>
+          <a:prstGeom prst="straightConnector1">
+            <a:avLst/>
+          </a:prstGeom>
+          <a:ln w="38100">
+            <a:solidFill>
+              <a:schemeClr val="tx1"/>
+            </a:solidFill>
+            <a:headEnd type="triangle"/>
+            <a:tailEnd type="triangle"/>
+          </a:ln>
+        </p:spPr>
+        <p:style>
+          <a:lnRef idx="1">
+            <a:schemeClr val="accent1"/>
+          </a:lnRef>
+          <a:fillRef idx="0">
+            <a:schemeClr val="accent1"/>
+          </a:fillRef>
+          <a:effectRef idx="0">
+            <a:schemeClr val="accent1"/>
+          </a:effectRef>
+          <a:fontRef idx="minor">
+            <a:schemeClr val="tx1"/>
+          </a:fontRef>
+        </p:style>
+      </p:cxnSp>
+      <p:cxnSp>
+        <p:nvCxnSpPr>
+          <p:cNvPr id="39" name="Straight Arrow Connector 38">
+            <a:extLst>
+              <a:ext uri="{FF2B5EF4-FFF2-40B4-BE49-F238E27FC236}">
+                <a16:creationId xmlns:a16="http://schemas.microsoft.com/office/drawing/2014/main" id="{3186F870-DE73-843A-5671-B7C09CBC2016}"/>
+              </a:ext>
+            </a:extLst>
+          </p:cNvPr>
+          <p:cNvCxnSpPr>
+            <a:cxnSpLocks/>
+            <a:stCxn id="8" idx="3"/>
+            <a:endCxn id="30" idx="1"/>
+          </p:cNvCxnSpPr>
+          <p:nvPr/>
+        </p:nvCxnSpPr>
+        <p:spPr>
+          <a:xfrm>
+            <a:off x="7235643" y="3208057"/>
+            <a:ext cx="445720" cy="3156"/>
+          </a:xfrm>
+          <a:prstGeom prst="straightConnector1">
+            <a:avLst/>
+          </a:prstGeom>
+          <a:ln w="38100">
+            <a:solidFill>
+              <a:schemeClr val="tx1"/>
+            </a:solidFill>
+            <a:headEnd type="triangle"/>
+            <a:tailEnd type="triangle"/>
+          </a:ln>
+        </p:spPr>
+        <p:style>
+          <a:lnRef idx="1">
+            <a:schemeClr val="accent1"/>
+          </a:lnRef>
+          <a:fillRef idx="0">
+            <a:schemeClr val="accent1"/>
+          </a:fillRef>
+          <a:effectRef idx="0">
+            <a:schemeClr val="accent1"/>
+          </a:effectRef>
+          <a:fontRef idx="minor">
+            <a:schemeClr val="tx1"/>
+          </a:fontRef>
+        </p:style>
+      </p:cxnSp>
     </p:spTree>
     <p:extLst>
       <p:ext uri="{BB962C8B-B14F-4D97-AF65-F5344CB8AC3E}">
-        <p14:creationId xmlns:p14="http://schemas.microsoft.com/office/powerpoint/2010/main" val="2246846833"/>
+        <p14:creationId xmlns:p14="http://schemas.microsoft.com/office/powerpoint/2010/main" val="2374760456"/>
       </p:ext>
     </p:extLst>
   </p:cSld>
   <p:clrMapOvr>
     <a:masterClrMapping/>
   </p:clrMapOvr>
+  <p:timing>
+    <p:tnLst>
+      <p:par>
+        <p:cTn id="1" dur="indefinite" restart="never" nodeType="tmRoot">
+          <p:childTnLst>
+            <p:seq concurrent="1" nextAc="seek">
+              <p:cTn id="2" dur="indefinite" nodeType="mainSeq">
+                <p:childTnLst>
+                  <p:par>
+                    <p:cTn id="3" fill="hold">
+                      <p:stCondLst>
+                        <p:cond delay="indefinite"/>
+                      </p:stCondLst>
+                      <p:childTnLst>
+                        <p:par>
+                          <p:cTn id="4" fill="hold">
+                            <p:stCondLst>
+                              <p:cond delay="0"/>
+                            </p:stCondLst>
+                            <p:childTnLst>
+                              <p:par>
+                                <p:cTn id="5" presetID="10" presetClass="entr" presetSubtype="0" fill="hold" nodeType="clickEffect">
+                                  <p:stCondLst>
+                                    <p:cond delay="0"/>
+                                  </p:stCondLst>
+                                  <p:childTnLst>
+                                    <p:set>
+                                      <p:cBhvr>
+                                        <p:cTn id="6" dur="1" fill="hold">
+                                          <p:stCondLst>
+                                            <p:cond delay="0"/>
+                                          </p:stCondLst>
+                                        </p:cTn>
+                                        <p:tgtEl>
+                                          <p:spTgt spid="17"/>
+                                        </p:tgtEl>
+                                        <p:attrNameLst>
+                                          <p:attrName>style.visibility</p:attrName>
+                                        </p:attrNameLst>
+                                      </p:cBhvr>
+                                      <p:to>
+                                        <p:strVal val="visible"/>
+                                      </p:to>
+                                    </p:set>
+                                    <p:animEffect transition="in" filter="fade">
+                                      <p:cBhvr>
+                                        <p:cTn id="7" dur="500"/>
+                                        <p:tgtEl>
+                                          <p:spTgt spid="17"/>
+                                        </p:tgtEl>
+                                      </p:cBhvr>
+                                    </p:animEffect>
+                                  </p:childTnLst>
+                                </p:cTn>
+                              </p:par>
+                              <p:par>
+                                <p:cTn id="8" presetID="10" presetClass="entr" presetSubtype="0" fill="hold" grpId="0" nodeType="withEffect">
+                                  <p:stCondLst>
+                                    <p:cond delay="0"/>
+                                  </p:stCondLst>
+                                  <p:childTnLst>
+                                    <p:set>
+                                      <p:cBhvr>
+                                        <p:cTn id="9" dur="1" fill="hold">
+                                          <p:stCondLst>
+                                            <p:cond delay="0"/>
+                                          </p:stCondLst>
+                                        </p:cTn>
+                                        <p:tgtEl>
+                                          <p:spTgt spid="30"/>
+                                        </p:tgtEl>
+                                        <p:attrNameLst>
+                                          <p:attrName>style.visibility</p:attrName>
+                                        </p:attrNameLst>
+                                      </p:cBhvr>
+                                      <p:to>
+                                        <p:strVal val="visible"/>
+                                      </p:to>
+                                    </p:set>
+                                    <p:animEffect transition="in" filter="fade">
+                                      <p:cBhvr>
+                                        <p:cTn id="10" dur="500"/>
+                                        <p:tgtEl>
+                                          <p:spTgt spid="30"/>
+                                        </p:tgtEl>
+                                      </p:cBhvr>
+                                    </p:animEffect>
+                                  </p:childTnLst>
+                                </p:cTn>
+                              </p:par>
+                              <p:par>
+                                <p:cTn id="11" presetID="10" presetClass="entr" presetSubtype="0" fill="hold" nodeType="withEffect">
+                                  <p:stCondLst>
+                                    <p:cond delay="0"/>
+                                  </p:stCondLst>
+                                  <p:childTnLst>
+                                    <p:set>
+                                      <p:cBhvr>
+                                        <p:cTn id="12" dur="1" fill="hold">
+                                          <p:stCondLst>
+                                            <p:cond delay="0"/>
+                                          </p:stCondLst>
+                                        </p:cTn>
+                                        <p:tgtEl>
+                                          <p:spTgt spid="39"/>
+                                        </p:tgtEl>
+                                        <p:attrNameLst>
+                                          <p:attrName>style.visibility</p:attrName>
+                                        </p:attrNameLst>
+                                      </p:cBhvr>
+                                      <p:to>
+                                        <p:strVal val="visible"/>
+                                      </p:to>
+                                    </p:set>
+                                    <p:animEffect transition="in" filter="fade">
+                                      <p:cBhvr>
+                                        <p:cTn id="13" dur="500"/>
+                                        <p:tgtEl>
+                                          <p:spTgt spid="39"/>
+                                        </p:tgtEl>
+                                      </p:cBhvr>
+                                    </p:animEffect>
+                                  </p:childTnLst>
+                                </p:cTn>
+                              </p:par>
+                              <p:par>
+                                <p:cTn id="14" presetID="10" presetClass="entr" presetSubtype="0" fill="hold" nodeType="withEffect">
+                                  <p:stCondLst>
+                                    <p:cond delay="0"/>
+                                  </p:stCondLst>
+                                  <p:childTnLst>
+                                    <p:set>
+                                      <p:cBhvr>
+                                        <p:cTn id="15" dur="1" fill="hold">
+                                          <p:stCondLst>
+                                            <p:cond delay="0"/>
+                                          </p:stCondLst>
+                                        </p:cTn>
+                                        <p:tgtEl>
+                                          <p:spTgt spid="15"/>
+                                        </p:tgtEl>
+                                        <p:attrNameLst>
+                                          <p:attrName>style.visibility</p:attrName>
+                                        </p:attrNameLst>
+                                      </p:cBhvr>
+                                      <p:to>
+                                        <p:strVal val="visible"/>
+                                      </p:to>
+                                    </p:set>
+                                    <p:animEffect transition="in" filter="fade">
+                                      <p:cBhvr>
+                                        <p:cTn id="16" dur="500"/>
+                                        <p:tgtEl>
+                                          <p:spTgt spid="15"/>
+                                        </p:tgtEl>
+                                      </p:cBhvr>
+                                    </p:animEffect>
+                                  </p:childTnLst>
+                                </p:cTn>
+                              </p:par>
+                              <p:par>
+                                <p:cTn id="17" presetID="10" presetClass="entr" presetSubtype="0" fill="hold" grpId="0" nodeType="withEffect">
+                                  <p:stCondLst>
+                                    <p:cond delay="0"/>
+                                  </p:stCondLst>
+                                  <p:childTnLst>
+                                    <p:set>
+                                      <p:cBhvr>
+                                        <p:cTn id="18" dur="1" fill="hold">
+                                          <p:stCondLst>
+                                            <p:cond delay="0"/>
+                                          </p:stCondLst>
+                                        </p:cTn>
+                                        <p:tgtEl>
+                                          <p:spTgt spid="5"/>
+                                        </p:tgtEl>
+                                        <p:attrNameLst>
+                                          <p:attrName>style.visibility</p:attrName>
+                                        </p:attrNameLst>
+                                      </p:cBhvr>
+                                      <p:to>
+                                        <p:strVal val="visible"/>
+                                      </p:to>
+                                    </p:set>
+                                    <p:animEffect transition="in" filter="fade">
+                                      <p:cBhvr>
+                                        <p:cTn id="19" dur="500"/>
+                                        <p:tgtEl>
+                                          <p:spTgt spid="5"/>
+                                        </p:tgtEl>
+                                      </p:cBhvr>
+                                    </p:animEffect>
+                                  </p:childTnLst>
+                                </p:cTn>
+                              </p:par>
+                              <p:par>
+                                <p:cTn id="20" presetID="10" presetClass="entr" presetSubtype="0" fill="hold" nodeType="withEffect">
+                                  <p:stCondLst>
+                                    <p:cond delay="0"/>
+                                  </p:stCondLst>
+                                  <p:childTnLst>
+                                    <p:set>
+                                      <p:cBhvr>
+                                        <p:cTn id="21" dur="1" fill="hold">
+                                          <p:stCondLst>
+                                            <p:cond delay="0"/>
+                                          </p:stCondLst>
+                                        </p:cTn>
+                                        <p:tgtEl>
+                                          <p:spTgt spid="36"/>
+                                        </p:tgtEl>
+                                        <p:attrNameLst>
+                                          <p:attrName>style.visibility</p:attrName>
+                                        </p:attrNameLst>
+                                      </p:cBhvr>
+                                      <p:to>
+                                        <p:strVal val="visible"/>
+                                      </p:to>
+                                    </p:set>
+                                    <p:animEffect transition="in" filter="fade">
+                                      <p:cBhvr>
+                                        <p:cTn id="22" dur="500"/>
+                                        <p:tgtEl>
+                                          <p:spTgt spid="36"/>
+                                        </p:tgtEl>
+                                      </p:cBhvr>
+                                    </p:animEffect>
+                                  </p:childTnLst>
+                                </p:cTn>
+                              </p:par>
+                            </p:childTnLst>
+                          </p:cTn>
+                        </p:par>
+                      </p:childTnLst>
+                    </p:cTn>
+                  </p:par>
+                </p:childTnLst>
+              </p:cTn>
+              <p:prevCondLst>
+                <p:cond evt="onPrev" delay="0">
+                  <p:tgtEl>
+                    <p:sldTgt/>
+                  </p:tgtEl>
+                </p:cond>
+              </p:prevCondLst>
+              <p:nextCondLst>
+                <p:cond evt="onNext" delay="0">
+                  <p:tgtEl>
+                    <p:sldTgt/>
+                  </p:tgtEl>
+                </p:cond>
+              </p:nextCondLst>
+            </p:seq>
+          </p:childTnLst>
+        </p:cTn>
+      </p:par>
+    </p:tnLst>
+    <p:bldLst>
+      <p:bldP spid="5" grpId="0" animBg="1"/>
+      <p:bldP spid="30" grpId="0" animBg="1"/>
+    </p:bldLst>
+  </p:timing>
 </p:sld>
 </file>
 
@@ -5280,7 +10304,7 @@
                 <a:latin typeface="Euclid Circular B" panose="020B0504000000000000" pitchFamily="34" charset="0"/>
                 <a:ea typeface="Euclid Circular B" panose="020B0504000000000000" pitchFamily="34" charset="0"/>
               </a:rPr>
-              <a:t>Topic title</a:t>
+              <a:t>Integration services</a:t>
             </a:r>
           </a:p>
         </p:txBody>
@@ -5301,9 +10325,16 @@
             <p:ph idx="1"/>
           </p:nvPr>
         </p:nvSpPr>
-        <p:spPr/>
-        <p:txBody>
-          <a:bodyPr/>
+        <p:spPr>
+          <a:xfrm>
+            <a:off x="838200" y="1825625"/>
+            <a:ext cx="10515600" cy="4742152"/>
+          </a:xfrm>
+        </p:spPr>
+        <p:txBody>
+          <a:bodyPr>
+            <a:normAutofit/>
+          </a:bodyPr>
           <a:lstStyle/>
           <a:p>
             <a:r>
@@ -5311,21 +10342,576 @@
                 <a:latin typeface="Euclid Circular B" panose="020B0504000000000000" pitchFamily="34" charset="0"/>
                 <a:ea typeface="Euclid Circular B" panose="020B0504000000000000" pitchFamily="34" charset="0"/>
               </a:rPr>
-              <a:t>Content</a:t>
-            </a:r>
-          </a:p>
-        </p:txBody>
-      </p:sp>
+              <a:t>Introduced the </a:t>
+            </a:r>
+            <a:r>
+              <a:rPr lang="en-US" dirty="0">
+                <a:highlight>
+                  <a:srgbClr val="C0C0C0"/>
+                </a:highlight>
+                <a:latin typeface="Courier New" panose="02070309020205020404" pitchFamily="49" charset="0"/>
+                <a:ea typeface="Euclid Circular B" panose="020B0504000000000000" pitchFamily="34" charset="0"/>
+                <a:cs typeface="Courier New" panose="02070309020205020404" pitchFamily="49" charset="0"/>
+              </a:rPr>
+              <a:t>[</a:t>
+            </a:r>
+            <a:r>
+              <a:rPr lang="en-US" dirty="0" err="1">
+                <a:highlight>
+                  <a:srgbClr val="C0C0C0"/>
+                </a:highlight>
+                <a:latin typeface="Courier New" panose="02070309020205020404" pitchFamily="49" charset="0"/>
+                <a:ea typeface="Euclid Circular B" panose="020B0504000000000000" pitchFamily="34" charset="0"/>
+                <a:cs typeface="Courier New" panose="02070309020205020404" pitchFamily="49" charset="0"/>
+              </a:rPr>
+              <a:t>IntegrationService</a:t>
+            </a:r>
+            <a:r>
+              <a:rPr lang="en-US" dirty="0">
+                <a:highlight>
+                  <a:srgbClr val="C0C0C0"/>
+                </a:highlight>
+                <a:latin typeface="Courier New" panose="02070309020205020404" pitchFamily="49" charset="0"/>
+                <a:ea typeface="Euclid Circular B" panose="020B0504000000000000" pitchFamily="34" charset="0"/>
+                <a:cs typeface="Courier New" panose="02070309020205020404" pitchFamily="49" charset="0"/>
+              </a:rPr>
+              <a:t>]</a:t>
+            </a:r>
+            <a:r>
+              <a:rPr lang="en-US" dirty="0">
+                <a:latin typeface="Euclid Circular B" panose="020B0504000000000000" pitchFamily="34" charset="0"/>
+                <a:ea typeface="Euclid Circular B" panose="020B0504000000000000" pitchFamily="34" charset="0"/>
+              </a:rPr>
+              <a:t> attribute</a:t>
+            </a:r>
+          </a:p>
+          <a:p>
+            <a:endParaRPr lang="en-US" dirty="0">
+              <a:latin typeface="Euclid Circular B" panose="020B0504000000000000" pitchFamily="34" charset="0"/>
+              <a:ea typeface="Euclid Circular B" panose="020B0504000000000000" pitchFamily="34" charset="0"/>
+            </a:endParaRPr>
+          </a:p>
+          <a:p>
+            <a:endParaRPr lang="en-US" dirty="0">
+              <a:latin typeface="Euclid Circular B" panose="020B0504000000000000" pitchFamily="34" charset="0"/>
+              <a:ea typeface="Euclid Circular B" panose="020B0504000000000000" pitchFamily="34" charset="0"/>
+            </a:endParaRPr>
+          </a:p>
+          <a:p>
+            <a:endParaRPr lang="en-US" dirty="0">
+              <a:latin typeface="Euclid Circular B" panose="020B0504000000000000" pitchFamily="34" charset="0"/>
+              <a:ea typeface="Euclid Circular B" panose="020B0504000000000000" pitchFamily="34" charset="0"/>
+            </a:endParaRPr>
+          </a:p>
+          <a:p>
+            <a:endParaRPr lang="en-US" dirty="0">
+              <a:latin typeface="Euclid Circular B" panose="020B0504000000000000" pitchFamily="34" charset="0"/>
+              <a:ea typeface="Euclid Circular B" panose="020B0504000000000000" pitchFamily="34" charset="0"/>
+            </a:endParaRPr>
+          </a:p>
+          <a:p>
+            <a:r>
+              <a:rPr lang="en-US" dirty="0">
+                <a:latin typeface="Euclid Circular B" panose="020B0504000000000000" pitchFamily="34" charset="0"/>
+                <a:ea typeface="Euclid Circular B" panose="020B0504000000000000" pitchFamily="34" charset="0"/>
+              </a:rPr>
+              <a:t>Default HTTP API </a:t>
+            </a:r>
+            <a:r>
+              <a:rPr lang="en-US" b="1" dirty="0">
+                <a:latin typeface="Euclid Circular B" panose="020B0504000000000000" pitchFamily="34" charset="0"/>
+                <a:ea typeface="Euclid Circular B" panose="020B0504000000000000" pitchFamily="34" charset="0"/>
+              </a:rPr>
+              <a:t>URL prefix</a:t>
+            </a:r>
+            <a:r>
+              <a:rPr lang="en-US" dirty="0">
+                <a:latin typeface="Euclid Circular B" panose="020B0504000000000000" pitchFamily="34" charset="0"/>
+                <a:ea typeface="Euclid Circular B" panose="020B0504000000000000" pitchFamily="34" charset="0"/>
+              </a:rPr>
+              <a:t>:</a:t>
+            </a:r>
+            <a:br>
+              <a:rPr lang="en-US" dirty="0">
+                <a:latin typeface="Euclid Circular B" panose="020B0504000000000000" pitchFamily="34" charset="0"/>
+                <a:ea typeface="Euclid Circular B" panose="020B0504000000000000" pitchFamily="34" charset="0"/>
+              </a:rPr>
+            </a:br>
+            <a:r>
+              <a:rPr lang="en-US" dirty="0">
+                <a:highlight>
+                  <a:srgbClr val="C0C0C0"/>
+                </a:highlight>
+                <a:latin typeface="Courier New" panose="02070309020205020404" pitchFamily="49" charset="0"/>
+                <a:ea typeface="Euclid Circular B" panose="020B0504000000000000" pitchFamily="34" charset="0"/>
+                <a:cs typeface="Courier New" panose="02070309020205020404" pitchFamily="49" charset="0"/>
+              </a:rPr>
+              <a:t>/integration-</a:t>
+            </a:r>
+            <a:r>
+              <a:rPr lang="en-US" dirty="0" err="1">
+                <a:highlight>
+                  <a:srgbClr val="C0C0C0"/>
+                </a:highlight>
+                <a:latin typeface="Courier New" panose="02070309020205020404" pitchFamily="49" charset="0"/>
+                <a:ea typeface="Euclid Circular B" panose="020B0504000000000000" pitchFamily="34" charset="0"/>
+                <a:cs typeface="Courier New" panose="02070309020205020404" pitchFamily="49" charset="0"/>
+              </a:rPr>
+              <a:t>api</a:t>
+            </a:r>
+            <a:r>
+              <a:rPr lang="en-US" dirty="0">
+                <a:highlight>
+                  <a:srgbClr val="C0C0C0"/>
+                </a:highlight>
+                <a:latin typeface="Courier New" panose="02070309020205020404" pitchFamily="49" charset="0"/>
+                <a:ea typeface="Euclid Circular B" panose="020B0504000000000000" pitchFamily="34" charset="0"/>
+                <a:cs typeface="Courier New" panose="02070309020205020404" pitchFamily="49" charset="0"/>
+              </a:rPr>
+              <a:t>/…</a:t>
+            </a:r>
+            <a:r>
+              <a:rPr lang="en-US" dirty="0">
+                <a:latin typeface="Euclid Circular B" panose="020B0504000000000000" pitchFamily="34" charset="0"/>
+                <a:ea typeface="Euclid Circular B" panose="020B0504000000000000" pitchFamily="34" charset="0"/>
+              </a:rPr>
+              <a:t> instead of </a:t>
+            </a:r>
+            <a:r>
+              <a:rPr lang="en-US" dirty="0">
+                <a:highlight>
+                  <a:srgbClr val="C0C0C0"/>
+                </a:highlight>
+                <a:latin typeface="Courier New" panose="02070309020205020404" pitchFamily="49" charset="0"/>
+                <a:ea typeface="Euclid Circular B" panose="020B0504000000000000" pitchFamily="34" charset="0"/>
+                <a:cs typeface="Courier New" panose="02070309020205020404" pitchFamily="49" charset="0"/>
+              </a:rPr>
+              <a:t>/</a:t>
+            </a:r>
+            <a:r>
+              <a:rPr lang="en-US" dirty="0" err="1">
+                <a:highlight>
+                  <a:srgbClr val="C0C0C0"/>
+                </a:highlight>
+                <a:latin typeface="Courier New" panose="02070309020205020404" pitchFamily="49" charset="0"/>
+                <a:ea typeface="Euclid Circular B" panose="020B0504000000000000" pitchFamily="34" charset="0"/>
+                <a:cs typeface="Courier New" panose="02070309020205020404" pitchFamily="49" charset="0"/>
+              </a:rPr>
+              <a:t>api</a:t>
+            </a:r>
+            <a:r>
+              <a:rPr lang="en-US" dirty="0">
+                <a:highlight>
+                  <a:srgbClr val="C0C0C0"/>
+                </a:highlight>
+                <a:latin typeface="Courier New" panose="02070309020205020404" pitchFamily="49" charset="0"/>
+                <a:ea typeface="Euclid Circular B" panose="020B0504000000000000" pitchFamily="34" charset="0"/>
+                <a:cs typeface="Courier New" panose="02070309020205020404" pitchFamily="49" charset="0"/>
+              </a:rPr>
+              <a:t>/…</a:t>
+            </a:r>
+          </a:p>
+          <a:p>
+            <a:r>
+              <a:rPr lang="en-US" b="1" dirty="0">
+                <a:latin typeface="Euclid Circular B" panose="020B0504000000000000" pitchFamily="34" charset="0"/>
+                <a:ea typeface="Euclid Circular B" panose="020B0504000000000000" pitchFamily="34" charset="0"/>
+              </a:rPr>
+              <a:t>Audit logging </a:t>
+            </a:r>
+            <a:r>
+              <a:rPr lang="en-US" dirty="0">
+                <a:latin typeface="Euclid Circular B" panose="020B0504000000000000" pitchFamily="34" charset="0"/>
+                <a:ea typeface="Euclid Circular B" panose="020B0504000000000000" pitchFamily="34" charset="0"/>
+              </a:rPr>
+              <a:t>is disabled by default, but can be enabled</a:t>
+            </a:r>
+          </a:p>
+          <a:p>
+            <a:r>
+              <a:rPr lang="en-US" b="1" dirty="0">
+                <a:latin typeface="Euclid Circular B" panose="020B0504000000000000" pitchFamily="34" charset="0"/>
+                <a:ea typeface="Euclid Circular B" panose="020B0504000000000000" pitchFamily="34" charset="0"/>
+              </a:rPr>
+              <a:t>Unit of work, Validation</a:t>
+            </a:r>
+            <a:r>
+              <a:rPr lang="en-US" dirty="0">
+                <a:latin typeface="Euclid Circular B" panose="020B0504000000000000" pitchFamily="34" charset="0"/>
+                <a:ea typeface="Euclid Circular B" panose="020B0504000000000000" pitchFamily="34" charset="0"/>
+              </a:rPr>
+              <a:t>, etc. works as expected</a:t>
+            </a:r>
+          </a:p>
+        </p:txBody>
+      </p:sp>
+      <p:pic>
+        <p:nvPicPr>
+          <p:cNvPr id="5" name="Picture 4">
+            <a:extLst>
+              <a:ext uri="{FF2B5EF4-FFF2-40B4-BE49-F238E27FC236}">
+                <a16:creationId xmlns:a16="http://schemas.microsoft.com/office/drawing/2014/main" id="{7B2269C9-5DD9-7A4B-F7D6-BBC11B4EEDFC}"/>
+              </a:ext>
+            </a:extLst>
+          </p:cNvPr>
+          <p:cNvPicPr>
+            <a:picLocks noChangeAspect="1"/>
+          </p:cNvPicPr>
+          <p:nvPr/>
+        </p:nvPicPr>
+        <p:blipFill>
+          <a:blip r:embed="rId3"/>
+          <a:stretch>
+            <a:fillRect/>
+          </a:stretch>
+        </p:blipFill>
+        <p:spPr>
+          <a:xfrm>
+            <a:off x="1171989" y="2423457"/>
+            <a:ext cx="6667500" cy="1657350"/>
+          </a:xfrm>
+          <a:prstGeom prst="rect">
+            <a:avLst/>
+          </a:prstGeom>
+        </p:spPr>
+      </p:pic>
     </p:spTree>
     <p:extLst>
       <p:ext uri="{BB962C8B-B14F-4D97-AF65-F5344CB8AC3E}">
-        <p14:creationId xmlns:p14="http://schemas.microsoft.com/office/powerpoint/2010/main" val="2627796573"/>
+        <p14:creationId xmlns:p14="http://schemas.microsoft.com/office/powerpoint/2010/main" val="596677534"/>
       </p:ext>
     </p:extLst>
   </p:cSld>
   <p:clrMapOvr>
     <a:masterClrMapping/>
   </p:clrMapOvr>
+  <p:timing>
+    <p:tnLst>
+      <p:par>
+        <p:cTn id="1" dur="indefinite" restart="never" nodeType="tmRoot">
+          <p:childTnLst>
+            <p:seq concurrent="1" nextAc="seek">
+              <p:cTn id="2" dur="indefinite" nodeType="mainSeq">
+                <p:childTnLst>
+                  <p:par>
+                    <p:cTn id="3" fill="hold">
+                      <p:stCondLst>
+                        <p:cond delay="indefinite"/>
+                      </p:stCondLst>
+                      <p:childTnLst>
+                        <p:par>
+                          <p:cTn id="4" fill="hold">
+                            <p:stCondLst>
+                              <p:cond delay="0"/>
+                            </p:stCondLst>
+                            <p:childTnLst>
+                              <p:par>
+                                <p:cTn id="5" presetID="10" presetClass="entr" presetSubtype="0" fill="hold" nodeType="clickEffect">
+                                  <p:stCondLst>
+                                    <p:cond delay="0"/>
+                                  </p:stCondLst>
+                                  <p:childTnLst>
+                                    <p:set>
+                                      <p:cBhvr>
+                                        <p:cTn id="6" dur="1" fill="hold">
+                                          <p:stCondLst>
+                                            <p:cond delay="0"/>
+                                          </p:stCondLst>
+                                        </p:cTn>
+                                        <p:tgtEl>
+                                          <p:spTgt spid="3">
+                                            <p:txEl>
+                                              <p:pRg st="0" end="0"/>
+                                            </p:txEl>
+                                          </p:spTgt>
+                                        </p:tgtEl>
+                                        <p:attrNameLst>
+                                          <p:attrName>style.visibility</p:attrName>
+                                        </p:attrNameLst>
+                                      </p:cBhvr>
+                                      <p:to>
+                                        <p:strVal val="visible"/>
+                                      </p:to>
+                                    </p:set>
+                                    <p:animEffect transition="in" filter="fade">
+                                      <p:cBhvr>
+                                        <p:cTn id="7" dur="500"/>
+                                        <p:tgtEl>
+                                          <p:spTgt spid="3">
+                                            <p:txEl>
+                                              <p:pRg st="0" end="0"/>
+                                            </p:txEl>
+                                          </p:spTgt>
+                                        </p:tgtEl>
+                                      </p:cBhvr>
+                                    </p:animEffect>
+                                  </p:childTnLst>
+                                </p:cTn>
+                              </p:par>
+                            </p:childTnLst>
+                          </p:cTn>
+                        </p:par>
+                      </p:childTnLst>
+                    </p:cTn>
+                  </p:par>
+                  <p:par>
+                    <p:cTn id="8" fill="hold">
+                      <p:stCondLst>
+                        <p:cond delay="indefinite"/>
+                      </p:stCondLst>
+                      <p:childTnLst>
+                        <p:par>
+                          <p:cTn id="9" fill="hold">
+                            <p:stCondLst>
+                              <p:cond delay="0"/>
+                            </p:stCondLst>
+                            <p:childTnLst>
+                              <p:par>
+                                <p:cTn id="10" presetID="10" presetClass="entr" presetSubtype="0" fill="hold" nodeType="clickEffect">
+                                  <p:stCondLst>
+                                    <p:cond delay="0"/>
+                                  </p:stCondLst>
+                                  <p:childTnLst>
+                                    <p:set>
+                                      <p:cBhvr>
+                                        <p:cTn id="11" dur="1" fill="hold">
+                                          <p:stCondLst>
+                                            <p:cond delay="0"/>
+                                          </p:stCondLst>
+                                        </p:cTn>
+                                        <p:tgtEl>
+                                          <p:spTgt spid="5"/>
+                                        </p:tgtEl>
+                                        <p:attrNameLst>
+                                          <p:attrName>style.visibility</p:attrName>
+                                        </p:attrNameLst>
+                                      </p:cBhvr>
+                                      <p:to>
+                                        <p:strVal val="visible"/>
+                                      </p:to>
+                                    </p:set>
+                                    <p:animEffect transition="in" filter="fade">
+                                      <p:cBhvr>
+                                        <p:cTn id="12" dur="500"/>
+                                        <p:tgtEl>
+                                          <p:spTgt spid="5"/>
+                                        </p:tgtEl>
+                                      </p:cBhvr>
+                                    </p:animEffect>
+                                  </p:childTnLst>
+                                </p:cTn>
+                              </p:par>
+                            </p:childTnLst>
+                          </p:cTn>
+                        </p:par>
+                      </p:childTnLst>
+                    </p:cTn>
+                  </p:par>
+                  <p:par>
+                    <p:cTn id="13" fill="hold">
+                      <p:stCondLst>
+                        <p:cond delay="indefinite"/>
+                      </p:stCondLst>
+                      <p:childTnLst>
+                        <p:par>
+                          <p:cTn id="14" fill="hold">
+                            <p:stCondLst>
+                              <p:cond delay="0"/>
+                            </p:stCondLst>
+                            <p:childTnLst>
+                              <p:par>
+                                <p:cTn id="15" presetID="10" presetClass="entr" presetSubtype="0" fill="hold" nodeType="clickEffect">
+                                  <p:stCondLst>
+                                    <p:cond delay="0"/>
+                                  </p:stCondLst>
+                                  <p:childTnLst>
+                                    <p:set>
+                                      <p:cBhvr>
+                                        <p:cTn id="16" dur="1" fill="hold">
+                                          <p:stCondLst>
+                                            <p:cond delay="0"/>
+                                          </p:stCondLst>
+                                        </p:cTn>
+                                        <p:tgtEl>
+                                          <p:spTgt spid="3">
+                                            <p:txEl>
+                                              <p:pRg st="5" end="5"/>
+                                            </p:txEl>
+                                          </p:spTgt>
+                                        </p:tgtEl>
+                                        <p:attrNameLst>
+                                          <p:attrName>style.visibility</p:attrName>
+                                        </p:attrNameLst>
+                                      </p:cBhvr>
+                                      <p:to>
+                                        <p:strVal val="visible"/>
+                                      </p:to>
+                                    </p:set>
+                                    <p:animEffect transition="in" filter="fade">
+                                      <p:cBhvr>
+                                        <p:cTn id="17" dur="500"/>
+                                        <p:tgtEl>
+                                          <p:spTgt spid="3">
+                                            <p:txEl>
+                                              <p:pRg st="5" end="5"/>
+                                            </p:txEl>
+                                          </p:spTgt>
+                                        </p:tgtEl>
+                                      </p:cBhvr>
+                                    </p:animEffect>
+                                  </p:childTnLst>
+                                </p:cTn>
+                              </p:par>
+                            </p:childTnLst>
+                          </p:cTn>
+                        </p:par>
+                      </p:childTnLst>
+                    </p:cTn>
+                  </p:par>
+                  <p:par>
+                    <p:cTn id="18" fill="hold">
+                      <p:stCondLst>
+                        <p:cond delay="indefinite"/>
+                      </p:stCondLst>
+                      <p:childTnLst>
+                        <p:par>
+                          <p:cTn id="19" fill="hold">
+                            <p:stCondLst>
+                              <p:cond delay="0"/>
+                            </p:stCondLst>
+                            <p:childTnLst>
+                              <p:par>
+                                <p:cTn id="20" presetID="10" presetClass="entr" presetSubtype="0" fill="hold" nodeType="clickEffect">
+                                  <p:stCondLst>
+                                    <p:cond delay="0"/>
+                                  </p:stCondLst>
+                                  <p:childTnLst>
+                                    <p:set>
+                                      <p:cBhvr>
+                                        <p:cTn id="21" dur="1" fill="hold">
+                                          <p:stCondLst>
+                                            <p:cond delay="0"/>
+                                          </p:stCondLst>
+                                        </p:cTn>
+                                        <p:tgtEl>
+                                          <p:spTgt spid="3">
+                                            <p:txEl>
+                                              <p:pRg st="6" end="6"/>
+                                            </p:txEl>
+                                          </p:spTgt>
+                                        </p:tgtEl>
+                                        <p:attrNameLst>
+                                          <p:attrName>style.visibility</p:attrName>
+                                        </p:attrNameLst>
+                                      </p:cBhvr>
+                                      <p:to>
+                                        <p:strVal val="visible"/>
+                                      </p:to>
+                                    </p:set>
+                                    <p:animEffect transition="in" filter="fade">
+                                      <p:cBhvr>
+                                        <p:cTn id="22" dur="500"/>
+                                        <p:tgtEl>
+                                          <p:spTgt spid="3">
+                                            <p:txEl>
+                                              <p:pRg st="6" end="6"/>
+                                            </p:txEl>
+                                          </p:spTgt>
+                                        </p:tgtEl>
+                                      </p:cBhvr>
+                                    </p:animEffect>
+                                  </p:childTnLst>
+                                </p:cTn>
+                              </p:par>
+                            </p:childTnLst>
+                          </p:cTn>
+                        </p:par>
+                      </p:childTnLst>
+                    </p:cTn>
+                  </p:par>
+                  <p:par>
+                    <p:cTn id="23" fill="hold">
+                      <p:stCondLst>
+                        <p:cond delay="indefinite"/>
+                      </p:stCondLst>
+                      <p:childTnLst>
+                        <p:par>
+                          <p:cTn id="24" fill="hold">
+                            <p:stCondLst>
+                              <p:cond delay="0"/>
+                            </p:stCondLst>
+                            <p:childTnLst>
+                              <p:par>
+                                <p:cTn id="25" presetID="10" presetClass="entr" presetSubtype="0" fill="hold" nodeType="clickEffect">
+                                  <p:stCondLst>
+                                    <p:cond delay="0"/>
+                                  </p:stCondLst>
+                                  <p:childTnLst>
+                                    <p:set>
+                                      <p:cBhvr>
+                                        <p:cTn id="26" dur="1" fill="hold">
+                                          <p:stCondLst>
+                                            <p:cond delay="0"/>
+                                          </p:stCondLst>
+                                        </p:cTn>
+                                        <p:tgtEl>
+                                          <p:spTgt spid="3">
+                                            <p:txEl>
+                                              <p:pRg st="7" end="7"/>
+                                            </p:txEl>
+                                          </p:spTgt>
+                                        </p:tgtEl>
+                                        <p:attrNameLst>
+                                          <p:attrName>style.visibility</p:attrName>
+                                        </p:attrNameLst>
+                                      </p:cBhvr>
+                                      <p:to>
+                                        <p:strVal val="visible"/>
+                                      </p:to>
+                                    </p:set>
+                                    <p:animEffect transition="in" filter="fade">
+                                      <p:cBhvr>
+                                        <p:cTn id="27" dur="500"/>
+                                        <p:tgtEl>
+                                          <p:spTgt spid="3">
+                                            <p:txEl>
+                                              <p:pRg st="7" end="7"/>
+                                            </p:txEl>
+                                          </p:spTgt>
+                                        </p:tgtEl>
+                                      </p:cBhvr>
+                                    </p:animEffect>
+                                  </p:childTnLst>
+                                </p:cTn>
+                              </p:par>
+                            </p:childTnLst>
+                          </p:cTn>
+                        </p:par>
+                      </p:childTnLst>
+                    </p:cTn>
+                  </p:par>
+                </p:childTnLst>
+              </p:cTn>
+              <p:prevCondLst>
+                <p:cond evt="onPrev" delay="0">
+                  <p:tgtEl>
+                    <p:sldTgt/>
+                  </p:tgtEl>
+                </p:cond>
+              </p:prevCondLst>
+              <p:nextCondLst>
+                <p:cond evt="onNext" delay="0">
+                  <p:tgtEl>
+                    <p:sldTgt/>
+                  </p:tgtEl>
+                </p:cond>
+              </p:nextCondLst>
+            </p:seq>
+          </p:childTnLst>
+        </p:cTn>
+      </p:par>
+    </p:tnLst>
+  </p:timing>
 </p:sld>
 </file>
 
@@ -5389,38 +10975,219 @@
                 <a:latin typeface="Euclid Circular B" panose="020B0504000000000000" pitchFamily="34" charset="0"/>
                 <a:ea typeface="Euclid Circular B" panose="020B0504000000000000" pitchFamily="34" charset="0"/>
               </a:rPr>
-              <a:t>Topic title</a:t>
-            </a:r>
-          </a:p>
-        </p:txBody>
-      </p:sp>
-      <p:sp>
-        <p:nvSpPr>
-          <p:cNvPr id="3" name="Content Placeholder 2">
-            <a:extLst>
-              <a:ext uri="{FF2B5EF4-FFF2-40B4-BE49-F238E27FC236}">
-                <a16:creationId xmlns:a16="http://schemas.microsoft.com/office/drawing/2014/main" id="{891C7693-D3DF-4635-96F4-97F3B4136FDF}"/>
-              </a:ext>
-            </a:extLst>
-          </p:cNvPr>
-          <p:cNvSpPr>
-            <a:spLocks noGrp="1"/>
-          </p:cNvSpPr>
-          <p:nvPr>
-            <p:ph idx="1"/>
-          </p:nvPr>
-        </p:nvSpPr>
-        <p:spPr/>
-        <p:txBody>
-          <a:bodyPr/>
+              <a:t>Dynamic Permissions &amp; Features</a:t>
+            </a:r>
+          </a:p>
+        </p:txBody>
+      </p:sp>
+      <p:pic>
+        <p:nvPicPr>
+          <p:cNvPr id="9" name="Picture 8">
+            <a:extLst>
+              <a:ext uri="{FF2B5EF4-FFF2-40B4-BE49-F238E27FC236}">
+                <a16:creationId xmlns:a16="http://schemas.microsoft.com/office/drawing/2014/main" id="{3FE7C372-A611-9139-7432-7936D204116A}"/>
+              </a:ext>
+            </a:extLst>
+          </p:cNvPr>
+          <p:cNvPicPr>
+            <a:picLocks noChangeAspect="1"/>
+          </p:cNvPicPr>
+          <p:nvPr/>
+        </p:nvPicPr>
+        <p:blipFill>
+          <a:blip r:embed="rId3"/>
+          <a:stretch>
+            <a:fillRect/>
+          </a:stretch>
+        </p:blipFill>
+        <p:spPr>
+          <a:xfrm>
+            <a:off x="602797" y="1770200"/>
+            <a:ext cx="5586454" cy="1763745"/>
+          </a:xfrm>
+          <a:prstGeom prst="rect">
+            <a:avLst/>
+          </a:prstGeom>
+        </p:spPr>
+      </p:pic>
+      <p:pic>
+        <p:nvPicPr>
+          <p:cNvPr id="11" name="Picture 10">
+            <a:extLst>
+              <a:ext uri="{FF2B5EF4-FFF2-40B4-BE49-F238E27FC236}">
+                <a16:creationId xmlns:a16="http://schemas.microsoft.com/office/drawing/2014/main" id="{98F9FB28-0D5F-DF9D-A355-8962A14BF765}"/>
+              </a:ext>
+            </a:extLst>
+          </p:cNvPr>
+          <p:cNvPicPr>
+            <a:picLocks noChangeAspect="1"/>
+          </p:cNvPicPr>
+          <p:nvPr/>
+        </p:nvPicPr>
+        <p:blipFill>
+          <a:blip r:embed="rId4"/>
+          <a:stretch>
+            <a:fillRect/>
+          </a:stretch>
+        </p:blipFill>
+        <p:spPr>
+          <a:xfrm>
+            <a:off x="6411520" y="1770200"/>
+            <a:ext cx="5366538" cy="4225083"/>
+          </a:xfrm>
+          <a:prstGeom prst="rect">
+            <a:avLst/>
+          </a:prstGeom>
+        </p:spPr>
+      </p:pic>
+      <p:sp>
+        <p:nvSpPr>
+          <p:cNvPr id="12" name="TextBox 11">
+            <a:extLst>
+              <a:ext uri="{FF2B5EF4-FFF2-40B4-BE49-F238E27FC236}">
+                <a16:creationId xmlns:a16="http://schemas.microsoft.com/office/drawing/2014/main" id="{34F007B4-4241-275E-E09E-77BAE98062FC}"/>
+              </a:ext>
+            </a:extLst>
+          </p:cNvPr>
+          <p:cNvSpPr txBox="1"/>
+          <p:nvPr/>
+        </p:nvSpPr>
+        <p:spPr>
+          <a:xfrm>
+            <a:off x="2257058" y="1400868"/>
+            <a:ext cx="2277931" cy="369332"/>
+          </a:xfrm>
+          <a:prstGeom prst="rect">
+            <a:avLst/>
+          </a:prstGeom>
+          <a:noFill/>
+        </p:spPr>
+        <p:txBody>
+          <a:bodyPr wrap="none" rtlCol="0">
+            <a:spAutoFit/>
+          </a:bodyPr>
           <a:lstStyle/>
           <a:p>
             <a:r>
-              <a:rPr lang="en-US" dirty="0">
-                <a:latin typeface="Euclid Circular B" panose="020B0504000000000000" pitchFamily="34" charset="0"/>
-                <a:ea typeface="Euclid Circular B" panose="020B0504000000000000" pitchFamily="34" charset="0"/>
-              </a:rPr>
-              <a:t>Content</a:t>
+              <a:rPr lang="en-US" dirty="0"/>
+              <a:t>(1) Define Permissions</a:t>
+            </a:r>
+          </a:p>
+        </p:txBody>
+      </p:sp>
+      <p:sp>
+        <p:nvSpPr>
+          <p:cNvPr id="13" name="TextBox 12">
+            <a:extLst>
+              <a:ext uri="{FF2B5EF4-FFF2-40B4-BE49-F238E27FC236}">
+                <a16:creationId xmlns:a16="http://schemas.microsoft.com/office/drawing/2014/main" id="{4FDA2A86-17BB-6853-794D-89EC7AAE74A4}"/>
+              </a:ext>
+            </a:extLst>
+          </p:cNvPr>
+          <p:cNvSpPr txBox="1"/>
+          <p:nvPr/>
+        </p:nvSpPr>
+        <p:spPr>
+          <a:xfrm>
+            <a:off x="7982849" y="1426510"/>
+            <a:ext cx="2223879" cy="369332"/>
+          </a:xfrm>
+          <a:prstGeom prst="rect">
+            <a:avLst/>
+          </a:prstGeom>
+          <a:noFill/>
+        </p:spPr>
+        <p:txBody>
+          <a:bodyPr wrap="none" rtlCol="0">
+            <a:spAutoFit/>
+          </a:bodyPr>
+          <a:lstStyle/>
+          <a:p>
+            <a:r>
+              <a:rPr lang="en-US" dirty="0"/>
+              <a:t>(2) Check Permissions</a:t>
+            </a:r>
+          </a:p>
+        </p:txBody>
+      </p:sp>
+      <p:pic>
+        <p:nvPicPr>
+          <p:cNvPr id="1026" name="Picture 2" descr="authorization-new-permission-ui-localized">
+            <a:extLst>
+              <a:ext uri="{FF2B5EF4-FFF2-40B4-BE49-F238E27FC236}">
+                <a16:creationId xmlns:a16="http://schemas.microsoft.com/office/drawing/2014/main" id="{893EF38F-3676-BFB0-C929-33A8F445C45D}"/>
+              </a:ext>
+            </a:extLst>
+          </p:cNvPr>
+          <p:cNvPicPr>
+            <a:picLocks noChangeAspect="1" noChangeArrowheads="1"/>
+          </p:cNvPicPr>
+          <p:nvPr/>
+        </p:nvPicPr>
+        <p:blipFill>
+          <a:blip r:embed="rId5">
+            <a:extLst>
+              <a:ext uri="{28A0092B-C50C-407E-A947-70E740481C1C}">
+                <a14:useLocalDpi xmlns:a14="http://schemas.microsoft.com/office/drawing/2010/main" val="0"/>
+              </a:ext>
+            </a:extLst>
+          </a:blip>
+          <a:srcRect/>
+          <a:stretch>
+            <a:fillRect/>
+          </a:stretch>
+        </p:blipFill>
+        <p:spPr bwMode="auto">
+          <a:xfrm>
+            <a:off x="602797" y="4040687"/>
+            <a:ext cx="5586454" cy="2509540"/>
+          </a:xfrm>
+          <a:prstGeom prst="rect">
+            <a:avLst/>
+          </a:prstGeom>
+          <a:noFill/>
+          <a:extLst>
+            <a:ext uri="{909E8E84-426E-40DD-AFC4-6F175D3DCCD1}">
+              <a14:hiddenFill xmlns:a14="http://schemas.microsoft.com/office/drawing/2010/main">
+                <a:solidFill>
+                  <a:srgbClr val="FFFFFF"/>
+                </a:solidFill>
+              </a14:hiddenFill>
+            </a:ext>
+          </a:extLst>
+        </p:spPr>
+      </p:pic>
+      <p:sp>
+        <p:nvSpPr>
+          <p:cNvPr id="14" name="TextBox 13">
+            <a:extLst>
+              <a:ext uri="{FF2B5EF4-FFF2-40B4-BE49-F238E27FC236}">
+                <a16:creationId xmlns:a16="http://schemas.microsoft.com/office/drawing/2014/main" id="{57847C3C-C598-2228-85BF-9B5ACAC90BE8}"/>
+              </a:ext>
+            </a:extLst>
+          </p:cNvPr>
+          <p:cNvSpPr txBox="1"/>
+          <p:nvPr/>
+        </p:nvSpPr>
+        <p:spPr>
+          <a:xfrm>
+            <a:off x="2257058" y="3692969"/>
+            <a:ext cx="2189767" cy="369332"/>
+          </a:xfrm>
+          <a:prstGeom prst="rect">
+            <a:avLst/>
+          </a:prstGeom>
+          <a:noFill/>
+        </p:spPr>
+        <p:txBody>
+          <a:bodyPr wrap="none" rtlCol="0">
+            <a:spAutoFit/>
+          </a:bodyPr>
+          <a:lstStyle/>
+          <a:p>
+            <a:r>
+              <a:rPr lang="en-US" dirty="0"/>
+              <a:t>(3) Grant Permissions</a:t>
             </a:r>
           </a:p>
         </p:txBody>
@@ -5428,13 +11195,312 @@
     </p:spTree>
     <p:extLst>
       <p:ext uri="{BB962C8B-B14F-4D97-AF65-F5344CB8AC3E}">
-        <p14:creationId xmlns:p14="http://schemas.microsoft.com/office/powerpoint/2010/main" val="47479335"/>
+        <p14:creationId xmlns:p14="http://schemas.microsoft.com/office/powerpoint/2010/main" val="3188905023"/>
       </p:ext>
     </p:extLst>
   </p:cSld>
   <p:clrMapOvr>
     <a:masterClrMapping/>
   </p:clrMapOvr>
+  <p:timing>
+    <p:tnLst>
+      <p:par>
+        <p:cTn id="1" dur="indefinite" restart="never" nodeType="tmRoot">
+          <p:childTnLst>
+            <p:seq concurrent="1" nextAc="seek">
+              <p:cTn id="2" dur="indefinite" nodeType="mainSeq">
+                <p:childTnLst>
+                  <p:par>
+                    <p:cTn id="3" fill="hold">
+                      <p:stCondLst>
+                        <p:cond delay="indefinite"/>
+                      </p:stCondLst>
+                      <p:childTnLst>
+                        <p:par>
+                          <p:cTn id="4" fill="hold">
+                            <p:stCondLst>
+                              <p:cond delay="0"/>
+                            </p:stCondLst>
+                            <p:childTnLst>
+                              <p:par>
+                                <p:cTn id="5" presetID="10" presetClass="entr" presetSubtype="0" fill="hold" grpId="0" nodeType="clickEffect">
+                                  <p:stCondLst>
+                                    <p:cond delay="0"/>
+                                  </p:stCondLst>
+                                  <p:childTnLst>
+                                    <p:set>
+                                      <p:cBhvr>
+                                        <p:cTn id="6" dur="1" fill="hold">
+                                          <p:stCondLst>
+                                            <p:cond delay="0"/>
+                                          </p:stCondLst>
+                                        </p:cTn>
+                                        <p:tgtEl>
+                                          <p:spTgt spid="12"/>
+                                        </p:tgtEl>
+                                        <p:attrNameLst>
+                                          <p:attrName>style.visibility</p:attrName>
+                                        </p:attrNameLst>
+                                      </p:cBhvr>
+                                      <p:to>
+                                        <p:strVal val="visible"/>
+                                      </p:to>
+                                    </p:set>
+                                    <p:animEffect transition="in" filter="fade">
+                                      <p:cBhvr>
+                                        <p:cTn id="7" dur="500"/>
+                                        <p:tgtEl>
+                                          <p:spTgt spid="12"/>
+                                        </p:tgtEl>
+                                      </p:cBhvr>
+                                    </p:animEffect>
+                                  </p:childTnLst>
+                                </p:cTn>
+                              </p:par>
+                              <p:par>
+                                <p:cTn id="8" presetID="10" presetClass="entr" presetSubtype="0" fill="hold" nodeType="withEffect">
+                                  <p:stCondLst>
+                                    <p:cond delay="0"/>
+                                  </p:stCondLst>
+                                  <p:childTnLst>
+                                    <p:set>
+                                      <p:cBhvr>
+                                        <p:cTn id="9" dur="1" fill="hold">
+                                          <p:stCondLst>
+                                            <p:cond delay="0"/>
+                                          </p:stCondLst>
+                                        </p:cTn>
+                                        <p:tgtEl>
+                                          <p:spTgt spid="9"/>
+                                        </p:tgtEl>
+                                        <p:attrNameLst>
+                                          <p:attrName>style.visibility</p:attrName>
+                                        </p:attrNameLst>
+                                      </p:cBhvr>
+                                      <p:to>
+                                        <p:strVal val="visible"/>
+                                      </p:to>
+                                    </p:set>
+                                    <p:animEffect transition="in" filter="fade">
+                                      <p:cBhvr>
+                                        <p:cTn id="10" dur="500"/>
+                                        <p:tgtEl>
+                                          <p:spTgt spid="9"/>
+                                        </p:tgtEl>
+                                      </p:cBhvr>
+                                    </p:animEffect>
+                                  </p:childTnLst>
+                                </p:cTn>
+                              </p:par>
+                            </p:childTnLst>
+                          </p:cTn>
+                        </p:par>
+                      </p:childTnLst>
+                    </p:cTn>
+                  </p:par>
+                  <p:par>
+                    <p:cTn id="11" fill="hold">
+                      <p:stCondLst>
+                        <p:cond delay="indefinite"/>
+                      </p:stCondLst>
+                      <p:childTnLst>
+                        <p:par>
+                          <p:cTn id="12" fill="hold">
+                            <p:stCondLst>
+                              <p:cond delay="0"/>
+                            </p:stCondLst>
+                            <p:childTnLst>
+                              <p:par>
+                                <p:cTn id="13" presetID="10" presetClass="entr" presetSubtype="0" fill="hold" grpId="0" nodeType="clickEffect">
+                                  <p:stCondLst>
+                                    <p:cond delay="0"/>
+                                  </p:stCondLst>
+                                  <p:childTnLst>
+                                    <p:set>
+                                      <p:cBhvr>
+                                        <p:cTn id="14" dur="1" fill="hold">
+                                          <p:stCondLst>
+                                            <p:cond delay="0"/>
+                                          </p:stCondLst>
+                                        </p:cTn>
+                                        <p:tgtEl>
+                                          <p:spTgt spid="13"/>
+                                        </p:tgtEl>
+                                        <p:attrNameLst>
+                                          <p:attrName>style.visibility</p:attrName>
+                                        </p:attrNameLst>
+                                      </p:cBhvr>
+                                      <p:to>
+                                        <p:strVal val="visible"/>
+                                      </p:to>
+                                    </p:set>
+                                    <p:animEffect transition="in" filter="fade">
+                                      <p:cBhvr>
+                                        <p:cTn id="15" dur="500"/>
+                                        <p:tgtEl>
+                                          <p:spTgt spid="13"/>
+                                        </p:tgtEl>
+                                      </p:cBhvr>
+                                    </p:animEffect>
+                                  </p:childTnLst>
+                                </p:cTn>
+                              </p:par>
+                              <p:par>
+                                <p:cTn id="16" presetID="10" presetClass="entr" presetSubtype="0" fill="hold" nodeType="withEffect">
+                                  <p:stCondLst>
+                                    <p:cond delay="0"/>
+                                  </p:stCondLst>
+                                  <p:childTnLst>
+                                    <p:set>
+                                      <p:cBhvr>
+                                        <p:cTn id="17" dur="1" fill="hold">
+                                          <p:stCondLst>
+                                            <p:cond delay="0"/>
+                                          </p:stCondLst>
+                                        </p:cTn>
+                                        <p:tgtEl>
+                                          <p:spTgt spid="11"/>
+                                        </p:tgtEl>
+                                        <p:attrNameLst>
+                                          <p:attrName>style.visibility</p:attrName>
+                                        </p:attrNameLst>
+                                      </p:cBhvr>
+                                      <p:to>
+                                        <p:strVal val="visible"/>
+                                      </p:to>
+                                    </p:set>
+                                    <p:animEffect transition="in" filter="fade">
+                                      <p:cBhvr>
+                                        <p:cTn id="18" dur="500"/>
+                                        <p:tgtEl>
+                                          <p:spTgt spid="11"/>
+                                        </p:tgtEl>
+                                      </p:cBhvr>
+                                    </p:animEffect>
+                                  </p:childTnLst>
+                                </p:cTn>
+                              </p:par>
+                            </p:childTnLst>
+                          </p:cTn>
+                        </p:par>
+                      </p:childTnLst>
+                    </p:cTn>
+                  </p:par>
+                  <p:par>
+                    <p:cTn id="19" fill="hold">
+                      <p:stCondLst>
+                        <p:cond delay="indefinite"/>
+                      </p:stCondLst>
+                      <p:childTnLst>
+                        <p:par>
+                          <p:cTn id="20" fill="hold">
+                            <p:stCondLst>
+                              <p:cond delay="0"/>
+                            </p:stCondLst>
+                            <p:childTnLst>
+                              <p:par>
+                                <p:cTn id="21" presetID="10" presetClass="entr" presetSubtype="0" fill="hold" grpId="0" nodeType="clickEffect">
+                                  <p:stCondLst>
+                                    <p:cond delay="0"/>
+                                  </p:stCondLst>
+                                  <p:childTnLst>
+                                    <p:set>
+                                      <p:cBhvr>
+                                        <p:cTn id="22" dur="1" fill="hold">
+                                          <p:stCondLst>
+                                            <p:cond delay="0"/>
+                                          </p:stCondLst>
+                                        </p:cTn>
+                                        <p:tgtEl>
+                                          <p:spTgt spid="14"/>
+                                        </p:tgtEl>
+                                        <p:attrNameLst>
+                                          <p:attrName>style.visibility</p:attrName>
+                                        </p:attrNameLst>
+                                      </p:cBhvr>
+                                      <p:to>
+                                        <p:strVal val="visible"/>
+                                      </p:to>
+                                    </p:set>
+                                    <p:animEffect transition="in" filter="fade">
+                                      <p:cBhvr>
+                                        <p:cTn id="23" dur="500"/>
+                                        <p:tgtEl>
+                                          <p:spTgt spid="14"/>
+                                        </p:tgtEl>
+                                      </p:cBhvr>
+                                    </p:animEffect>
+                                  </p:childTnLst>
+                                </p:cTn>
+                              </p:par>
+                              <p:par>
+                                <p:cTn id="24" presetID="10" presetClass="entr" presetSubtype="0" fill="hold" nodeType="withEffect">
+                                  <p:stCondLst>
+                                    <p:cond delay="0"/>
+                                  </p:stCondLst>
+                                  <p:childTnLst>
+                                    <p:set>
+                                      <p:cBhvr>
+                                        <p:cTn id="25" dur="1" fill="hold">
+                                          <p:stCondLst>
+                                            <p:cond delay="0"/>
+                                          </p:stCondLst>
+                                        </p:cTn>
+                                        <p:tgtEl>
+                                          <p:spTgt spid="1026"/>
+                                        </p:tgtEl>
+                                        <p:attrNameLst>
+                                          <p:attrName>style.visibility</p:attrName>
+                                        </p:attrNameLst>
+                                      </p:cBhvr>
+                                      <p:to>
+                                        <p:strVal val="visible"/>
+                                      </p:to>
+                                    </p:set>
+                                    <p:animEffect transition="in" filter="fade">
+                                      <p:cBhvr>
+                                        <p:cTn id="26" dur="500"/>
+                                        <p:tgtEl>
+                                          <p:spTgt spid="1026"/>
+                                        </p:tgtEl>
+                                      </p:cBhvr>
+                                    </p:animEffect>
+                                  </p:childTnLst>
+                                </p:cTn>
+                              </p:par>
+                            </p:childTnLst>
+                          </p:cTn>
+                        </p:par>
+                      </p:childTnLst>
+                    </p:cTn>
+                  </p:par>
+                </p:childTnLst>
+              </p:cTn>
+              <p:prevCondLst>
+                <p:cond evt="onPrev" delay="0">
+                  <p:tgtEl>
+                    <p:sldTgt/>
+                  </p:tgtEl>
+                </p:cond>
+              </p:prevCondLst>
+              <p:nextCondLst>
+                <p:cond evt="onNext" delay="0">
+                  <p:tgtEl>
+                    <p:sldTgt/>
+                  </p:tgtEl>
+                </p:cond>
+              </p:nextCondLst>
+            </p:seq>
+          </p:childTnLst>
+        </p:cTn>
+      </p:par>
+    </p:tnLst>
+    <p:bldLst>
+      <p:bldP spid="12" grpId="0"/>
+      <p:bldP spid="13" grpId="0"/>
+      <p:bldP spid="14" grpId="0"/>
+    </p:bldLst>
+  </p:timing>
 </p:sld>
 </file>
 

--- a/2022-09-29 ABP Community Talks 2022.7/ABP-7-News.pptx
+++ b/2022-09-29 ABP Community Talks 2022.7/ABP-7-News.pptx
@@ -15,9 +15,7 @@
     <p:sldId id="259" r:id="rId9"/>
     <p:sldId id="260" r:id="rId10"/>
     <p:sldId id="261" r:id="rId11"/>
-    <p:sldId id="264" r:id="rId12"/>
-    <p:sldId id="266" r:id="rId13"/>
-    <p:sldId id="265" r:id="rId14"/>
+    <p:sldId id="265" r:id="rId12"/>
   </p:sldIdLst>
   <p:sldSz cx="12192000" cy="6858000"/>
   <p:notesSz cx="6858000" cy="9144000"/>
@@ -4622,224 +4620,6 @@
 </file>
 
 <file path=ppt/slides/slide11.xml><?xml version="1.0" encoding="utf-8"?>
-<p:sld xmlns:a="http://schemas.openxmlformats.org/drawingml/2006/main" xmlns:r="http://schemas.openxmlformats.org/officeDocument/2006/relationships" xmlns:p="http://schemas.openxmlformats.org/presentationml/2006/main">
-  <p:cSld>
-    <p:bg>
-      <p:bgPr>
-        <a:blipFill dpi="0" rotWithShape="1">
-          <a:blip r:embed="rId2">
-            <a:lum/>
-          </a:blip>
-          <a:srcRect/>
-          <a:stretch>
-            <a:fillRect/>
-          </a:stretch>
-        </a:blipFill>
-        <a:effectLst/>
-      </p:bgPr>
-    </p:bg>
-    <p:spTree>
-      <p:nvGrpSpPr>
-        <p:cNvPr id="1" name=""/>
-        <p:cNvGrpSpPr/>
-        <p:nvPr/>
-      </p:nvGrpSpPr>
-      <p:grpSpPr>
-        <a:xfrm>
-          <a:off x="0" y="0"/>
-          <a:ext cx="0" cy="0"/>
-          <a:chOff x="0" y="0"/>
-          <a:chExt cx="0" cy="0"/>
-        </a:xfrm>
-      </p:grpSpPr>
-      <p:sp>
-        <p:nvSpPr>
-          <p:cNvPr id="2" name="Title 1">
-            <a:extLst>
-              <a:ext uri="{FF2B5EF4-FFF2-40B4-BE49-F238E27FC236}">
-                <a16:creationId xmlns:a16="http://schemas.microsoft.com/office/drawing/2014/main" id="{55E11F08-6CA0-48F1-AD67-97430DDA07F0}"/>
-              </a:ext>
-            </a:extLst>
-          </p:cNvPr>
-          <p:cNvSpPr>
-            <a:spLocks noGrp="1"/>
-          </p:cNvSpPr>
-          <p:nvPr>
-            <p:ph type="title"/>
-          </p:nvPr>
-        </p:nvSpPr>
-        <p:spPr/>
-        <p:txBody>
-          <a:bodyPr/>
-          <a:lstStyle/>
-          <a:p>
-            <a:r>
-              <a:rPr lang="en-US" b="1" dirty="0">
-                <a:solidFill>
-                  <a:srgbClr val="292D33"/>
-                </a:solidFill>
-                <a:latin typeface="Euclid Circular B" panose="020B0504000000000000" pitchFamily="34" charset="0"/>
-                <a:ea typeface="Euclid Circular B" panose="020B0504000000000000" pitchFamily="34" charset="0"/>
-              </a:rPr>
-              <a:t>Topic title</a:t>
-            </a:r>
-          </a:p>
-        </p:txBody>
-      </p:sp>
-      <p:sp>
-        <p:nvSpPr>
-          <p:cNvPr id="3" name="Content Placeholder 2">
-            <a:extLst>
-              <a:ext uri="{FF2B5EF4-FFF2-40B4-BE49-F238E27FC236}">
-                <a16:creationId xmlns:a16="http://schemas.microsoft.com/office/drawing/2014/main" id="{891C7693-D3DF-4635-96F4-97F3B4136FDF}"/>
-              </a:ext>
-            </a:extLst>
-          </p:cNvPr>
-          <p:cNvSpPr>
-            <a:spLocks noGrp="1"/>
-          </p:cNvSpPr>
-          <p:nvPr>
-            <p:ph idx="1"/>
-          </p:nvPr>
-        </p:nvSpPr>
-        <p:spPr/>
-        <p:txBody>
-          <a:bodyPr/>
-          <a:lstStyle/>
-          <a:p>
-            <a:r>
-              <a:rPr lang="en-US" dirty="0">
-                <a:latin typeface="Euclid Circular B" panose="020B0504000000000000" pitchFamily="34" charset="0"/>
-                <a:ea typeface="Euclid Circular B" panose="020B0504000000000000" pitchFamily="34" charset="0"/>
-              </a:rPr>
-              <a:t>Content</a:t>
-            </a:r>
-          </a:p>
-        </p:txBody>
-      </p:sp>
-    </p:spTree>
-    <p:extLst>
-      <p:ext uri="{BB962C8B-B14F-4D97-AF65-F5344CB8AC3E}">
-        <p14:creationId xmlns:p14="http://schemas.microsoft.com/office/powerpoint/2010/main" val="47479335"/>
-      </p:ext>
-    </p:extLst>
-  </p:cSld>
-  <p:clrMapOvr>
-    <a:masterClrMapping/>
-  </p:clrMapOvr>
-</p:sld>
-</file>
-
-<file path=ppt/slides/slide12.xml><?xml version="1.0" encoding="utf-8"?>
-<p:sld xmlns:a="http://schemas.openxmlformats.org/drawingml/2006/main" xmlns:r="http://schemas.openxmlformats.org/officeDocument/2006/relationships" xmlns:p="http://schemas.openxmlformats.org/presentationml/2006/main">
-  <p:cSld>
-    <p:bg>
-      <p:bgPr>
-        <a:blipFill dpi="0" rotWithShape="1">
-          <a:blip r:embed="rId2">
-            <a:lum/>
-          </a:blip>
-          <a:srcRect/>
-          <a:stretch>
-            <a:fillRect/>
-          </a:stretch>
-        </a:blipFill>
-        <a:effectLst/>
-      </p:bgPr>
-    </p:bg>
-    <p:spTree>
-      <p:nvGrpSpPr>
-        <p:cNvPr id="1" name=""/>
-        <p:cNvGrpSpPr/>
-        <p:nvPr/>
-      </p:nvGrpSpPr>
-      <p:grpSpPr>
-        <a:xfrm>
-          <a:off x="0" y="0"/>
-          <a:ext cx="0" cy="0"/>
-          <a:chOff x="0" y="0"/>
-          <a:chExt cx="0" cy="0"/>
-        </a:xfrm>
-      </p:grpSpPr>
-      <p:sp>
-        <p:nvSpPr>
-          <p:cNvPr id="2" name="Title 1">
-            <a:extLst>
-              <a:ext uri="{FF2B5EF4-FFF2-40B4-BE49-F238E27FC236}">
-                <a16:creationId xmlns:a16="http://schemas.microsoft.com/office/drawing/2014/main" id="{55E11F08-6CA0-48F1-AD67-97430DDA07F0}"/>
-              </a:ext>
-            </a:extLst>
-          </p:cNvPr>
-          <p:cNvSpPr>
-            <a:spLocks noGrp="1"/>
-          </p:cNvSpPr>
-          <p:nvPr>
-            <p:ph type="title"/>
-          </p:nvPr>
-        </p:nvSpPr>
-        <p:spPr/>
-        <p:txBody>
-          <a:bodyPr/>
-          <a:lstStyle/>
-          <a:p>
-            <a:r>
-              <a:rPr lang="en-US" b="1" dirty="0">
-                <a:solidFill>
-                  <a:srgbClr val="292D33"/>
-                </a:solidFill>
-                <a:latin typeface="Euclid Circular B" panose="020B0504000000000000" pitchFamily="34" charset="0"/>
-                <a:ea typeface="Euclid Circular B" panose="020B0504000000000000" pitchFamily="34" charset="0"/>
-              </a:rPr>
-              <a:t>Topic title</a:t>
-            </a:r>
-          </a:p>
-        </p:txBody>
-      </p:sp>
-      <p:sp>
-        <p:nvSpPr>
-          <p:cNvPr id="3" name="Content Placeholder 2">
-            <a:extLst>
-              <a:ext uri="{FF2B5EF4-FFF2-40B4-BE49-F238E27FC236}">
-                <a16:creationId xmlns:a16="http://schemas.microsoft.com/office/drawing/2014/main" id="{891C7693-D3DF-4635-96F4-97F3B4136FDF}"/>
-              </a:ext>
-            </a:extLst>
-          </p:cNvPr>
-          <p:cNvSpPr>
-            <a:spLocks noGrp="1"/>
-          </p:cNvSpPr>
-          <p:nvPr>
-            <p:ph idx="1"/>
-          </p:nvPr>
-        </p:nvSpPr>
-        <p:spPr/>
-        <p:txBody>
-          <a:bodyPr/>
-          <a:lstStyle/>
-          <a:p>
-            <a:r>
-              <a:rPr lang="en-US" dirty="0">
-                <a:latin typeface="Euclid Circular B" panose="020B0504000000000000" pitchFamily="34" charset="0"/>
-                <a:ea typeface="Euclid Circular B" panose="020B0504000000000000" pitchFamily="34" charset="0"/>
-              </a:rPr>
-              <a:t>Content</a:t>
-            </a:r>
-          </a:p>
-        </p:txBody>
-      </p:sp>
-    </p:spTree>
-    <p:extLst>
-      <p:ext uri="{BB962C8B-B14F-4D97-AF65-F5344CB8AC3E}">
-        <p14:creationId xmlns:p14="http://schemas.microsoft.com/office/powerpoint/2010/main" val="842012367"/>
-      </p:ext>
-    </p:extLst>
-  </p:cSld>
-  <p:clrMapOvr>
-    <a:masterClrMapping/>
-  </p:clrMapOvr>
-</p:sld>
-</file>
-
-<file path=ppt/slides/slide13.xml><?xml version="1.0" encoding="utf-8"?>
 <p:sld xmlns:a="http://schemas.openxmlformats.org/drawingml/2006/main" xmlns:r="http://schemas.openxmlformats.org/officeDocument/2006/relationships" xmlns:p="http://schemas.openxmlformats.org/presentationml/2006/main">
   <p:cSld>
     <p:bg>

--- a/2022-09-29 ABP Community Talks 2022.7/ABP-7-News.pptx
+++ b/2022-09-29 ABP Community Talks 2022.7/ABP-7-News.pptx
@@ -15,7 +15,6 @@
     <p:sldId id="259" r:id="rId9"/>
     <p:sldId id="260" r:id="rId10"/>
     <p:sldId id="261" r:id="rId11"/>
-    <p:sldId id="265" r:id="rId12"/>
   </p:sldIdLst>
   <p:sldSz cx="12192000" cy="6858000"/>
   <p:notesSz cx="6858000" cy="9144000"/>
@@ -269,7 +268,7 @@
           <a:p>
             <a:fld id="{2A14C9FE-EBC3-45D3-899C-58AAF4F8AF71}" type="datetimeFigureOut">
               <a:rPr lang="en-US" smtClean="0"/>
-              <a:t>16-Sep-22</a:t>
+              <a:t>29-Sep-22</a:t>
             </a:fld>
             <a:endParaRPr lang="en-US"/>
           </a:p>
@@ -467,7 +466,7 @@
           <a:p>
             <a:fld id="{2A14C9FE-EBC3-45D3-899C-58AAF4F8AF71}" type="datetimeFigureOut">
               <a:rPr lang="en-US" smtClean="0"/>
-              <a:t>16-Sep-22</a:t>
+              <a:t>29-Sep-22</a:t>
             </a:fld>
             <a:endParaRPr lang="en-US"/>
           </a:p>
@@ -675,7 +674,7 @@
           <a:p>
             <a:fld id="{2A14C9FE-EBC3-45D3-899C-58AAF4F8AF71}" type="datetimeFigureOut">
               <a:rPr lang="en-US" smtClean="0"/>
-              <a:t>16-Sep-22</a:t>
+              <a:t>29-Sep-22</a:t>
             </a:fld>
             <a:endParaRPr lang="en-US"/>
           </a:p>
@@ -873,7 +872,7 @@
           <a:p>
             <a:fld id="{2A14C9FE-EBC3-45D3-899C-58AAF4F8AF71}" type="datetimeFigureOut">
               <a:rPr lang="en-US" smtClean="0"/>
-              <a:t>16-Sep-22</a:t>
+              <a:t>29-Sep-22</a:t>
             </a:fld>
             <a:endParaRPr lang="en-US"/>
           </a:p>
@@ -1148,7 +1147,7 @@
           <a:p>
             <a:fld id="{2A14C9FE-EBC3-45D3-899C-58AAF4F8AF71}" type="datetimeFigureOut">
               <a:rPr lang="en-US" smtClean="0"/>
-              <a:t>16-Sep-22</a:t>
+              <a:t>29-Sep-22</a:t>
             </a:fld>
             <a:endParaRPr lang="en-US"/>
           </a:p>
@@ -1413,7 +1412,7 @@
           <a:p>
             <a:fld id="{2A14C9FE-EBC3-45D3-899C-58AAF4F8AF71}" type="datetimeFigureOut">
               <a:rPr lang="en-US" smtClean="0"/>
-              <a:t>16-Sep-22</a:t>
+              <a:t>29-Sep-22</a:t>
             </a:fld>
             <a:endParaRPr lang="en-US"/>
           </a:p>
@@ -1825,7 +1824,7 @@
           <a:p>
             <a:fld id="{2A14C9FE-EBC3-45D3-899C-58AAF4F8AF71}" type="datetimeFigureOut">
               <a:rPr lang="en-US" smtClean="0"/>
-              <a:t>16-Sep-22</a:t>
+              <a:t>29-Sep-22</a:t>
             </a:fld>
             <a:endParaRPr lang="en-US"/>
           </a:p>
@@ -1966,7 +1965,7 @@
           <a:p>
             <a:fld id="{2A14C9FE-EBC3-45D3-899C-58AAF4F8AF71}" type="datetimeFigureOut">
               <a:rPr lang="en-US" smtClean="0"/>
-              <a:t>16-Sep-22</a:t>
+              <a:t>29-Sep-22</a:t>
             </a:fld>
             <a:endParaRPr lang="en-US"/>
           </a:p>
@@ -2079,7 +2078,7 @@
           <a:p>
             <a:fld id="{2A14C9FE-EBC3-45D3-899C-58AAF4F8AF71}" type="datetimeFigureOut">
               <a:rPr lang="en-US" smtClean="0"/>
-              <a:t>16-Sep-22</a:t>
+              <a:t>29-Sep-22</a:t>
             </a:fld>
             <a:endParaRPr lang="en-US"/>
           </a:p>
@@ -2390,7 +2389,7 @@
           <a:p>
             <a:fld id="{2A14C9FE-EBC3-45D3-899C-58AAF4F8AF71}" type="datetimeFigureOut">
               <a:rPr lang="en-US" smtClean="0"/>
-              <a:t>16-Sep-22</a:t>
+              <a:t>29-Sep-22</a:t>
             </a:fld>
             <a:endParaRPr lang="en-US"/>
           </a:p>
@@ -2678,7 +2677,7 @@
           <a:p>
             <a:fld id="{2A14C9FE-EBC3-45D3-899C-58AAF4F8AF71}" type="datetimeFigureOut">
               <a:rPr lang="en-US" smtClean="0"/>
-              <a:t>16-Sep-22</a:t>
+              <a:t>29-Sep-22</a:t>
             </a:fld>
             <a:endParaRPr lang="en-US"/>
           </a:p>
@@ -2919,7 +2918,7 @@
           <a:p>
             <a:fld id="{2A14C9FE-EBC3-45D3-899C-58AAF4F8AF71}" type="datetimeFigureOut">
               <a:rPr lang="en-US" smtClean="0"/>
-              <a:t>16-Sep-22</a:t>
+              <a:t>29-Sep-22</a:t>
             </a:fld>
             <a:endParaRPr lang="en-US"/>
           </a:p>
@@ -4616,115 +4615,6 @@
       <p:bldP spid="29" grpId="0"/>
     </p:bldLst>
   </p:timing>
-</p:sld>
-</file>
-
-<file path=ppt/slides/slide11.xml><?xml version="1.0" encoding="utf-8"?>
-<p:sld xmlns:a="http://schemas.openxmlformats.org/drawingml/2006/main" xmlns:r="http://schemas.openxmlformats.org/officeDocument/2006/relationships" xmlns:p="http://schemas.openxmlformats.org/presentationml/2006/main">
-  <p:cSld>
-    <p:bg>
-      <p:bgPr>
-        <a:blipFill dpi="0" rotWithShape="1">
-          <a:blip r:embed="rId2">
-            <a:lum/>
-          </a:blip>
-          <a:srcRect/>
-          <a:stretch>
-            <a:fillRect/>
-          </a:stretch>
-        </a:blipFill>
-        <a:effectLst/>
-      </p:bgPr>
-    </p:bg>
-    <p:spTree>
-      <p:nvGrpSpPr>
-        <p:cNvPr id="1" name=""/>
-        <p:cNvGrpSpPr/>
-        <p:nvPr/>
-      </p:nvGrpSpPr>
-      <p:grpSpPr>
-        <a:xfrm>
-          <a:off x="0" y="0"/>
-          <a:ext cx="0" cy="0"/>
-          <a:chOff x="0" y="0"/>
-          <a:chExt cx="0" cy="0"/>
-        </a:xfrm>
-      </p:grpSpPr>
-      <p:sp>
-        <p:nvSpPr>
-          <p:cNvPr id="2" name="Title 1">
-            <a:extLst>
-              <a:ext uri="{FF2B5EF4-FFF2-40B4-BE49-F238E27FC236}">
-                <a16:creationId xmlns:a16="http://schemas.microsoft.com/office/drawing/2014/main" id="{55E11F08-6CA0-48F1-AD67-97430DDA07F0}"/>
-              </a:ext>
-            </a:extLst>
-          </p:cNvPr>
-          <p:cNvSpPr>
-            <a:spLocks noGrp="1"/>
-          </p:cNvSpPr>
-          <p:nvPr>
-            <p:ph type="title"/>
-          </p:nvPr>
-        </p:nvSpPr>
-        <p:spPr/>
-        <p:txBody>
-          <a:bodyPr/>
-          <a:lstStyle/>
-          <a:p>
-            <a:r>
-              <a:rPr lang="en-US" b="1" dirty="0">
-                <a:solidFill>
-                  <a:srgbClr val="292D33"/>
-                </a:solidFill>
-                <a:latin typeface="Euclid Circular B" panose="020B0504000000000000" pitchFamily="34" charset="0"/>
-                <a:ea typeface="Euclid Circular B" panose="020B0504000000000000" pitchFamily="34" charset="0"/>
-              </a:rPr>
-              <a:t>Topic title</a:t>
-            </a:r>
-          </a:p>
-        </p:txBody>
-      </p:sp>
-      <p:sp>
-        <p:nvSpPr>
-          <p:cNvPr id="3" name="Content Placeholder 2">
-            <a:extLst>
-              <a:ext uri="{FF2B5EF4-FFF2-40B4-BE49-F238E27FC236}">
-                <a16:creationId xmlns:a16="http://schemas.microsoft.com/office/drawing/2014/main" id="{891C7693-D3DF-4635-96F4-97F3B4136FDF}"/>
-              </a:ext>
-            </a:extLst>
-          </p:cNvPr>
-          <p:cNvSpPr>
-            <a:spLocks noGrp="1"/>
-          </p:cNvSpPr>
-          <p:nvPr>
-            <p:ph idx="1"/>
-          </p:nvPr>
-        </p:nvSpPr>
-        <p:spPr/>
-        <p:txBody>
-          <a:bodyPr/>
-          <a:lstStyle/>
-          <a:p>
-            <a:r>
-              <a:rPr lang="en-US" dirty="0">
-                <a:latin typeface="Euclid Circular B" panose="020B0504000000000000" pitchFamily="34" charset="0"/>
-                <a:ea typeface="Euclid Circular B" panose="020B0504000000000000" pitchFamily="34" charset="0"/>
-              </a:rPr>
-              <a:t>Content</a:t>
-            </a:r>
-          </a:p>
-        </p:txBody>
-      </p:sp>
-    </p:spTree>
-    <p:extLst>
-      <p:ext uri="{BB962C8B-B14F-4D97-AF65-F5344CB8AC3E}">
-        <p14:creationId xmlns:p14="http://schemas.microsoft.com/office/powerpoint/2010/main" val="3010888066"/>
-      </p:ext>
-    </p:extLst>
-  </p:cSld>
-  <p:clrMapOvr>
-    <a:masterClrMapping/>
-  </p:clrMapOvr>
 </p:sld>
 </file>
 
